--- a/courses/apcsp/apcspwhy.pptx
+++ b/courses/apcsp/apcspwhy.pptx
@@ -5,11 +5,14 @@
     <p:sldMasterId id="2147483791" r:id="rId1"/>
   </p:sldMasterIdLst>
   <p:notesMasterIdLst>
-    <p:notesMasterId r:id="rId4"/>
+    <p:notesMasterId r:id="rId7"/>
   </p:notesMasterIdLst>
   <p:sldIdLst>
     <p:sldId id="256" r:id="rId2"/>
-    <p:sldId id="320" r:id="rId3"/>
+    <p:sldId id="321" r:id="rId3"/>
+    <p:sldId id="320" r:id="rId4"/>
+    <p:sldId id="323" r:id="rId5"/>
+    <p:sldId id="322" r:id="rId6"/>
   </p:sldIdLst>
   <p:sldSz cx="9144000" cy="5715000" type="screen16x10"/>
   <p:notesSz cx="6858000" cy="9144000"/>
@@ -1964,7 +1967,7 @@
           <a:p>
             <a:fld id="{6EDD99D2-A624-5E4F-A4E3-584054837B5A}" type="datetimeFigureOut">
               <a:rPr lang="en-US" smtClean="0"/>
-              <a:t>2/7/20</a:t>
+              <a:t>2/10/20</a:t>
             </a:fld>
             <a:endParaRPr lang="en-US"/>
           </a:p>
@@ -2343,7 +2346,373 @@
     </p:spTree>
     <p:extLst>
       <p:ext uri="{BB962C8B-B14F-4D97-AF65-F5344CB8AC3E}">
-        <p14:creationId xmlns:p14="http://schemas.microsoft.com/office/powerpoint/2010/main" val="3956883831"/>
+        <p14:creationId xmlns:p14="http://schemas.microsoft.com/office/powerpoint/2010/main" val="3241379230"/>
+      </p:ext>
+    </p:extLst>
+  </p:cSld>
+  <p:clrMapOvr>
+    <a:masterClrMapping/>
+  </p:clrMapOvr>
+</p:notes>
+</file>
+
+<file path=ppt/notesSlides/notesSlide2.xml><?xml version="1.0" encoding="utf-8"?>
+<p:notes xmlns:a="http://schemas.openxmlformats.org/drawingml/2006/main" xmlns:r="http://schemas.openxmlformats.org/officeDocument/2006/relationships" xmlns:p="http://schemas.openxmlformats.org/presentationml/2006/main">
+  <p:cSld>
+    <p:spTree>
+      <p:nvGrpSpPr>
+        <p:cNvPr id="1" name=""/>
+        <p:cNvGrpSpPr/>
+        <p:nvPr/>
+      </p:nvGrpSpPr>
+      <p:grpSpPr>
+        <a:xfrm>
+          <a:off x="0" y="0"/>
+          <a:ext cx="0" cy="0"/>
+          <a:chOff x="0" y="0"/>
+          <a:chExt cx="0" cy="0"/>
+        </a:xfrm>
+      </p:grpSpPr>
+      <p:sp>
+        <p:nvSpPr>
+          <p:cNvPr id="2" name="Slide Image Placeholder 1"/>
+          <p:cNvSpPr>
+            <a:spLocks noGrp="1" noRot="1" noChangeAspect="1"/>
+          </p:cNvSpPr>
+          <p:nvPr>
+            <p:ph type="sldImg"/>
+          </p:nvPr>
+        </p:nvSpPr>
+        <p:spPr/>
+      </p:sp>
+      <p:sp>
+        <p:nvSpPr>
+          <p:cNvPr id="3" name="Notes Placeholder 2"/>
+          <p:cNvSpPr>
+            <a:spLocks noGrp="1"/>
+          </p:cNvSpPr>
+          <p:nvPr>
+            <p:ph type="body" idx="1"/>
+          </p:nvPr>
+        </p:nvSpPr>
+        <p:spPr/>
+        <p:txBody>
+          <a:bodyPr/>
+          <a:lstStyle/>
+          <a:p>
+            <a:r>
+              <a:rPr lang="en-US" sz="1200" kern="1200" dirty="0">
+                <a:solidFill>
+                  <a:schemeClr val="tx1"/>
+                </a:solidFill>
+                <a:effectLst/>
+                <a:latin typeface="+mn-lt"/>
+                <a:ea typeface="+mn-ea"/>
+                <a:cs typeface="+mn-cs"/>
+              </a:rPr>
+              <a:t>y = 3\sin(2\pi\</a:t>
+            </a:r>
+            <a:r>
+              <a:rPr lang="en-US" sz="1200" kern="1200" dirty="0" err="1">
+                <a:solidFill>
+                  <a:schemeClr val="tx1"/>
+                </a:solidFill>
+                <a:effectLst/>
+                <a:latin typeface="+mn-lt"/>
+                <a:ea typeface="+mn-ea"/>
+                <a:cs typeface="+mn-cs"/>
+              </a:rPr>
+              <a:t>cdot</a:t>
+            </a:r>
+            <a:r>
+              <a:rPr lang="en-US" sz="1200" kern="1200" dirty="0">
+                <a:solidFill>
+                  <a:schemeClr val="tx1"/>
+                </a:solidFill>
+                <a:effectLst/>
+                <a:latin typeface="+mn-lt"/>
+                <a:ea typeface="+mn-ea"/>
+                <a:cs typeface="+mn-cs"/>
+              </a:rPr>
+              <a:t> 4t + \pi/2).</a:t>
+            </a:r>
+          </a:p>
+          <a:p>
+            <a:endParaRPr lang="en-US" dirty="0"/>
+          </a:p>
+        </p:txBody>
+      </p:sp>
+      <p:sp>
+        <p:nvSpPr>
+          <p:cNvPr id="4" name="Slide Number Placeholder 3"/>
+          <p:cNvSpPr>
+            <a:spLocks noGrp="1"/>
+          </p:cNvSpPr>
+          <p:nvPr>
+            <p:ph type="sldNum" sz="quarter" idx="10"/>
+          </p:nvPr>
+        </p:nvSpPr>
+        <p:spPr/>
+        <p:txBody>
+          <a:bodyPr/>
+          <a:lstStyle/>
+          <a:p>
+            <a:fld id="{D04ABF8B-8FC0-C447-A567-214E2A1C8CF1}" type="slidenum">
+              <a:rPr lang="en-US" smtClean="0"/>
+              <a:t>3</a:t>
+            </a:fld>
+            <a:endParaRPr lang="en-US"/>
+          </a:p>
+        </p:txBody>
+      </p:sp>
+    </p:spTree>
+    <p:extLst>
+      <p:ext uri="{BB962C8B-B14F-4D97-AF65-F5344CB8AC3E}">
+        <p14:creationId xmlns:p14="http://schemas.microsoft.com/office/powerpoint/2010/main" val="2286975882"/>
+      </p:ext>
+    </p:extLst>
+  </p:cSld>
+  <p:clrMapOvr>
+    <a:masterClrMapping/>
+  </p:clrMapOvr>
+</p:notes>
+</file>
+
+<file path=ppt/notesSlides/notesSlide3.xml><?xml version="1.0" encoding="utf-8"?>
+<p:notes xmlns:a="http://schemas.openxmlformats.org/drawingml/2006/main" xmlns:r="http://schemas.openxmlformats.org/officeDocument/2006/relationships" xmlns:p="http://schemas.openxmlformats.org/presentationml/2006/main">
+  <p:cSld>
+    <p:spTree>
+      <p:nvGrpSpPr>
+        <p:cNvPr id="1" name=""/>
+        <p:cNvGrpSpPr/>
+        <p:nvPr/>
+      </p:nvGrpSpPr>
+      <p:grpSpPr>
+        <a:xfrm>
+          <a:off x="0" y="0"/>
+          <a:ext cx="0" cy="0"/>
+          <a:chOff x="0" y="0"/>
+          <a:chExt cx="0" cy="0"/>
+        </a:xfrm>
+      </p:grpSpPr>
+      <p:sp>
+        <p:nvSpPr>
+          <p:cNvPr id="2" name="Slide Image Placeholder 1"/>
+          <p:cNvSpPr>
+            <a:spLocks noGrp="1" noRot="1" noChangeAspect="1"/>
+          </p:cNvSpPr>
+          <p:nvPr>
+            <p:ph type="sldImg"/>
+          </p:nvPr>
+        </p:nvSpPr>
+        <p:spPr/>
+      </p:sp>
+      <p:sp>
+        <p:nvSpPr>
+          <p:cNvPr id="3" name="Notes Placeholder 2"/>
+          <p:cNvSpPr>
+            <a:spLocks noGrp="1"/>
+          </p:cNvSpPr>
+          <p:nvPr>
+            <p:ph type="body" idx="1"/>
+          </p:nvPr>
+        </p:nvSpPr>
+        <p:spPr/>
+        <p:txBody>
+          <a:bodyPr/>
+          <a:lstStyle/>
+          <a:p>
+            <a:r>
+              <a:rPr lang="en-US" sz="1200" kern="1200" dirty="0">
+                <a:solidFill>
+                  <a:schemeClr val="tx1"/>
+                </a:solidFill>
+                <a:effectLst/>
+                <a:latin typeface="+mn-lt"/>
+                <a:ea typeface="+mn-ea"/>
+                <a:cs typeface="+mn-cs"/>
+              </a:rPr>
+              <a:t>y = 3\sin(2\pi\</a:t>
+            </a:r>
+            <a:r>
+              <a:rPr lang="en-US" sz="1200" kern="1200" dirty="0" err="1">
+                <a:solidFill>
+                  <a:schemeClr val="tx1"/>
+                </a:solidFill>
+                <a:effectLst/>
+                <a:latin typeface="+mn-lt"/>
+                <a:ea typeface="+mn-ea"/>
+                <a:cs typeface="+mn-cs"/>
+              </a:rPr>
+              <a:t>cdot</a:t>
+            </a:r>
+            <a:r>
+              <a:rPr lang="en-US" sz="1200" kern="1200" dirty="0">
+                <a:solidFill>
+                  <a:schemeClr val="tx1"/>
+                </a:solidFill>
+                <a:effectLst/>
+                <a:latin typeface="+mn-lt"/>
+                <a:ea typeface="+mn-ea"/>
+                <a:cs typeface="+mn-cs"/>
+              </a:rPr>
+              <a:t> 4t + \pi/2).</a:t>
+            </a:r>
+          </a:p>
+          <a:p>
+            <a:endParaRPr lang="en-US" dirty="0"/>
+          </a:p>
+        </p:txBody>
+      </p:sp>
+      <p:sp>
+        <p:nvSpPr>
+          <p:cNvPr id="4" name="Slide Number Placeholder 3"/>
+          <p:cNvSpPr>
+            <a:spLocks noGrp="1"/>
+          </p:cNvSpPr>
+          <p:nvPr>
+            <p:ph type="sldNum" sz="quarter" idx="10"/>
+          </p:nvPr>
+        </p:nvSpPr>
+        <p:spPr/>
+        <p:txBody>
+          <a:bodyPr/>
+          <a:lstStyle/>
+          <a:p>
+            <a:fld id="{D04ABF8B-8FC0-C447-A567-214E2A1C8CF1}" type="slidenum">
+              <a:rPr lang="en-US" smtClean="0"/>
+              <a:t>4</a:t>
+            </a:fld>
+            <a:endParaRPr lang="en-US"/>
+          </a:p>
+        </p:txBody>
+      </p:sp>
+    </p:spTree>
+    <p:extLst>
+      <p:ext uri="{BB962C8B-B14F-4D97-AF65-F5344CB8AC3E}">
+        <p14:creationId xmlns:p14="http://schemas.microsoft.com/office/powerpoint/2010/main" val="2307028642"/>
+      </p:ext>
+    </p:extLst>
+  </p:cSld>
+  <p:clrMapOvr>
+    <a:masterClrMapping/>
+  </p:clrMapOvr>
+</p:notes>
+</file>
+
+<file path=ppt/notesSlides/notesSlide4.xml><?xml version="1.0" encoding="utf-8"?>
+<p:notes xmlns:a="http://schemas.openxmlformats.org/drawingml/2006/main" xmlns:r="http://schemas.openxmlformats.org/officeDocument/2006/relationships" xmlns:p="http://schemas.openxmlformats.org/presentationml/2006/main">
+  <p:cSld>
+    <p:spTree>
+      <p:nvGrpSpPr>
+        <p:cNvPr id="1" name=""/>
+        <p:cNvGrpSpPr/>
+        <p:nvPr/>
+      </p:nvGrpSpPr>
+      <p:grpSpPr>
+        <a:xfrm>
+          <a:off x="0" y="0"/>
+          <a:ext cx="0" cy="0"/>
+          <a:chOff x="0" y="0"/>
+          <a:chExt cx="0" cy="0"/>
+        </a:xfrm>
+      </p:grpSpPr>
+      <p:sp>
+        <p:nvSpPr>
+          <p:cNvPr id="2" name="Slide Image Placeholder 1"/>
+          <p:cNvSpPr>
+            <a:spLocks noGrp="1" noRot="1" noChangeAspect="1"/>
+          </p:cNvSpPr>
+          <p:nvPr>
+            <p:ph type="sldImg"/>
+          </p:nvPr>
+        </p:nvSpPr>
+        <p:spPr/>
+      </p:sp>
+      <p:sp>
+        <p:nvSpPr>
+          <p:cNvPr id="3" name="Notes Placeholder 2"/>
+          <p:cNvSpPr>
+            <a:spLocks noGrp="1"/>
+          </p:cNvSpPr>
+          <p:nvPr>
+            <p:ph type="body" idx="1"/>
+          </p:nvPr>
+        </p:nvSpPr>
+        <p:spPr/>
+        <p:txBody>
+          <a:bodyPr/>
+          <a:lstStyle/>
+          <a:p>
+            <a:r>
+              <a:rPr lang="en-US" sz="1200" kern="1200" dirty="0">
+                <a:solidFill>
+                  <a:schemeClr val="tx1"/>
+                </a:solidFill>
+                <a:effectLst/>
+                <a:latin typeface="+mn-lt"/>
+                <a:ea typeface="+mn-ea"/>
+                <a:cs typeface="+mn-cs"/>
+              </a:rPr>
+              <a:t>y = 3\sin(2\pi\</a:t>
+            </a:r>
+            <a:r>
+              <a:rPr lang="en-US" sz="1200" kern="1200" dirty="0" err="1">
+                <a:solidFill>
+                  <a:schemeClr val="tx1"/>
+                </a:solidFill>
+                <a:effectLst/>
+                <a:latin typeface="+mn-lt"/>
+                <a:ea typeface="+mn-ea"/>
+                <a:cs typeface="+mn-cs"/>
+              </a:rPr>
+              <a:t>cdot</a:t>
+            </a:r>
+            <a:r>
+              <a:rPr lang="en-US" sz="1200" kern="1200" dirty="0">
+                <a:solidFill>
+                  <a:schemeClr val="tx1"/>
+                </a:solidFill>
+                <a:effectLst/>
+                <a:latin typeface="+mn-lt"/>
+                <a:ea typeface="+mn-ea"/>
+                <a:cs typeface="+mn-cs"/>
+              </a:rPr>
+              <a:t> 4t + \pi/2).</a:t>
+            </a:r>
+          </a:p>
+          <a:p>
+            <a:endParaRPr lang="en-US" dirty="0"/>
+          </a:p>
+        </p:txBody>
+      </p:sp>
+      <p:sp>
+        <p:nvSpPr>
+          <p:cNvPr id="4" name="Slide Number Placeholder 3"/>
+          <p:cNvSpPr>
+            <a:spLocks noGrp="1"/>
+          </p:cNvSpPr>
+          <p:nvPr>
+            <p:ph type="sldNum" sz="quarter" idx="10"/>
+          </p:nvPr>
+        </p:nvSpPr>
+        <p:spPr/>
+        <p:txBody>
+          <a:bodyPr/>
+          <a:lstStyle/>
+          <a:p>
+            <a:fld id="{D04ABF8B-8FC0-C447-A567-214E2A1C8CF1}" type="slidenum">
+              <a:rPr lang="en-US" smtClean="0"/>
+              <a:t>5</a:t>
+            </a:fld>
+            <a:endParaRPr lang="en-US"/>
+          </a:p>
+        </p:txBody>
+      </p:sp>
+    </p:spTree>
+    <p:extLst>
+      <p:ext uri="{BB962C8B-B14F-4D97-AF65-F5344CB8AC3E}">
+        <p14:creationId xmlns:p14="http://schemas.microsoft.com/office/powerpoint/2010/main" val="1181462425"/>
       </p:ext>
     </p:extLst>
   </p:cSld>
@@ -2484,7 +2853,7 @@
           <a:p>
             <a:fld id="{4AAD347D-5ACD-4C99-B74B-A9C85AD731AF}" type="datetimeFigureOut">
               <a:rPr lang="en-US" smtClean="0"/>
-              <a:t>2/7/20</a:t>
+              <a:t>2/10/20</a:t>
             </a:fld>
             <a:endParaRPr lang="en-US" dirty="0"/>
           </a:p>
@@ -2654,7 +3023,7 @@
           <a:p>
             <a:fld id="{4509A250-FF31-4206-8172-F9D3106AACB1}" type="datetimeFigureOut">
               <a:rPr lang="en-US" smtClean="0"/>
-              <a:t>2/7/20</a:t>
+              <a:t>2/10/20</a:t>
             </a:fld>
             <a:endParaRPr lang="en-US" dirty="0"/>
           </a:p>
@@ -2834,7 +3203,7 @@
           <a:p>
             <a:fld id="{4509A250-FF31-4206-8172-F9D3106AACB1}" type="datetimeFigureOut">
               <a:rPr lang="en-US" smtClean="0"/>
-              <a:t>2/7/20</a:t>
+              <a:t>2/10/20</a:t>
             </a:fld>
             <a:endParaRPr lang="en-US" dirty="0"/>
           </a:p>
@@ -3039,7 +3408,7 @@
           <a:p>
             <a:fld id="{48A87A34-81AB-432B-8DAE-1953F412C126}" type="datetimeFigureOut">
               <a:rPr lang="en-US" smtClean="0"/>
-              <a:t>2/7/20</a:t>
+              <a:t>2/10/20</a:t>
             </a:fld>
             <a:endParaRPr lang="en-US" dirty="0"/>
           </a:p>
@@ -3209,7 +3578,7 @@
           <a:p>
             <a:fld id="{4509A250-FF31-4206-8172-F9D3106AACB1}" type="datetimeFigureOut">
               <a:rPr lang="en-US" smtClean="0"/>
-              <a:t>2/7/20</a:t>
+              <a:t>2/10/20</a:t>
             </a:fld>
             <a:endParaRPr lang="en-US" dirty="0"/>
           </a:p>
@@ -3455,7 +3824,7 @@
           <a:p>
             <a:fld id="{9796027F-7875-4030-9381-8BD8C4F21935}" type="datetimeFigureOut">
               <a:rPr lang="en-US" smtClean="0"/>
-              <a:t>2/7/20</a:t>
+              <a:t>2/10/20</a:t>
             </a:fld>
             <a:endParaRPr lang="en-US" dirty="0"/>
           </a:p>
@@ -3687,7 +4056,7 @@
           <a:p>
             <a:fld id="{9796027F-7875-4030-9381-8BD8C4F21935}" type="datetimeFigureOut">
               <a:rPr lang="en-US" smtClean="0"/>
-              <a:t>2/7/20</a:t>
+              <a:t>2/10/20</a:t>
             </a:fld>
             <a:endParaRPr lang="en-US" dirty="0"/>
           </a:p>
@@ -4054,7 +4423,7 @@
           <a:p>
             <a:fld id="{9796027F-7875-4030-9381-8BD8C4F21935}" type="datetimeFigureOut">
               <a:rPr lang="en-US" smtClean="0"/>
-              <a:t>2/7/20</a:t>
+              <a:t>2/10/20</a:t>
             </a:fld>
             <a:endParaRPr lang="en-US" dirty="0"/>
           </a:p>
@@ -4172,7 +4541,7 @@
           <a:p>
             <a:fld id="{4509A250-FF31-4206-8172-F9D3106AACB1}" type="datetimeFigureOut">
               <a:rPr lang="en-US" smtClean="0"/>
-              <a:t>2/7/20</a:t>
+              <a:t>2/10/20</a:t>
             </a:fld>
             <a:endParaRPr lang="en-US" dirty="0"/>
           </a:p>
@@ -4267,7 +4636,7 @@
           <a:p>
             <a:fld id="{4509A250-FF31-4206-8172-F9D3106AACB1}" type="datetimeFigureOut">
               <a:rPr lang="en-US" smtClean="0"/>
-              <a:t>2/7/20</a:t>
+              <a:t>2/10/20</a:t>
             </a:fld>
             <a:endParaRPr lang="en-US" dirty="0"/>
           </a:p>
@@ -4544,7 +4913,7 @@
           <a:p>
             <a:fld id="{4509A250-FF31-4206-8172-F9D3106AACB1}" type="datetimeFigureOut">
               <a:rPr lang="en-US" smtClean="0"/>
-              <a:t>2/7/20</a:t>
+              <a:t>2/10/20</a:t>
             </a:fld>
             <a:endParaRPr lang="en-US" dirty="0"/>
           </a:p>
@@ -4801,7 +5170,7 @@
           <a:p>
             <a:fld id="{4509A250-FF31-4206-8172-F9D3106AACB1}" type="datetimeFigureOut">
               <a:rPr lang="en-US" smtClean="0"/>
-              <a:t>2/7/20</a:t>
+              <a:t>2/10/20</a:t>
             </a:fld>
             <a:endParaRPr lang="en-US" dirty="0"/>
           </a:p>
@@ -5014,7 +5383,7 @@
           <a:p>
             <a:fld id="{4AAD347D-5ACD-4C99-B74B-A9C85AD731AF}" type="datetimeFigureOut">
               <a:rPr lang="en-US" smtClean="0"/>
-              <a:t>2/7/20</a:t>
+              <a:t>2/10/20</a:t>
             </a:fld>
             <a:endParaRPr lang="en-US" dirty="0"/>
           </a:p>
@@ -5894,7 +6263,7 @@
             <a:pPr algn="l"/>
             <a:r>
               <a:rPr lang="en-US" cap="none" dirty="0"/>
-              <a:t>APCS Principles</a:t>
+              <a:t>APCS P, the P is for Python</a:t>
             </a:r>
           </a:p>
         </p:txBody>
@@ -5930,7 +6299,10 @@
             <a:pPr marL="0" indent="0">
               <a:buNone/>
             </a:pPr>
-            <a:endParaRPr lang="en-US" sz="2200" dirty="0"/>
+            <a:r>
+              <a:rPr lang="en-US" sz="2200" dirty="0"/>
+              <a:t>Why you should take APCSP:</a:t>
+            </a:r>
           </a:p>
           <a:p>
             <a:pPr marL="457200" indent="-457200">
@@ -5947,7 +6319,7 @@
             </a:pPr>
             <a:r>
               <a:rPr lang="en-US" sz="2200" dirty="0"/>
-              <a:t>Easy AP </a:t>
+              <a:t>Easy AP (average last year was 4.2)</a:t>
             </a:r>
           </a:p>
           <a:p>
@@ -6026,9 +6398,10 @@
           </a:p>
           <a:p>
             <a:pPr marL="457200" indent="-457200">
+              <a:buFont typeface="Arial" panose="020B0604020202020204" pitchFamily="34" charset="0"/>
               <a:buAutoNum type="arabicParenR"/>
             </a:pPr>
-            <a:endParaRPr lang="en-US" sz="2200" dirty="0"/>
+            <a:endParaRPr lang="en-US" dirty="0"/>
           </a:p>
           <a:p>
             <a:pPr marL="457200" indent="-457200">
@@ -6036,18 +6409,1935 @@
             </a:pPr>
             <a:endParaRPr lang="en-US" sz="2200" dirty="0"/>
           </a:p>
+          <a:p>
+            <a:pPr marL="457200" indent="-457200">
+              <a:buAutoNum type="arabicParenR"/>
+            </a:pPr>
+            <a:endParaRPr lang="en-US" sz="2200" dirty="0"/>
+          </a:p>
         </p:txBody>
       </p:sp>
     </p:spTree>
     <p:extLst>
       <p:ext uri="{BB962C8B-B14F-4D97-AF65-F5344CB8AC3E}">
-        <p14:creationId xmlns:p14="http://schemas.microsoft.com/office/powerpoint/2010/main" val="2868968163"/>
+        <p14:creationId xmlns:p14="http://schemas.microsoft.com/office/powerpoint/2010/main" val="3141678319"/>
       </p:ext>
     </p:extLst>
   </p:cSld>
   <p:clrMapOvr>
     <a:masterClrMapping/>
   </p:clrMapOvr>
+  <p:timing>
+    <p:tnLst>
+      <p:par>
+        <p:cTn id="1" dur="indefinite" restart="never" nodeType="tmRoot">
+          <p:childTnLst>
+            <p:seq concurrent="1" nextAc="seek">
+              <p:cTn id="2" dur="indefinite" nodeType="mainSeq">
+                <p:childTnLst>
+                  <p:par>
+                    <p:cTn id="3" fill="hold">
+                      <p:stCondLst>
+                        <p:cond delay="indefinite"/>
+                      </p:stCondLst>
+                      <p:childTnLst>
+                        <p:par>
+                          <p:cTn id="4" fill="hold">
+                            <p:stCondLst>
+                              <p:cond delay="0"/>
+                            </p:stCondLst>
+                            <p:childTnLst>
+                              <p:par>
+                                <p:cTn id="5" presetID="1" presetClass="entr" presetSubtype="0" fill="hold" nodeType="clickEffect">
+                                  <p:stCondLst>
+                                    <p:cond delay="0"/>
+                                  </p:stCondLst>
+                                  <p:childTnLst>
+                                    <p:set>
+                                      <p:cBhvr>
+                                        <p:cTn id="6" dur="1" fill="hold">
+                                          <p:stCondLst>
+                                            <p:cond delay="0"/>
+                                          </p:stCondLst>
+                                        </p:cTn>
+                                        <p:tgtEl>
+                                          <p:spTgt spid="4">
+                                            <p:txEl>
+                                              <p:pRg st="1" end="1"/>
+                                            </p:txEl>
+                                          </p:spTgt>
+                                        </p:tgtEl>
+                                        <p:attrNameLst>
+                                          <p:attrName>style.visibility</p:attrName>
+                                        </p:attrNameLst>
+                                      </p:cBhvr>
+                                      <p:to>
+                                        <p:strVal val="visible"/>
+                                      </p:to>
+                                    </p:set>
+                                  </p:childTnLst>
+                                </p:cTn>
+                              </p:par>
+                            </p:childTnLst>
+                          </p:cTn>
+                        </p:par>
+                      </p:childTnLst>
+                    </p:cTn>
+                  </p:par>
+                  <p:par>
+                    <p:cTn id="7" fill="hold">
+                      <p:stCondLst>
+                        <p:cond delay="indefinite"/>
+                      </p:stCondLst>
+                      <p:childTnLst>
+                        <p:par>
+                          <p:cTn id="8" fill="hold">
+                            <p:stCondLst>
+                              <p:cond delay="0"/>
+                            </p:stCondLst>
+                            <p:childTnLst>
+                              <p:par>
+                                <p:cTn id="9" presetID="1" presetClass="entr" presetSubtype="0" fill="hold" nodeType="clickEffect">
+                                  <p:stCondLst>
+                                    <p:cond delay="0"/>
+                                  </p:stCondLst>
+                                  <p:childTnLst>
+                                    <p:set>
+                                      <p:cBhvr>
+                                        <p:cTn id="10" dur="1" fill="hold">
+                                          <p:stCondLst>
+                                            <p:cond delay="0"/>
+                                          </p:stCondLst>
+                                        </p:cTn>
+                                        <p:tgtEl>
+                                          <p:spTgt spid="4">
+                                            <p:txEl>
+                                              <p:pRg st="2" end="2"/>
+                                            </p:txEl>
+                                          </p:spTgt>
+                                        </p:tgtEl>
+                                        <p:attrNameLst>
+                                          <p:attrName>style.visibility</p:attrName>
+                                        </p:attrNameLst>
+                                      </p:cBhvr>
+                                      <p:to>
+                                        <p:strVal val="visible"/>
+                                      </p:to>
+                                    </p:set>
+                                  </p:childTnLst>
+                                </p:cTn>
+                              </p:par>
+                            </p:childTnLst>
+                          </p:cTn>
+                        </p:par>
+                      </p:childTnLst>
+                    </p:cTn>
+                  </p:par>
+                  <p:par>
+                    <p:cTn id="11" fill="hold">
+                      <p:stCondLst>
+                        <p:cond delay="indefinite"/>
+                      </p:stCondLst>
+                      <p:childTnLst>
+                        <p:par>
+                          <p:cTn id="12" fill="hold">
+                            <p:stCondLst>
+                              <p:cond delay="0"/>
+                            </p:stCondLst>
+                            <p:childTnLst>
+                              <p:par>
+                                <p:cTn id="13" presetID="1" presetClass="entr" presetSubtype="0" fill="hold" nodeType="clickEffect">
+                                  <p:stCondLst>
+                                    <p:cond delay="0"/>
+                                  </p:stCondLst>
+                                  <p:childTnLst>
+                                    <p:set>
+                                      <p:cBhvr>
+                                        <p:cTn id="14" dur="1" fill="hold">
+                                          <p:stCondLst>
+                                            <p:cond delay="0"/>
+                                          </p:stCondLst>
+                                        </p:cTn>
+                                        <p:tgtEl>
+                                          <p:spTgt spid="4">
+                                            <p:txEl>
+                                              <p:pRg st="3" end="3"/>
+                                            </p:txEl>
+                                          </p:spTgt>
+                                        </p:tgtEl>
+                                        <p:attrNameLst>
+                                          <p:attrName>style.visibility</p:attrName>
+                                        </p:attrNameLst>
+                                      </p:cBhvr>
+                                      <p:to>
+                                        <p:strVal val="visible"/>
+                                      </p:to>
+                                    </p:set>
+                                  </p:childTnLst>
+                                </p:cTn>
+                              </p:par>
+                            </p:childTnLst>
+                          </p:cTn>
+                        </p:par>
+                      </p:childTnLst>
+                    </p:cTn>
+                  </p:par>
+                  <p:par>
+                    <p:cTn id="15" fill="hold">
+                      <p:stCondLst>
+                        <p:cond delay="indefinite"/>
+                      </p:stCondLst>
+                      <p:childTnLst>
+                        <p:par>
+                          <p:cTn id="16" fill="hold">
+                            <p:stCondLst>
+                              <p:cond delay="0"/>
+                            </p:stCondLst>
+                            <p:childTnLst>
+                              <p:par>
+                                <p:cTn id="17" presetID="1" presetClass="entr" presetSubtype="0" fill="hold" nodeType="clickEffect">
+                                  <p:stCondLst>
+                                    <p:cond delay="0"/>
+                                  </p:stCondLst>
+                                  <p:childTnLst>
+                                    <p:set>
+                                      <p:cBhvr>
+                                        <p:cTn id="18" dur="1" fill="hold">
+                                          <p:stCondLst>
+                                            <p:cond delay="0"/>
+                                          </p:stCondLst>
+                                        </p:cTn>
+                                        <p:tgtEl>
+                                          <p:spTgt spid="4">
+                                            <p:txEl>
+                                              <p:pRg st="4" end="4"/>
+                                            </p:txEl>
+                                          </p:spTgt>
+                                        </p:tgtEl>
+                                        <p:attrNameLst>
+                                          <p:attrName>style.visibility</p:attrName>
+                                        </p:attrNameLst>
+                                      </p:cBhvr>
+                                      <p:to>
+                                        <p:strVal val="visible"/>
+                                      </p:to>
+                                    </p:set>
+                                  </p:childTnLst>
+                                </p:cTn>
+                              </p:par>
+                            </p:childTnLst>
+                          </p:cTn>
+                        </p:par>
+                      </p:childTnLst>
+                    </p:cTn>
+                  </p:par>
+                </p:childTnLst>
+              </p:cTn>
+              <p:prevCondLst>
+                <p:cond evt="onPrev" delay="0">
+                  <p:tgtEl>
+                    <p:sldTgt/>
+                  </p:tgtEl>
+                </p:cond>
+              </p:prevCondLst>
+              <p:nextCondLst>
+                <p:cond evt="onNext" delay="0">
+                  <p:tgtEl>
+                    <p:sldTgt/>
+                  </p:tgtEl>
+                </p:cond>
+              </p:nextCondLst>
+            </p:seq>
+          </p:childTnLst>
+        </p:cTn>
+      </p:par>
+    </p:tnLst>
+  </p:timing>
+</p:sld>
+</file>
+
+<file path=ppt/slides/slide3.xml><?xml version="1.0" encoding="utf-8"?>
+<p:sld xmlns:a="http://schemas.openxmlformats.org/drawingml/2006/main" xmlns:r="http://schemas.openxmlformats.org/officeDocument/2006/relationships" xmlns:p="http://schemas.openxmlformats.org/presentationml/2006/main">
+  <p:cSld>
+    <p:spTree>
+      <p:nvGrpSpPr>
+        <p:cNvPr id="1" name=""/>
+        <p:cNvGrpSpPr/>
+        <p:nvPr/>
+      </p:nvGrpSpPr>
+      <p:grpSpPr>
+        <a:xfrm>
+          <a:off x="0" y="0"/>
+          <a:ext cx="0" cy="0"/>
+          <a:chOff x="0" y="0"/>
+          <a:chExt cx="0" cy="0"/>
+        </a:xfrm>
+      </p:grpSpPr>
+      <p:sp>
+        <p:nvSpPr>
+          <p:cNvPr id="2" name="Title 1">
+            <a:extLst>
+              <a:ext uri="{FF2B5EF4-FFF2-40B4-BE49-F238E27FC236}">
+                <a16:creationId xmlns:a16="http://schemas.microsoft.com/office/drawing/2014/main" id="{EDE419EF-0E46-9E4D-8C75-4293CAE61F27}"/>
+              </a:ext>
+            </a:extLst>
+          </p:cNvPr>
+          <p:cNvSpPr>
+            <a:spLocks noGrp="1"/>
+          </p:cNvSpPr>
+          <p:nvPr>
+            <p:ph type="title"/>
+          </p:nvPr>
+        </p:nvSpPr>
+        <p:spPr>
+          <a:xfrm>
+            <a:off x="624264" y="426416"/>
+            <a:ext cx="7922594" cy="669139"/>
+          </a:xfrm>
+        </p:spPr>
+        <p:txBody>
+          <a:bodyPr/>
+          <a:lstStyle/>
+          <a:p>
+            <a:pPr algn="l"/>
+            <a:r>
+              <a:rPr lang="en-US" cap="none" dirty="0"/>
+              <a:t>The curriculum</a:t>
+            </a:r>
+          </a:p>
+        </p:txBody>
+      </p:sp>
+      <p:sp>
+        <p:nvSpPr>
+          <p:cNvPr id="4" name="Content Placeholder 3">
+            <a:extLst>
+              <a:ext uri="{FF2B5EF4-FFF2-40B4-BE49-F238E27FC236}">
+                <a16:creationId xmlns:a16="http://schemas.microsoft.com/office/drawing/2014/main" id="{864D3036-8B0F-5C44-90AB-7558ABA4CDEC}"/>
+              </a:ext>
+            </a:extLst>
+          </p:cNvPr>
+          <p:cNvSpPr>
+            <a:spLocks noGrp="1"/>
+          </p:cNvSpPr>
+          <p:nvPr>
+            <p:ph sz="quarter" idx="13"/>
+          </p:nvPr>
+        </p:nvSpPr>
+        <p:spPr>
+          <a:xfrm>
+            <a:off x="444137" y="1095555"/>
+            <a:ext cx="8294914" cy="4443096"/>
+          </a:xfrm>
+        </p:spPr>
+        <p:txBody>
+          <a:bodyPr>
+            <a:noAutofit/>
+          </a:bodyPr>
+          <a:lstStyle/>
+          <a:p>
+            <a:pPr marL="0" indent="0">
+              <a:buNone/>
+            </a:pPr>
+            <a:endParaRPr lang="en-US" sz="2000" dirty="0"/>
+          </a:p>
+          <a:p>
+            <a:pPr marL="457200" indent="-457200">
+              <a:buAutoNum type="arabicParenR"/>
+            </a:pPr>
+            <a:r>
+              <a:rPr lang="en-US" sz="2000" dirty="0"/>
+              <a:t>Since using Python for the first time this year,  APCSA and APCSP have very little overlap.</a:t>
+            </a:r>
+          </a:p>
+          <a:p>
+            <a:pPr marL="457200" indent="-457200">
+              <a:buAutoNum type="arabicParenR"/>
+            </a:pPr>
+            <a:r>
+              <a:rPr lang="en-US" sz="2000" dirty="0"/>
+              <a:t>Some Python topics/projects from APCSP:</a:t>
+            </a:r>
+          </a:p>
+          <a:p>
+            <a:pPr lvl="1"/>
+            <a:r>
+              <a:rPr lang="en-US" sz="2000" dirty="0"/>
+              <a:t>Text processing: Word count analysis of the Entire works of Shakespeare. </a:t>
+            </a:r>
+          </a:p>
+          <a:p>
+            <a:pPr lvl="1"/>
+            <a:r>
+              <a:rPr lang="en-US" sz="2000" dirty="0"/>
+              <a:t>Image Processing: </a:t>
+            </a:r>
+          </a:p>
+          <a:p>
+            <a:pPr lvl="2"/>
+            <a:r>
+              <a:rPr lang="en-US" sz="1800" dirty="0"/>
+              <a:t>programmatically extract red, green components out of JPEG and PNG images</a:t>
+            </a:r>
+          </a:p>
+          <a:p>
+            <a:pPr lvl="2"/>
+            <a:r>
+              <a:rPr lang="en-US" sz="1800" dirty="0"/>
+              <a:t>apply basic filters: tint, shade and RGB to black/white.</a:t>
+            </a:r>
+          </a:p>
+          <a:p>
+            <a:pPr lvl="1"/>
+            <a:r>
+              <a:rPr lang="en-US" sz="2000" dirty="0"/>
+              <a:t>Digital Audio Processing:</a:t>
+            </a:r>
+          </a:p>
+          <a:p>
+            <a:pPr lvl="2"/>
+            <a:r>
+              <a:rPr lang="en-US" sz="1800" dirty="0"/>
+              <a:t> Analyze frequency content of audio, e.g., given a piano audio file, programmatically and mathematically determine the chord. </a:t>
+            </a:r>
+          </a:p>
+          <a:p>
+            <a:pPr lvl="2"/>
+            <a:r>
+              <a:rPr lang="en-US" sz="1800" dirty="0"/>
+              <a:t>Filter out background noise from an audio.</a:t>
+            </a:r>
+          </a:p>
+          <a:p>
+            <a:pPr lvl="1"/>
+            <a:r>
+              <a:rPr lang="en-US" sz="2000" dirty="0"/>
+              <a:t>Advanced Image Processing: Use Singular Value Decomposition to compress images. </a:t>
+            </a:r>
+          </a:p>
+          <a:p>
+            <a:pPr marL="800100" lvl="1" indent="-457200">
+              <a:buAutoNum type="arabicParenR"/>
+            </a:pPr>
+            <a:endParaRPr lang="en-US" sz="2000" dirty="0"/>
+          </a:p>
+          <a:p>
+            <a:pPr marL="0" indent="0">
+              <a:buNone/>
+            </a:pPr>
+            <a:r>
+              <a:rPr lang="en-US" sz="2000" dirty="0"/>
+              <a:t>  </a:t>
+            </a:r>
+          </a:p>
+          <a:p>
+            <a:pPr marL="457200" indent="-457200">
+              <a:buAutoNum type="arabicParenR"/>
+            </a:pPr>
+            <a:endParaRPr lang="en-US" sz="2000" dirty="0"/>
+          </a:p>
+          <a:p>
+            <a:pPr marL="457200" indent="-457200">
+              <a:buFont typeface="Arial" panose="020B0604020202020204" pitchFamily="34" charset="0"/>
+              <a:buAutoNum type="arabicParenR"/>
+            </a:pPr>
+            <a:endParaRPr lang="en-US" sz="2000" dirty="0"/>
+          </a:p>
+          <a:p>
+            <a:pPr marL="457200" indent="-457200">
+              <a:buAutoNum type="arabicParenR"/>
+            </a:pPr>
+            <a:endParaRPr lang="en-US" sz="2000" dirty="0"/>
+          </a:p>
+          <a:p>
+            <a:pPr marL="457200" indent="-457200">
+              <a:buAutoNum type="arabicParenR"/>
+            </a:pPr>
+            <a:endParaRPr lang="en-US" sz="2000" dirty="0"/>
+          </a:p>
+        </p:txBody>
+      </p:sp>
+    </p:spTree>
+    <p:extLst>
+      <p:ext uri="{BB962C8B-B14F-4D97-AF65-F5344CB8AC3E}">
+        <p14:creationId xmlns:p14="http://schemas.microsoft.com/office/powerpoint/2010/main" val="239638542"/>
+      </p:ext>
+    </p:extLst>
+  </p:cSld>
+  <p:clrMapOvr>
+    <a:masterClrMapping/>
+  </p:clrMapOvr>
+  <p:timing>
+    <p:tnLst>
+      <p:par>
+        <p:cTn id="1" dur="indefinite" restart="never" nodeType="tmRoot">
+          <p:childTnLst>
+            <p:seq concurrent="1" nextAc="seek">
+              <p:cTn id="2" dur="indefinite" nodeType="mainSeq">
+                <p:childTnLst>
+                  <p:par>
+                    <p:cTn id="3" fill="hold">
+                      <p:stCondLst>
+                        <p:cond delay="indefinite"/>
+                      </p:stCondLst>
+                      <p:childTnLst>
+                        <p:par>
+                          <p:cTn id="4" fill="hold">
+                            <p:stCondLst>
+                              <p:cond delay="0"/>
+                            </p:stCondLst>
+                            <p:childTnLst>
+                              <p:par>
+                                <p:cTn id="5" presetID="1" presetClass="entr" presetSubtype="0" fill="hold" nodeType="clickEffect">
+                                  <p:stCondLst>
+                                    <p:cond delay="0"/>
+                                  </p:stCondLst>
+                                  <p:childTnLst>
+                                    <p:set>
+                                      <p:cBhvr>
+                                        <p:cTn id="6" dur="1" fill="hold">
+                                          <p:stCondLst>
+                                            <p:cond delay="0"/>
+                                          </p:stCondLst>
+                                        </p:cTn>
+                                        <p:tgtEl>
+                                          <p:spTgt spid="4">
+                                            <p:txEl>
+                                              <p:pRg st="2" end="2"/>
+                                            </p:txEl>
+                                          </p:spTgt>
+                                        </p:tgtEl>
+                                        <p:attrNameLst>
+                                          <p:attrName>style.visibility</p:attrName>
+                                        </p:attrNameLst>
+                                      </p:cBhvr>
+                                      <p:to>
+                                        <p:strVal val="visible"/>
+                                      </p:to>
+                                    </p:set>
+                                  </p:childTnLst>
+                                </p:cTn>
+                              </p:par>
+                            </p:childTnLst>
+                          </p:cTn>
+                        </p:par>
+                      </p:childTnLst>
+                    </p:cTn>
+                  </p:par>
+                  <p:par>
+                    <p:cTn id="7" fill="hold">
+                      <p:stCondLst>
+                        <p:cond delay="indefinite"/>
+                      </p:stCondLst>
+                      <p:childTnLst>
+                        <p:par>
+                          <p:cTn id="8" fill="hold">
+                            <p:stCondLst>
+                              <p:cond delay="0"/>
+                            </p:stCondLst>
+                            <p:childTnLst>
+                              <p:par>
+                                <p:cTn id="9" presetID="1" presetClass="entr" presetSubtype="0" fill="hold" nodeType="clickEffect">
+                                  <p:stCondLst>
+                                    <p:cond delay="0"/>
+                                  </p:stCondLst>
+                                  <p:childTnLst>
+                                    <p:set>
+                                      <p:cBhvr>
+                                        <p:cTn id="10" dur="1" fill="hold">
+                                          <p:stCondLst>
+                                            <p:cond delay="0"/>
+                                          </p:stCondLst>
+                                        </p:cTn>
+                                        <p:tgtEl>
+                                          <p:spTgt spid="4">
+                                            <p:txEl>
+                                              <p:pRg st="3" end="3"/>
+                                            </p:txEl>
+                                          </p:spTgt>
+                                        </p:tgtEl>
+                                        <p:attrNameLst>
+                                          <p:attrName>style.visibility</p:attrName>
+                                        </p:attrNameLst>
+                                      </p:cBhvr>
+                                      <p:to>
+                                        <p:strVal val="visible"/>
+                                      </p:to>
+                                    </p:set>
+                                  </p:childTnLst>
+                                </p:cTn>
+                              </p:par>
+                            </p:childTnLst>
+                          </p:cTn>
+                        </p:par>
+                      </p:childTnLst>
+                    </p:cTn>
+                  </p:par>
+                  <p:par>
+                    <p:cTn id="11" fill="hold">
+                      <p:stCondLst>
+                        <p:cond delay="indefinite"/>
+                      </p:stCondLst>
+                      <p:childTnLst>
+                        <p:par>
+                          <p:cTn id="12" fill="hold">
+                            <p:stCondLst>
+                              <p:cond delay="0"/>
+                            </p:stCondLst>
+                            <p:childTnLst>
+                              <p:par>
+                                <p:cTn id="13" presetID="1" presetClass="entr" presetSubtype="0" fill="hold" nodeType="clickEffect">
+                                  <p:stCondLst>
+                                    <p:cond delay="0"/>
+                                  </p:stCondLst>
+                                  <p:childTnLst>
+                                    <p:set>
+                                      <p:cBhvr>
+                                        <p:cTn id="14" dur="1" fill="hold">
+                                          <p:stCondLst>
+                                            <p:cond delay="0"/>
+                                          </p:stCondLst>
+                                        </p:cTn>
+                                        <p:tgtEl>
+                                          <p:spTgt spid="4">
+                                            <p:txEl>
+                                              <p:pRg st="4" end="4"/>
+                                            </p:txEl>
+                                          </p:spTgt>
+                                        </p:tgtEl>
+                                        <p:attrNameLst>
+                                          <p:attrName>style.visibility</p:attrName>
+                                        </p:attrNameLst>
+                                      </p:cBhvr>
+                                      <p:to>
+                                        <p:strVal val="visible"/>
+                                      </p:to>
+                                    </p:set>
+                                  </p:childTnLst>
+                                </p:cTn>
+                              </p:par>
+                            </p:childTnLst>
+                          </p:cTn>
+                        </p:par>
+                      </p:childTnLst>
+                    </p:cTn>
+                  </p:par>
+                  <p:par>
+                    <p:cTn id="15" fill="hold">
+                      <p:stCondLst>
+                        <p:cond delay="indefinite"/>
+                      </p:stCondLst>
+                      <p:childTnLst>
+                        <p:par>
+                          <p:cTn id="16" fill="hold">
+                            <p:stCondLst>
+                              <p:cond delay="0"/>
+                            </p:stCondLst>
+                            <p:childTnLst>
+                              <p:par>
+                                <p:cTn id="17" presetID="1" presetClass="entr" presetSubtype="0" fill="hold" nodeType="clickEffect">
+                                  <p:stCondLst>
+                                    <p:cond delay="0"/>
+                                  </p:stCondLst>
+                                  <p:childTnLst>
+                                    <p:set>
+                                      <p:cBhvr>
+                                        <p:cTn id="18" dur="1" fill="hold">
+                                          <p:stCondLst>
+                                            <p:cond delay="0"/>
+                                          </p:stCondLst>
+                                        </p:cTn>
+                                        <p:tgtEl>
+                                          <p:spTgt spid="4">
+                                            <p:txEl>
+                                              <p:pRg st="5" end="5"/>
+                                            </p:txEl>
+                                          </p:spTgt>
+                                        </p:tgtEl>
+                                        <p:attrNameLst>
+                                          <p:attrName>style.visibility</p:attrName>
+                                        </p:attrNameLst>
+                                      </p:cBhvr>
+                                      <p:to>
+                                        <p:strVal val="visible"/>
+                                      </p:to>
+                                    </p:set>
+                                  </p:childTnLst>
+                                </p:cTn>
+                              </p:par>
+                            </p:childTnLst>
+                          </p:cTn>
+                        </p:par>
+                      </p:childTnLst>
+                    </p:cTn>
+                  </p:par>
+                  <p:par>
+                    <p:cTn id="19" fill="hold">
+                      <p:stCondLst>
+                        <p:cond delay="indefinite"/>
+                      </p:stCondLst>
+                      <p:childTnLst>
+                        <p:par>
+                          <p:cTn id="20" fill="hold">
+                            <p:stCondLst>
+                              <p:cond delay="0"/>
+                            </p:stCondLst>
+                            <p:childTnLst>
+                              <p:par>
+                                <p:cTn id="21" presetID="1" presetClass="entr" presetSubtype="0" fill="hold" nodeType="clickEffect">
+                                  <p:stCondLst>
+                                    <p:cond delay="0"/>
+                                  </p:stCondLst>
+                                  <p:childTnLst>
+                                    <p:set>
+                                      <p:cBhvr>
+                                        <p:cTn id="22" dur="1" fill="hold">
+                                          <p:stCondLst>
+                                            <p:cond delay="0"/>
+                                          </p:stCondLst>
+                                        </p:cTn>
+                                        <p:tgtEl>
+                                          <p:spTgt spid="4">
+                                            <p:txEl>
+                                              <p:pRg st="6" end="6"/>
+                                            </p:txEl>
+                                          </p:spTgt>
+                                        </p:tgtEl>
+                                        <p:attrNameLst>
+                                          <p:attrName>style.visibility</p:attrName>
+                                        </p:attrNameLst>
+                                      </p:cBhvr>
+                                      <p:to>
+                                        <p:strVal val="visible"/>
+                                      </p:to>
+                                    </p:set>
+                                  </p:childTnLst>
+                                </p:cTn>
+                              </p:par>
+                            </p:childTnLst>
+                          </p:cTn>
+                        </p:par>
+                      </p:childTnLst>
+                    </p:cTn>
+                  </p:par>
+                  <p:par>
+                    <p:cTn id="23" fill="hold">
+                      <p:stCondLst>
+                        <p:cond delay="indefinite"/>
+                      </p:stCondLst>
+                      <p:childTnLst>
+                        <p:par>
+                          <p:cTn id="24" fill="hold">
+                            <p:stCondLst>
+                              <p:cond delay="0"/>
+                            </p:stCondLst>
+                            <p:childTnLst>
+                              <p:par>
+                                <p:cTn id="25" presetID="1" presetClass="entr" presetSubtype="0" fill="hold" nodeType="clickEffect">
+                                  <p:stCondLst>
+                                    <p:cond delay="0"/>
+                                  </p:stCondLst>
+                                  <p:childTnLst>
+                                    <p:set>
+                                      <p:cBhvr>
+                                        <p:cTn id="26" dur="1" fill="hold">
+                                          <p:stCondLst>
+                                            <p:cond delay="0"/>
+                                          </p:stCondLst>
+                                        </p:cTn>
+                                        <p:tgtEl>
+                                          <p:spTgt spid="4">
+                                            <p:txEl>
+                                              <p:pRg st="7" end="7"/>
+                                            </p:txEl>
+                                          </p:spTgt>
+                                        </p:tgtEl>
+                                        <p:attrNameLst>
+                                          <p:attrName>style.visibility</p:attrName>
+                                        </p:attrNameLst>
+                                      </p:cBhvr>
+                                      <p:to>
+                                        <p:strVal val="visible"/>
+                                      </p:to>
+                                    </p:set>
+                                  </p:childTnLst>
+                                </p:cTn>
+                              </p:par>
+                            </p:childTnLst>
+                          </p:cTn>
+                        </p:par>
+                      </p:childTnLst>
+                    </p:cTn>
+                  </p:par>
+                  <p:par>
+                    <p:cTn id="27" fill="hold">
+                      <p:stCondLst>
+                        <p:cond delay="indefinite"/>
+                      </p:stCondLst>
+                      <p:childTnLst>
+                        <p:par>
+                          <p:cTn id="28" fill="hold">
+                            <p:stCondLst>
+                              <p:cond delay="0"/>
+                            </p:stCondLst>
+                            <p:childTnLst>
+                              <p:par>
+                                <p:cTn id="29" presetID="1" presetClass="entr" presetSubtype="0" fill="hold" nodeType="clickEffect">
+                                  <p:stCondLst>
+                                    <p:cond delay="0"/>
+                                  </p:stCondLst>
+                                  <p:childTnLst>
+                                    <p:set>
+                                      <p:cBhvr>
+                                        <p:cTn id="30" dur="1" fill="hold">
+                                          <p:stCondLst>
+                                            <p:cond delay="0"/>
+                                          </p:stCondLst>
+                                        </p:cTn>
+                                        <p:tgtEl>
+                                          <p:spTgt spid="4">
+                                            <p:txEl>
+                                              <p:pRg st="8" end="8"/>
+                                            </p:txEl>
+                                          </p:spTgt>
+                                        </p:tgtEl>
+                                        <p:attrNameLst>
+                                          <p:attrName>style.visibility</p:attrName>
+                                        </p:attrNameLst>
+                                      </p:cBhvr>
+                                      <p:to>
+                                        <p:strVal val="visible"/>
+                                      </p:to>
+                                    </p:set>
+                                  </p:childTnLst>
+                                </p:cTn>
+                              </p:par>
+                            </p:childTnLst>
+                          </p:cTn>
+                        </p:par>
+                      </p:childTnLst>
+                    </p:cTn>
+                  </p:par>
+                  <p:par>
+                    <p:cTn id="31" fill="hold">
+                      <p:stCondLst>
+                        <p:cond delay="indefinite"/>
+                      </p:stCondLst>
+                      <p:childTnLst>
+                        <p:par>
+                          <p:cTn id="32" fill="hold">
+                            <p:stCondLst>
+                              <p:cond delay="0"/>
+                            </p:stCondLst>
+                            <p:childTnLst>
+                              <p:par>
+                                <p:cTn id="33" presetID="1" presetClass="entr" presetSubtype="0" fill="hold" nodeType="clickEffect">
+                                  <p:stCondLst>
+                                    <p:cond delay="0"/>
+                                  </p:stCondLst>
+                                  <p:childTnLst>
+                                    <p:set>
+                                      <p:cBhvr>
+                                        <p:cTn id="34" dur="1" fill="hold">
+                                          <p:stCondLst>
+                                            <p:cond delay="0"/>
+                                          </p:stCondLst>
+                                        </p:cTn>
+                                        <p:tgtEl>
+                                          <p:spTgt spid="4">
+                                            <p:txEl>
+                                              <p:pRg st="9" end="9"/>
+                                            </p:txEl>
+                                          </p:spTgt>
+                                        </p:tgtEl>
+                                        <p:attrNameLst>
+                                          <p:attrName>style.visibility</p:attrName>
+                                        </p:attrNameLst>
+                                      </p:cBhvr>
+                                      <p:to>
+                                        <p:strVal val="visible"/>
+                                      </p:to>
+                                    </p:set>
+                                  </p:childTnLst>
+                                </p:cTn>
+                              </p:par>
+                            </p:childTnLst>
+                          </p:cTn>
+                        </p:par>
+                      </p:childTnLst>
+                    </p:cTn>
+                  </p:par>
+                  <p:par>
+                    <p:cTn id="35" fill="hold">
+                      <p:stCondLst>
+                        <p:cond delay="indefinite"/>
+                      </p:stCondLst>
+                      <p:childTnLst>
+                        <p:par>
+                          <p:cTn id="36" fill="hold">
+                            <p:stCondLst>
+                              <p:cond delay="0"/>
+                            </p:stCondLst>
+                            <p:childTnLst>
+                              <p:par>
+                                <p:cTn id="37" presetID="1" presetClass="entr" presetSubtype="0" fill="hold" nodeType="clickEffect">
+                                  <p:stCondLst>
+                                    <p:cond delay="0"/>
+                                  </p:stCondLst>
+                                  <p:childTnLst>
+                                    <p:set>
+                                      <p:cBhvr>
+                                        <p:cTn id="38" dur="1" fill="hold">
+                                          <p:stCondLst>
+                                            <p:cond delay="0"/>
+                                          </p:stCondLst>
+                                        </p:cTn>
+                                        <p:tgtEl>
+                                          <p:spTgt spid="4">
+                                            <p:txEl>
+                                              <p:pRg st="10" end="10"/>
+                                            </p:txEl>
+                                          </p:spTgt>
+                                        </p:tgtEl>
+                                        <p:attrNameLst>
+                                          <p:attrName>style.visibility</p:attrName>
+                                        </p:attrNameLst>
+                                      </p:cBhvr>
+                                      <p:to>
+                                        <p:strVal val="visible"/>
+                                      </p:to>
+                                    </p:set>
+                                  </p:childTnLst>
+                                </p:cTn>
+                              </p:par>
+                            </p:childTnLst>
+                          </p:cTn>
+                        </p:par>
+                      </p:childTnLst>
+                    </p:cTn>
+                  </p:par>
+                </p:childTnLst>
+              </p:cTn>
+              <p:prevCondLst>
+                <p:cond evt="onPrev" delay="0">
+                  <p:tgtEl>
+                    <p:sldTgt/>
+                  </p:tgtEl>
+                </p:cond>
+              </p:prevCondLst>
+              <p:nextCondLst>
+                <p:cond evt="onNext" delay="0">
+                  <p:tgtEl>
+                    <p:sldTgt/>
+                  </p:tgtEl>
+                </p:cond>
+              </p:nextCondLst>
+            </p:seq>
+          </p:childTnLst>
+        </p:cTn>
+      </p:par>
+    </p:tnLst>
+  </p:timing>
+</p:sld>
+</file>
+
+<file path=ppt/slides/slide4.xml><?xml version="1.0" encoding="utf-8"?>
+<p:sld xmlns:a="http://schemas.openxmlformats.org/drawingml/2006/main" xmlns:r="http://schemas.openxmlformats.org/officeDocument/2006/relationships" xmlns:p="http://schemas.openxmlformats.org/presentationml/2006/main">
+  <p:cSld>
+    <p:spTree>
+      <p:nvGrpSpPr>
+        <p:cNvPr id="1" name=""/>
+        <p:cNvGrpSpPr/>
+        <p:nvPr/>
+      </p:nvGrpSpPr>
+      <p:grpSpPr>
+        <a:xfrm>
+          <a:off x="0" y="0"/>
+          <a:ext cx="0" cy="0"/>
+          <a:chOff x="0" y="0"/>
+          <a:chExt cx="0" cy="0"/>
+        </a:xfrm>
+      </p:grpSpPr>
+      <p:sp>
+        <p:nvSpPr>
+          <p:cNvPr id="2" name="Title 1">
+            <a:extLst>
+              <a:ext uri="{FF2B5EF4-FFF2-40B4-BE49-F238E27FC236}">
+                <a16:creationId xmlns:a16="http://schemas.microsoft.com/office/drawing/2014/main" id="{EDE419EF-0E46-9E4D-8C75-4293CAE61F27}"/>
+              </a:ext>
+            </a:extLst>
+          </p:cNvPr>
+          <p:cNvSpPr>
+            <a:spLocks noGrp="1"/>
+          </p:cNvSpPr>
+          <p:nvPr>
+            <p:ph type="title"/>
+          </p:nvPr>
+        </p:nvSpPr>
+        <p:spPr>
+          <a:xfrm>
+            <a:off x="624264" y="426416"/>
+            <a:ext cx="7922594" cy="669139"/>
+          </a:xfrm>
+        </p:spPr>
+        <p:txBody>
+          <a:bodyPr/>
+          <a:lstStyle/>
+          <a:p>
+            <a:pPr algn="l"/>
+            <a:r>
+              <a:rPr lang="en-US" cap="none" dirty="0"/>
+              <a:t>The curriculum</a:t>
+            </a:r>
+          </a:p>
+        </p:txBody>
+      </p:sp>
+      <p:sp>
+        <p:nvSpPr>
+          <p:cNvPr id="4" name="Content Placeholder 3">
+            <a:extLst>
+              <a:ext uri="{FF2B5EF4-FFF2-40B4-BE49-F238E27FC236}">
+                <a16:creationId xmlns:a16="http://schemas.microsoft.com/office/drawing/2014/main" id="{864D3036-8B0F-5C44-90AB-7558ABA4CDEC}"/>
+              </a:ext>
+            </a:extLst>
+          </p:cNvPr>
+          <p:cNvSpPr>
+            <a:spLocks noGrp="1"/>
+          </p:cNvSpPr>
+          <p:nvPr>
+            <p:ph sz="quarter" idx="13"/>
+          </p:nvPr>
+        </p:nvSpPr>
+        <p:spPr>
+          <a:xfrm>
+            <a:off x="444137" y="1095555"/>
+            <a:ext cx="8294914" cy="4443096"/>
+          </a:xfrm>
+        </p:spPr>
+        <p:txBody>
+          <a:bodyPr>
+            <a:normAutofit/>
+          </a:bodyPr>
+          <a:lstStyle/>
+          <a:p>
+            <a:pPr marL="0" indent="0">
+              <a:buNone/>
+            </a:pPr>
+            <a:endParaRPr lang="en-US" sz="2200" dirty="0"/>
+          </a:p>
+          <a:p>
+            <a:pPr marL="0" indent="0">
+              <a:buNone/>
+            </a:pPr>
+            <a:r>
+              <a:rPr lang="en-US" sz="2200" dirty="0"/>
+              <a:t>3) Image Recognition: Image recognition has revolutionized the field of artificial intelligence and machine learning.</a:t>
+            </a:r>
+          </a:p>
+          <a:p>
+            <a:pPr lvl="1"/>
+            <a:r>
+              <a:rPr lang="en-US" sz="2000" dirty="0"/>
+              <a:t>We will write a program from scratch(not using any libraries) that can recognize images!</a:t>
+            </a:r>
+          </a:p>
+          <a:p>
+            <a:pPr marL="0" indent="0">
+              <a:buNone/>
+            </a:pPr>
+            <a:r>
+              <a:rPr lang="en-US" sz="2200" dirty="0"/>
+              <a:t>4) Cybersecurity</a:t>
+            </a:r>
+          </a:p>
+          <a:p>
+            <a:pPr marL="0" indent="0">
+              <a:buNone/>
+            </a:pPr>
+            <a:r>
+              <a:rPr lang="en-US" sz="2200" dirty="0"/>
+              <a:t>5) Cryptography</a:t>
+            </a:r>
+          </a:p>
+          <a:p>
+            <a:pPr marL="0" indent="0">
+              <a:buNone/>
+            </a:pPr>
+            <a:r>
+              <a:rPr lang="en-US" sz="2200" dirty="0"/>
+              <a:t>6) Networking and its devices/protocols(routers, switches, TCP/IP, HTTP)</a:t>
+            </a:r>
+          </a:p>
+          <a:p>
+            <a:pPr marL="0" indent="0">
+              <a:buNone/>
+            </a:pPr>
+            <a:r>
+              <a:rPr lang="en-US" sz="2200" dirty="0"/>
+              <a:t>  </a:t>
+            </a:r>
+          </a:p>
+          <a:p>
+            <a:pPr marL="457200" indent="-457200">
+              <a:buAutoNum type="arabicParenR"/>
+            </a:pPr>
+            <a:endParaRPr lang="en-US" sz="2200" dirty="0"/>
+          </a:p>
+          <a:p>
+            <a:pPr marL="457200" indent="-457200">
+              <a:buFont typeface="Arial" panose="020B0604020202020204" pitchFamily="34" charset="0"/>
+              <a:buAutoNum type="arabicParenR"/>
+            </a:pPr>
+            <a:endParaRPr lang="en-US" dirty="0"/>
+          </a:p>
+          <a:p>
+            <a:pPr marL="457200" indent="-457200">
+              <a:buAutoNum type="arabicParenR"/>
+            </a:pPr>
+            <a:endParaRPr lang="en-US" sz="2200" dirty="0"/>
+          </a:p>
+          <a:p>
+            <a:pPr marL="457200" indent="-457200">
+              <a:buAutoNum type="arabicParenR"/>
+            </a:pPr>
+            <a:endParaRPr lang="en-US" sz="2200" dirty="0"/>
+          </a:p>
+        </p:txBody>
+      </p:sp>
+    </p:spTree>
+    <p:extLst>
+      <p:ext uri="{BB962C8B-B14F-4D97-AF65-F5344CB8AC3E}">
+        <p14:creationId xmlns:p14="http://schemas.microsoft.com/office/powerpoint/2010/main" val="959476455"/>
+      </p:ext>
+    </p:extLst>
+  </p:cSld>
+  <p:clrMapOvr>
+    <a:masterClrMapping/>
+  </p:clrMapOvr>
+  <p:timing>
+    <p:tnLst>
+      <p:par>
+        <p:cTn id="1" dur="indefinite" restart="never" nodeType="tmRoot">
+          <p:childTnLst>
+            <p:seq concurrent="1" nextAc="seek">
+              <p:cTn id="2" dur="indefinite" nodeType="mainSeq">
+                <p:childTnLst>
+                  <p:par>
+                    <p:cTn id="3" fill="hold">
+                      <p:stCondLst>
+                        <p:cond delay="indefinite"/>
+                      </p:stCondLst>
+                      <p:childTnLst>
+                        <p:par>
+                          <p:cTn id="4" fill="hold">
+                            <p:stCondLst>
+                              <p:cond delay="0"/>
+                            </p:stCondLst>
+                            <p:childTnLst>
+                              <p:par>
+                                <p:cTn id="5" presetID="1" presetClass="entr" presetSubtype="0" fill="hold" nodeType="clickEffect">
+                                  <p:stCondLst>
+                                    <p:cond delay="0"/>
+                                  </p:stCondLst>
+                                  <p:childTnLst>
+                                    <p:set>
+                                      <p:cBhvr>
+                                        <p:cTn id="6" dur="1" fill="hold">
+                                          <p:stCondLst>
+                                            <p:cond delay="0"/>
+                                          </p:stCondLst>
+                                        </p:cTn>
+                                        <p:tgtEl>
+                                          <p:spTgt spid="4">
+                                            <p:txEl>
+                                              <p:pRg st="1" end="1"/>
+                                            </p:txEl>
+                                          </p:spTgt>
+                                        </p:tgtEl>
+                                        <p:attrNameLst>
+                                          <p:attrName>style.visibility</p:attrName>
+                                        </p:attrNameLst>
+                                      </p:cBhvr>
+                                      <p:to>
+                                        <p:strVal val="visible"/>
+                                      </p:to>
+                                    </p:set>
+                                  </p:childTnLst>
+                                </p:cTn>
+                              </p:par>
+                            </p:childTnLst>
+                          </p:cTn>
+                        </p:par>
+                      </p:childTnLst>
+                    </p:cTn>
+                  </p:par>
+                  <p:par>
+                    <p:cTn id="7" fill="hold">
+                      <p:stCondLst>
+                        <p:cond delay="indefinite"/>
+                      </p:stCondLst>
+                      <p:childTnLst>
+                        <p:par>
+                          <p:cTn id="8" fill="hold">
+                            <p:stCondLst>
+                              <p:cond delay="0"/>
+                            </p:stCondLst>
+                            <p:childTnLst>
+                              <p:par>
+                                <p:cTn id="9" presetID="1" presetClass="entr" presetSubtype="0" fill="hold" nodeType="clickEffect">
+                                  <p:stCondLst>
+                                    <p:cond delay="0"/>
+                                  </p:stCondLst>
+                                  <p:childTnLst>
+                                    <p:set>
+                                      <p:cBhvr>
+                                        <p:cTn id="10" dur="1" fill="hold">
+                                          <p:stCondLst>
+                                            <p:cond delay="0"/>
+                                          </p:stCondLst>
+                                        </p:cTn>
+                                        <p:tgtEl>
+                                          <p:spTgt spid="4">
+                                            <p:txEl>
+                                              <p:pRg st="2" end="2"/>
+                                            </p:txEl>
+                                          </p:spTgt>
+                                        </p:tgtEl>
+                                        <p:attrNameLst>
+                                          <p:attrName>style.visibility</p:attrName>
+                                        </p:attrNameLst>
+                                      </p:cBhvr>
+                                      <p:to>
+                                        <p:strVal val="visible"/>
+                                      </p:to>
+                                    </p:set>
+                                  </p:childTnLst>
+                                </p:cTn>
+                              </p:par>
+                            </p:childTnLst>
+                          </p:cTn>
+                        </p:par>
+                      </p:childTnLst>
+                    </p:cTn>
+                  </p:par>
+                  <p:par>
+                    <p:cTn id="11" fill="hold">
+                      <p:stCondLst>
+                        <p:cond delay="indefinite"/>
+                      </p:stCondLst>
+                      <p:childTnLst>
+                        <p:par>
+                          <p:cTn id="12" fill="hold">
+                            <p:stCondLst>
+                              <p:cond delay="0"/>
+                            </p:stCondLst>
+                            <p:childTnLst>
+                              <p:par>
+                                <p:cTn id="13" presetID="1" presetClass="entr" presetSubtype="0" fill="hold" nodeType="clickEffect">
+                                  <p:stCondLst>
+                                    <p:cond delay="0"/>
+                                  </p:stCondLst>
+                                  <p:childTnLst>
+                                    <p:set>
+                                      <p:cBhvr>
+                                        <p:cTn id="14" dur="1" fill="hold">
+                                          <p:stCondLst>
+                                            <p:cond delay="0"/>
+                                          </p:stCondLst>
+                                        </p:cTn>
+                                        <p:tgtEl>
+                                          <p:spTgt spid="4">
+                                            <p:txEl>
+                                              <p:pRg st="3" end="3"/>
+                                            </p:txEl>
+                                          </p:spTgt>
+                                        </p:tgtEl>
+                                        <p:attrNameLst>
+                                          <p:attrName>style.visibility</p:attrName>
+                                        </p:attrNameLst>
+                                      </p:cBhvr>
+                                      <p:to>
+                                        <p:strVal val="visible"/>
+                                      </p:to>
+                                    </p:set>
+                                  </p:childTnLst>
+                                </p:cTn>
+                              </p:par>
+                            </p:childTnLst>
+                          </p:cTn>
+                        </p:par>
+                      </p:childTnLst>
+                    </p:cTn>
+                  </p:par>
+                  <p:par>
+                    <p:cTn id="15" fill="hold">
+                      <p:stCondLst>
+                        <p:cond delay="indefinite"/>
+                      </p:stCondLst>
+                      <p:childTnLst>
+                        <p:par>
+                          <p:cTn id="16" fill="hold">
+                            <p:stCondLst>
+                              <p:cond delay="0"/>
+                            </p:stCondLst>
+                            <p:childTnLst>
+                              <p:par>
+                                <p:cTn id="17" presetID="1" presetClass="entr" presetSubtype="0" fill="hold" nodeType="clickEffect">
+                                  <p:stCondLst>
+                                    <p:cond delay="0"/>
+                                  </p:stCondLst>
+                                  <p:childTnLst>
+                                    <p:set>
+                                      <p:cBhvr>
+                                        <p:cTn id="18" dur="1" fill="hold">
+                                          <p:stCondLst>
+                                            <p:cond delay="0"/>
+                                          </p:stCondLst>
+                                        </p:cTn>
+                                        <p:tgtEl>
+                                          <p:spTgt spid="4">
+                                            <p:txEl>
+                                              <p:pRg st="4" end="4"/>
+                                            </p:txEl>
+                                          </p:spTgt>
+                                        </p:tgtEl>
+                                        <p:attrNameLst>
+                                          <p:attrName>style.visibility</p:attrName>
+                                        </p:attrNameLst>
+                                      </p:cBhvr>
+                                      <p:to>
+                                        <p:strVal val="visible"/>
+                                      </p:to>
+                                    </p:set>
+                                  </p:childTnLst>
+                                </p:cTn>
+                              </p:par>
+                            </p:childTnLst>
+                          </p:cTn>
+                        </p:par>
+                      </p:childTnLst>
+                    </p:cTn>
+                  </p:par>
+                  <p:par>
+                    <p:cTn id="19" fill="hold">
+                      <p:stCondLst>
+                        <p:cond delay="indefinite"/>
+                      </p:stCondLst>
+                      <p:childTnLst>
+                        <p:par>
+                          <p:cTn id="20" fill="hold">
+                            <p:stCondLst>
+                              <p:cond delay="0"/>
+                            </p:stCondLst>
+                            <p:childTnLst>
+                              <p:par>
+                                <p:cTn id="21" presetID="1" presetClass="entr" presetSubtype="0" fill="hold" nodeType="clickEffect">
+                                  <p:stCondLst>
+                                    <p:cond delay="0"/>
+                                  </p:stCondLst>
+                                  <p:childTnLst>
+                                    <p:set>
+                                      <p:cBhvr>
+                                        <p:cTn id="22" dur="1" fill="hold">
+                                          <p:stCondLst>
+                                            <p:cond delay="0"/>
+                                          </p:stCondLst>
+                                        </p:cTn>
+                                        <p:tgtEl>
+                                          <p:spTgt spid="4">
+                                            <p:txEl>
+                                              <p:pRg st="5" end="5"/>
+                                            </p:txEl>
+                                          </p:spTgt>
+                                        </p:tgtEl>
+                                        <p:attrNameLst>
+                                          <p:attrName>style.visibility</p:attrName>
+                                        </p:attrNameLst>
+                                      </p:cBhvr>
+                                      <p:to>
+                                        <p:strVal val="visible"/>
+                                      </p:to>
+                                    </p:set>
+                                  </p:childTnLst>
+                                </p:cTn>
+                              </p:par>
+                            </p:childTnLst>
+                          </p:cTn>
+                        </p:par>
+                      </p:childTnLst>
+                    </p:cTn>
+                  </p:par>
+                </p:childTnLst>
+              </p:cTn>
+              <p:prevCondLst>
+                <p:cond evt="onPrev" delay="0">
+                  <p:tgtEl>
+                    <p:sldTgt/>
+                  </p:tgtEl>
+                </p:cond>
+              </p:prevCondLst>
+              <p:nextCondLst>
+                <p:cond evt="onNext" delay="0">
+                  <p:tgtEl>
+                    <p:sldTgt/>
+                  </p:tgtEl>
+                </p:cond>
+              </p:nextCondLst>
+            </p:seq>
+          </p:childTnLst>
+        </p:cTn>
+      </p:par>
+    </p:tnLst>
+  </p:timing>
+</p:sld>
+</file>
+
+<file path=ppt/slides/slide5.xml><?xml version="1.0" encoding="utf-8"?>
+<p:sld xmlns:a="http://schemas.openxmlformats.org/drawingml/2006/main" xmlns:r="http://schemas.openxmlformats.org/officeDocument/2006/relationships" xmlns:p="http://schemas.openxmlformats.org/presentationml/2006/main">
+  <p:cSld>
+    <p:spTree>
+      <p:nvGrpSpPr>
+        <p:cNvPr id="1" name=""/>
+        <p:cNvGrpSpPr/>
+        <p:nvPr/>
+      </p:nvGrpSpPr>
+      <p:grpSpPr>
+        <a:xfrm>
+          <a:off x="0" y="0"/>
+          <a:ext cx="0" cy="0"/>
+          <a:chOff x="0" y="0"/>
+          <a:chExt cx="0" cy="0"/>
+        </a:xfrm>
+      </p:grpSpPr>
+      <p:sp>
+        <p:nvSpPr>
+          <p:cNvPr id="2" name="Title 1">
+            <a:extLst>
+              <a:ext uri="{FF2B5EF4-FFF2-40B4-BE49-F238E27FC236}">
+                <a16:creationId xmlns:a16="http://schemas.microsoft.com/office/drawing/2014/main" id="{EDE419EF-0E46-9E4D-8C75-4293CAE61F27}"/>
+              </a:ext>
+            </a:extLst>
+          </p:cNvPr>
+          <p:cNvSpPr>
+            <a:spLocks noGrp="1"/>
+          </p:cNvSpPr>
+          <p:nvPr>
+            <p:ph type="title"/>
+          </p:nvPr>
+        </p:nvSpPr>
+        <p:spPr>
+          <a:xfrm>
+            <a:off x="624264" y="426416"/>
+            <a:ext cx="7922594" cy="669139"/>
+          </a:xfrm>
+        </p:spPr>
+        <p:txBody>
+          <a:bodyPr/>
+          <a:lstStyle/>
+          <a:p>
+            <a:pPr algn="l"/>
+            <a:r>
+              <a:rPr lang="en-US" cap="none" dirty="0"/>
+              <a:t>The curriculum</a:t>
+            </a:r>
+          </a:p>
+        </p:txBody>
+      </p:sp>
+      <p:sp>
+        <p:nvSpPr>
+          <p:cNvPr id="4" name="Content Placeholder 3">
+            <a:extLst>
+              <a:ext uri="{FF2B5EF4-FFF2-40B4-BE49-F238E27FC236}">
+                <a16:creationId xmlns:a16="http://schemas.microsoft.com/office/drawing/2014/main" id="{864D3036-8B0F-5C44-90AB-7558ABA4CDEC}"/>
+              </a:ext>
+            </a:extLst>
+          </p:cNvPr>
+          <p:cNvSpPr>
+            <a:spLocks noGrp="1"/>
+          </p:cNvSpPr>
+          <p:nvPr>
+            <p:ph sz="quarter" idx="13"/>
+          </p:nvPr>
+        </p:nvSpPr>
+        <p:spPr>
+          <a:xfrm>
+            <a:off x="444137" y="1095555"/>
+            <a:ext cx="8294914" cy="4443096"/>
+          </a:xfrm>
+        </p:spPr>
+        <p:txBody>
+          <a:bodyPr>
+            <a:normAutofit/>
+          </a:bodyPr>
+          <a:lstStyle/>
+          <a:p>
+            <a:pPr marL="0" indent="0">
+              <a:buNone/>
+            </a:pPr>
+            <a:r>
+              <a:rPr lang="en-US" sz="2200" dirty="0"/>
+              <a:t>7) Multimedia</a:t>
+            </a:r>
+          </a:p>
+          <a:p>
+            <a:pPr marL="0" indent="0">
+              <a:buNone/>
+            </a:pPr>
+            <a:r>
+              <a:rPr lang="en-US" sz="2200" dirty="0"/>
+              <a:t>8) Computer Hardware</a:t>
+            </a:r>
+          </a:p>
+          <a:p>
+            <a:pPr marL="0" indent="0">
+              <a:buNone/>
+            </a:pPr>
+            <a:r>
+              <a:rPr lang="en-US" sz="2200" dirty="0"/>
+              <a:t>9) Write Python games with the Arcade Library. We will write Tetris from scratch in groups of two.</a:t>
+            </a:r>
+          </a:p>
+          <a:p>
+            <a:pPr marL="0" indent="0">
+              <a:buNone/>
+            </a:pPr>
+            <a:r>
+              <a:rPr lang="en-US" sz="2200" dirty="0"/>
+              <a:t>10) We live in a world of big data: Internet of Things, data streams  businesses, RFID tags, sensor enabled equipment, video cameras, twitter data feeds, health records, housing data, customer feedback/reviews, data from scientific research/observations, etc... </a:t>
+            </a:r>
+          </a:p>
+          <a:p>
+            <a:pPr lvl="1"/>
+            <a:r>
+              <a:rPr lang="en-US" sz="1900" dirty="0"/>
+              <a:t>careers such as doctors, nurses, economists, STEM researchers, financial/business analytics will require skills in processing and analyzing large amount of data </a:t>
+            </a:r>
+          </a:p>
+          <a:p>
+            <a:pPr lvl="1"/>
+            <a:r>
+              <a:rPr lang="en-US" sz="1900" dirty="0"/>
+              <a:t>Python is by the far the most popular language in data processing and analysis</a:t>
+            </a:r>
+          </a:p>
+          <a:p>
+            <a:pPr marL="0" indent="0">
+              <a:buNone/>
+            </a:pPr>
+            <a:r>
+              <a:rPr lang="en-US" sz="2200" dirty="0"/>
+              <a:t>  </a:t>
+            </a:r>
+          </a:p>
+          <a:p>
+            <a:pPr marL="0" indent="0">
+              <a:buNone/>
+            </a:pPr>
+            <a:endParaRPr lang="en-US" sz="2200" dirty="0"/>
+          </a:p>
+          <a:p>
+            <a:pPr marL="457200" indent="-457200">
+              <a:buFont typeface="Arial" panose="020B0604020202020204" pitchFamily="34" charset="0"/>
+              <a:buAutoNum type="arabicParenR"/>
+            </a:pPr>
+            <a:endParaRPr lang="en-US" dirty="0"/>
+          </a:p>
+          <a:p>
+            <a:pPr marL="457200" indent="-457200">
+              <a:buAutoNum type="arabicParenR"/>
+            </a:pPr>
+            <a:endParaRPr lang="en-US" sz="2200" dirty="0"/>
+          </a:p>
+          <a:p>
+            <a:pPr marL="457200" indent="-457200">
+              <a:buAutoNum type="arabicParenR"/>
+            </a:pPr>
+            <a:endParaRPr lang="en-US" sz="2200" dirty="0"/>
+          </a:p>
+        </p:txBody>
+      </p:sp>
+    </p:spTree>
+    <p:extLst>
+      <p:ext uri="{BB962C8B-B14F-4D97-AF65-F5344CB8AC3E}">
+        <p14:creationId xmlns:p14="http://schemas.microsoft.com/office/powerpoint/2010/main" val="2235787597"/>
+      </p:ext>
+    </p:extLst>
+  </p:cSld>
+  <p:clrMapOvr>
+    <a:masterClrMapping/>
+  </p:clrMapOvr>
+  <p:timing>
+    <p:tnLst>
+      <p:par>
+        <p:cTn id="1" dur="indefinite" restart="never" nodeType="tmRoot">
+          <p:childTnLst>
+            <p:seq concurrent="1" nextAc="seek">
+              <p:cTn id="2" dur="indefinite" nodeType="mainSeq">
+                <p:childTnLst>
+                  <p:par>
+                    <p:cTn id="3" fill="hold">
+                      <p:stCondLst>
+                        <p:cond delay="indefinite"/>
+                      </p:stCondLst>
+                      <p:childTnLst>
+                        <p:par>
+                          <p:cTn id="4" fill="hold">
+                            <p:stCondLst>
+                              <p:cond delay="0"/>
+                            </p:stCondLst>
+                            <p:childTnLst>
+                              <p:par>
+                                <p:cTn id="5" presetID="1" presetClass="entr" presetSubtype="0" fill="hold" nodeType="clickEffect">
+                                  <p:stCondLst>
+                                    <p:cond delay="0"/>
+                                  </p:stCondLst>
+                                  <p:childTnLst>
+                                    <p:set>
+                                      <p:cBhvr>
+                                        <p:cTn id="6" dur="1" fill="hold">
+                                          <p:stCondLst>
+                                            <p:cond delay="0"/>
+                                          </p:stCondLst>
+                                        </p:cTn>
+                                        <p:tgtEl>
+                                          <p:spTgt spid="4">
+                                            <p:txEl>
+                                              <p:pRg st="0" end="0"/>
+                                            </p:txEl>
+                                          </p:spTgt>
+                                        </p:tgtEl>
+                                        <p:attrNameLst>
+                                          <p:attrName>style.visibility</p:attrName>
+                                        </p:attrNameLst>
+                                      </p:cBhvr>
+                                      <p:to>
+                                        <p:strVal val="visible"/>
+                                      </p:to>
+                                    </p:set>
+                                  </p:childTnLst>
+                                </p:cTn>
+                              </p:par>
+                            </p:childTnLst>
+                          </p:cTn>
+                        </p:par>
+                      </p:childTnLst>
+                    </p:cTn>
+                  </p:par>
+                  <p:par>
+                    <p:cTn id="7" fill="hold">
+                      <p:stCondLst>
+                        <p:cond delay="indefinite"/>
+                      </p:stCondLst>
+                      <p:childTnLst>
+                        <p:par>
+                          <p:cTn id="8" fill="hold">
+                            <p:stCondLst>
+                              <p:cond delay="0"/>
+                            </p:stCondLst>
+                            <p:childTnLst>
+                              <p:par>
+                                <p:cTn id="9" presetID="1" presetClass="entr" presetSubtype="0" fill="hold" nodeType="clickEffect">
+                                  <p:stCondLst>
+                                    <p:cond delay="0"/>
+                                  </p:stCondLst>
+                                  <p:childTnLst>
+                                    <p:set>
+                                      <p:cBhvr>
+                                        <p:cTn id="10" dur="1" fill="hold">
+                                          <p:stCondLst>
+                                            <p:cond delay="0"/>
+                                          </p:stCondLst>
+                                        </p:cTn>
+                                        <p:tgtEl>
+                                          <p:spTgt spid="4">
+                                            <p:txEl>
+                                              <p:pRg st="1" end="1"/>
+                                            </p:txEl>
+                                          </p:spTgt>
+                                        </p:tgtEl>
+                                        <p:attrNameLst>
+                                          <p:attrName>style.visibility</p:attrName>
+                                        </p:attrNameLst>
+                                      </p:cBhvr>
+                                      <p:to>
+                                        <p:strVal val="visible"/>
+                                      </p:to>
+                                    </p:set>
+                                  </p:childTnLst>
+                                </p:cTn>
+                              </p:par>
+                            </p:childTnLst>
+                          </p:cTn>
+                        </p:par>
+                      </p:childTnLst>
+                    </p:cTn>
+                  </p:par>
+                  <p:par>
+                    <p:cTn id="11" fill="hold">
+                      <p:stCondLst>
+                        <p:cond delay="indefinite"/>
+                      </p:stCondLst>
+                      <p:childTnLst>
+                        <p:par>
+                          <p:cTn id="12" fill="hold">
+                            <p:stCondLst>
+                              <p:cond delay="0"/>
+                            </p:stCondLst>
+                            <p:childTnLst>
+                              <p:par>
+                                <p:cTn id="13" presetID="1" presetClass="entr" presetSubtype="0" fill="hold" nodeType="clickEffect">
+                                  <p:stCondLst>
+                                    <p:cond delay="0"/>
+                                  </p:stCondLst>
+                                  <p:childTnLst>
+                                    <p:set>
+                                      <p:cBhvr>
+                                        <p:cTn id="14" dur="1" fill="hold">
+                                          <p:stCondLst>
+                                            <p:cond delay="0"/>
+                                          </p:stCondLst>
+                                        </p:cTn>
+                                        <p:tgtEl>
+                                          <p:spTgt spid="4">
+                                            <p:txEl>
+                                              <p:pRg st="2" end="2"/>
+                                            </p:txEl>
+                                          </p:spTgt>
+                                        </p:tgtEl>
+                                        <p:attrNameLst>
+                                          <p:attrName>style.visibility</p:attrName>
+                                        </p:attrNameLst>
+                                      </p:cBhvr>
+                                      <p:to>
+                                        <p:strVal val="visible"/>
+                                      </p:to>
+                                    </p:set>
+                                  </p:childTnLst>
+                                </p:cTn>
+                              </p:par>
+                            </p:childTnLst>
+                          </p:cTn>
+                        </p:par>
+                      </p:childTnLst>
+                    </p:cTn>
+                  </p:par>
+                  <p:par>
+                    <p:cTn id="15" fill="hold">
+                      <p:stCondLst>
+                        <p:cond delay="indefinite"/>
+                      </p:stCondLst>
+                      <p:childTnLst>
+                        <p:par>
+                          <p:cTn id="16" fill="hold">
+                            <p:stCondLst>
+                              <p:cond delay="0"/>
+                            </p:stCondLst>
+                            <p:childTnLst>
+                              <p:par>
+                                <p:cTn id="17" presetID="1" presetClass="entr" presetSubtype="0" fill="hold" nodeType="clickEffect">
+                                  <p:stCondLst>
+                                    <p:cond delay="0"/>
+                                  </p:stCondLst>
+                                  <p:childTnLst>
+                                    <p:set>
+                                      <p:cBhvr>
+                                        <p:cTn id="18" dur="1" fill="hold">
+                                          <p:stCondLst>
+                                            <p:cond delay="0"/>
+                                          </p:stCondLst>
+                                        </p:cTn>
+                                        <p:tgtEl>
+                                          <p:spTgt spid="4">
+                                            <p:txEl>
+                                              <p:pRg st="3" end="3"/>
+                                            </p:txEl>
+                                          </p:spTgt>
+                                        </p:tgtEl>
+                                        <p:attrNameLst>
+                                          <p:attrName>style.visibility</p:attrName>
+                                        </p:attrNameLst>
+                                      </p:cBhvr>
+                                      <p:to>
+                                        <p:strVal val="visible"/>
+                                      </p:to>
+                                    </p:set>
+                                  </p:childTnLst>
+                                </p:cTn>
+                              </p:par>
+                            </p:childTnLst>
+                          </p:cTn>
+                        </p:par>
+                      </p:childTnLst>
+                    </p:cTn>
+                  </p:par>
+                  <p:par>
+                    <p:cTn id="19" fill="hold">
+                      <p:stCondLst>
+                        <p:cond delay="indefinite"/>
+                      </p:stCondLst>
+                      <p:childTnLst>
+                        <p:par>
+                          <p:cTn id="20" fill="hold">
+                            <p:stCondLst>
+                              <p:cond delay="0"/>
+                            </p:stCondLst>
+                            <p:childTnLst>
+                              <p:par>
+                                <p:cTn id="21" presetID="1" presetClass="entr" presetSubtype="0" fill="hold" nodeType="clickEffect">
+                                  <p:stCondLst>
+                                    <p:cond delay="0"/>
+                                  </p:stCondLst>
+                                  <p:childTnLst>
+                                    <p:set>
+                                      <p:cBhvr>
+                                        <p:cTn id="22" dur="1" fill="hold">
+                                          <p:stCondLst>
+                                            <p:cond delay="0"/>
+                                          </p:stCondLst>
+                                        </p:cTn>
+                                        <p:tgtEl>
+                                          <p:spTgt spid="4">
+                                            <p:txEl>
+                                              <p:pRg st="4" end="4"/>
+                                            </p:txEl>
+                                          </p:spTgt>
+                                        </p:tgtEl>
+                                        <p:attrNameLst>
+                                          <p:attrName>style.visibility</p:attrName>
+                                        </p:attrNameLst>
+                                      </p:cBhvr>
+                                      <p:to>
+                                        <p:strVal val="visible"/>
+                                      </p:to>
+                                    </p:set>
+                                  </p:childTnLst>
+                                </p:cTn>
+                              </p:par>
+                            </p:childTnLst>
+                          </p:cTn>
+                        </p:par>
+                      </p:childTnLst>
+                    </p:cTn>
+                  </p:par>
+                  <p:par>
+                    <p:cTn id="23" fill="hold">
+                      <p:stCondLst>
+                        <p:cond delay="indefinite"/>
+                      </p:stCondLst>
+                      <p:childTnLst>
+                        <p:par>
+                          <p:cTn id="24" fill="hold">
+                            <p:stCondLst>
+                              <p:cond delay="0"/>
+                            </p:stCondLst>
+                            <p:childTnLst>
+                              <p:par>
+                                <p:cTn id="25" presetID="1" presetClass="entr" presetSubtype="0" fill="hold" nodeType="clickEffect">
+                                  <p:stCondLst>
+                                    <p:cond delay="0"/>
+                                  </p:stCondLst>
+                                  <p:childTnLst>
+                                    <p:set>
+                                      <p:cBhvr>
+                                        <p:cTn id="26" dur="1" fill="hold">
+                                          <p:stCondLst>
+                                            <p:cond delay="0"/>
+                                          </p:stCondLst>
+                                        </p:cTn>
+                                        <p:tgtEl>
+                                          <p:spTgt spid="4">
+                                            <p:txEl>
+                                              <p:pRg st="5" end="5"/>
+                                            </p:txEl>
+                                          </p:spTgt>
+                                        </p:tgtEl>
+                                        <p:attrNameLst>
+                                          <p:attrName>style.visibility</p:attrName>
+                                        </p:attrNameLst>
+                                      </p:cBhvr>
+                                      <p:to>
+                                        <p:strVal val="visible"/>
+                                      </p:to>
+                                    </p:set>
+                                  </p:childTnLst>
+                                </p:cTn>
+                              </p:par>
+                            </p:childTnLst>
+                          </p:cTn>
+                        </p:par>
+                      </p:childTnLst>
+                    </p:cTn>
+                  </p:par>
+                  <p:par>
+                    <p:cTn id="27" fill="hold">
+                      <p:stCondLst>
+                        <p:cond delay="indefinite"/>
+                      </p:stCondLst>
+                      <p:childTnLst>
+                        <p:par>
+                          <p:cTn id="28" fill="hold">
+                            <p:stCondLst>
+                              <p:cond delay="0"/>
+                            </p:stCondLst>
+                            <p:childTnLst>
+                              <p:par>
+                                <p:cTn id="29" presetID="1" presetClass="entr" presetSubtype="0" fill="hold" nodeType="clickEffect">
+                                  <p:stCondLst>
+                                    <p:cond delay="0"/>
+                                  </p:stCondLst>
+                                  <p:childTnLst>
+                                    <p:set>
+                                      <p:cBhvr>
+                                        <p:cTn id="30" dur="1" fill="hold">
+                                          <p:stCondLst>
+                                            <p:cond delay="0"/>
+                                          </p:stCondLst>
+                                        </p:cTn>
+                                        <p:tgtEl>
+                                          <p:spTgt spid="4">
+                                            <p:txEl>
+                                              <p:pRg st="6" end="6"/>
+                                            </p:txEl>
+                                          </p:spTgt>
+                                        </p:tgtEl>
+                                        <p:attrNameLst>
+                                          <p:attrName>style.visibility</p:attrName>
+                                        </p:attrNameLst>
+                                      </p:cBhvr>
+                                      <p:to>
+                                        <p:strVal val="visible"/>
+                                      </p:to>
+                                    </p:set>
+                                  </p:childTnLst>
+                                </p:cTn>
+                              </p:par>
+                            </p:childTnLst>
+                          </p:cTn>
+                        </p:par>
+                      </p:childTnLst>
+                    </p:cTn>
+                  </p:par>
+                </p:childTnLst>
+              </p:cTn>
+              <p:prevCondLst>
+                <p:cond evt="onPrev" delay="0">
+                  <p:tgtEl>
+                    <p:sldTgt/>
+                  </p:tgtEl>
+                </p:cond>
+              </p:prevCondLst>
+              <p:nextCondLst>
+                <p:cond evt="onNext" delay="0">
+                  <p:tgtEl>
+                    <p:sldTgt/>
+                  </p:tgtEl>
+                </p:cond>
+              </p:nextCondLst>
+            </p:seq>
+          </p:childTnLst>
+        </p:cTn>
+      </p:par>
+    </p:tnLst>
+  </p:timing>
 </p:sld>
 </file>
 

--- a/courses/apcsp/apcspwhy.pptx
+++ b/courses/apcsp/apcspwhy.pptx
@@ -6263,7 +6263,7 @@
             <a:pPr algn="l"/>
             <a:r>
               <a:rPr lang="en-US" cap="none" dirty="0"/>
-              <a:t>APCS P, the P is for Python</a:t>
+              <a:t>APCS Principles</a:t>
             </a:r>
           </a:p>
         </p:txBody>

--- a/courses/apcsp/apcspwhy.pptx
+++ b/courses/apcsp/apcspwhy.pptx
@@ -11,8 +11,8 @@
     <p:sldId id="256" r:id="rId2"/>
     <p:sldId id="321" r:id="rId3"/>
     <p:sldId id="320" r:id="rId4"/>
-    <p:sldId id="323" r:id="rId5"/>
-    <p:sldId id="322" r:id="rId6"/>
+    <p:sldId id="324" r:id="rId5"/>
+    <p:sldId id="323" r:id="rId6"/>
   </p:sldIdLst>
   <p:sldSz cx="9144000" cy="5715000" type="screen16x10"/>
   <p:notesSz cx="6858000" cy="9144000"/>
@@ -122,38 +122,13 @@
 <file path=ppt/revisionInfo.xml><?xml version="1.0" encoding="utf-8"?>
 <p1510:revInfo xmlns:a="http://schemas.openxmlformats.org/drawingml/2006/main" xmlns:r="http://schemas.openxmlformats.org/officeDocument/2006/relationships" xmlns:p1510="http://schemas.microsoft.com/office/powerpoint/2015/10/main">
   <p1510:revLst>
-    <p1510:client id="{4BE6A6D3-80E1-E648-9A65-3053C53C3489}" v="1" dt="2020-01-13T13:50:10.484"/>
-    <p1510:client id="{6AC26564-89E3-E046-BFB4-F80582D7E17B}" v="2" dt="2020-01-13T13:46:19.953"/>
+    <p1510:client id="{C4C02E3F-7546-E347-858C-159161F993E8}" v="1482" dt="2023-03-03T00:14:10.427"/>
   </p1510:revLst>
 </p1510:revInfo>
 </file>
 
 <file path=ppt/changesInfos/changesInfo1.xml><?xml version="1.0" encoding="utf-8"?>
 <pc:chgInfo xmlns:a="http://schemas.openxmlformats.org/drawingml/2006/main" xmlns:r="http://schemas.openxmlformats.org/officeDocument/2006/relationships" xmlns:ac="http://schemas.microsoft.com/office/drawing/2013/main/command" xmlns:pc="http://schemas.microsoft.com/office/powerpoint/2013/main/command">
-  <pc:docChgLst>
-    <pc:chgData name="Long B Nguyen" userId="f59fb8f3-a021-417a-8bc1-65c8d471c621" providerId="ADAL" clId="{B5860C40-AA08-4447-A918-2D2782E0FC0B}"/>
-    <pc:docChg chg="delSld modSld">
-      <pc:chgData name="Long B Nguyen" userId="f59fb8f3-a021-417a-8bc1-65c8d471c621" providerId="ADAL" clId="{B5860C40-AA08-4447-A918-2D2782E0FC0B}" dt="2019-09-16T13:59:20.091" v="35" actId="2696"/>
-      <pc:docMkLst>
-        <pc:docMk/>
-      </pc:docMkLst>
-      <pc:sldChg chg="modSp">
-        <pc:chgData name="Long B Nguyen" userId="f59fb8f3-a021-417a-8bc1-65c8d471c621" providerId="ADAL" clId="{B5860C40-AA08-4447-A918-2D2782E0FC0B}" dt="2019-09-16T13:58:36.640" v="18" actId="20577"/>
-        <pc:sldMkLst>
-          <pc:docMk/>
-          <pc:sldMk cId="4247104139" sldId="256"/>
-        </pc:sldMkLst>
-        <pc:spChg chg="mod">
-          <ac:chgData name="Long B Nguyen" userId="f59fb8f3-a021-417a-8bc1-65c8d471c621" providerId="ADAL" clId="{B5860C40-AA08-4447-A918-2D2782E0FC0B}" dt="2019-09-16T13:58:36.640" v="18" actId="20577"/>
-          <ac:spMkLst>
-            <pc:docMk/>
-            <pc:sldMk cId="4247104139" sldId="256"/>
-            <ac:spMk id="3" creationId="{1BDC47C8-6776-7B44-9CD4-95FC91452D62}"/>
-          </ac:spMkLst>
-        </pc:spChg>
-      </pc:sldChg>
-    </pc:docChg>
-  </pc:docChgLst>
   <pc:docChgLst>
     <pc:chgData name="Long B Nguyen" userId="f59fb8f3-a021-417a-8bc1-65c8d471c621" providerId="ADAL" clId="{4BE6A6D3-80E1-E648-9A65-3053C53C3489}"/>
     <pc:docChg chg="addSld delSld modSld">
@@ -424,190 +399,28 @@
     </pc:docChg>
   </pc:docChgLst>
   <pc:docChgLst>
-    <pc:chgData name="Long B Nguyen" userId="f59fb8f3-a021-417a-8bc1-65c8d471c621" providerId="ADAL" clId="{AA9102B5-DACA-D841-B260-AEEBF90FC60A}"/>
-    <pc:docChg chg="custSel addSld delSld modSld">
-      <pc:chgData name="Long B Nguyen" userId="f59fb8f3-a021-417a-8bc1-65c8d471c621" providerId="ADAL" clId="{AA9102B5-DACA-D841-B260-AEEBF90FC60A}" dt="2020-01-06T17:07:10.515" v="1519" actId="2711"/>
+    <pc:chgData name="Long B Nguyen" userId="f59fb8f3-a021-417a-8bc1-65c8d471c621" providerId="ADAL" clId="{CC9C9D9A-5149-2947-86C0-576F501F60DC}"/>
+    <pc:docChg chg="addSld modSld">
+      <pc:chgData name="Long B Nguyen" userId="f59fb8f3-a021-417a-8bc1-65c8d471c621" providerId="ADAL" clId="{CC9C9D9A-5149-2947-86C0-576F501F60DC}" dt="2020-01-05T21:59:55.597" v="2392" actId="14100"/>
       <pc:docMkLst>
         <pc:docMk/>
       </pc:docMkLst>
-      <pc:sldChg chg="modSp">
-        <pc:chgData name="Long B Nguyen" userId="f59fb8f3-a021-417a-8bc1-65c8d471c621" providerId="ADAL" clId="{AA9102B5-DACA-D841-B260-AEEBF90FC60A}" dt="2020-01-05T22:05:23.536" v="23" actId="20577"/>
-        <pc:sldMkLst>
-          <pc:docMk/>
-          <pc:sldMk cId="4247104139" sldId="256"/>
+      <pc:sldChg chg="modSp add modAnim">
+        <pc:chgData name="Long B Nguyen" userId="f59fb8f3-a021-417a-8bc1-65c8d471c621" providerId="ADAL" clId="{CC9C9D9A-5149-2947-86C0-576F501F60DC}" dt="2020-01-04T15:49:37.373" v="563" actId="20577"/>
+        <pc:sldMkLst>
+          <pc:docMk/>
+          <pc:sldMk cId="924617162" sldId="319"/>
         </pc:sldMkLst>
         <pc:spChg chg="mod">
-          <ac:chgData name="Long B Nguyen" userId="f59fb8f3-a021-417a-8bc1-65c8d471c621" providerId="ADAL" clId="{AA9102B5-DACA-D841-B260-AEEBF90FC60A}" dt="2020-01-05T22:05:23.536" v="23" actId="20577"/>
+          <ac:chgData name="Long B Nguyen" userId="f59fb8f3-a021-417a-8bc1-65c8d471c621" providerId="ADAL" clId="{CC9C9D9A-5149-2947-86C0-576F501F60DC}" dt="2020-01-04T15:45:14.876" v="4" actId="20577"/>
           <ac:spMkLst>
             <pc:docMk/>
-            <pc:sldMk cId="4247104139" sldId="256"/>
-            <ac:spMk id="3" creationId="{1BDC47C8-6776-7B44-9CD4-95FC91452D62}"/>
+            <pc:sldMk cId="924617162" sldId="319"/>
+            <ac:spMk id="2" creationId="{AA3A228F-61D0-D949-A5E7-F83756230BF8}"/>
           </ac:spMkLst>
         </pc:spChg>
-      </pc:sldChg>
-      <pc:sldChg chg="del">
-        <pc:chgData name="Long B Nguyen" userId="f59fb8f3-a021-417a-8bc1-65c8d471c621" providerId="ADAL" clId="{AA9102B5-DACA-D841-B260-AEEBF90FC60A}" dt="2020-01-05T22:05:52.483" v="41" actId="2696"/>
-        <pc:sldMkLst>
-          <pc:docMk/>
-          <pc:sldMk cId="1438711869" sldId="284"/>
-        </pc:sldMkLst>
-      </pc:sldChg>
-      <pc:sldChg chg="del">
-        <pc:chgData name="Long B Nguyen" userId="f59fb8f3-a021-417a-8bc1-65c8d471c621" providerId="ADAL" clId="{AA9102B5-DACA-D841-B260-AEEBF90FC60A}" dt="2020-01-05T22:05:52.199" v="24" actId="2696"/>
-        <pc:sldMkLst>
-          <pc:docMk/>
-          <pc:sldMk cId="131840209" sldId="286"/>
-        </pc:sldMkLst>
-      </pc:sldChg>
-      <pc:sldChg chg="del">
-        <pc:chgData name="Long B Nguyen" userId="f59fb8f3-a021-417a-8bc1-65c8d471c621" providerId="ADAL" clId="{AA9102B5-DACA-D841-B260-AEEBF90FC60A}" dt="2020-01-05T22:05:52.214" v="25" actId="2696"/>
-        <pc:sldMkLst>
-          <pc:docMk/>
-          <pc:sldMk cId="1816941262" sldId="295"/>
-        </pc:sldMkLst>
-      </pc:sldChg>
-      <pc:sldChg chg="del">
-        <pc:chgData name="Long B Nguyen" userId="f59fb8f3-a021-417a-8bc1-65c8d471c621" providerId="ADAL" clId="{AA9102B5-DACA-D841-B260-AEEBF90FC60A}" dt="2020-01-05T22:05:52.246" v="27" actId="2696"/>
-        <pc:sldMkLst>
-          <pc:docMk/>
-          <pc:sldMk cId="553003360" sldId="296"/>
-        </pc:sldMkLst>
-      </pc:sldChg>
-      <pc:sldChg chg="del">
-        <pc:chgData name="Long B Nguyen" userId="f59fb8f3-a021-417a-8bc1-65c8d471c621" providerId="ADAL" clId="{AA9102B5-DACA-D841-B260-AEEBF90FC60A}" dt="2020-01-05T22:05:52.268" v="28" actId="2696"/>
-        <pc:sldMkLst>
-          <pc:docMk/>
-          <pc:sldMk cId="3006175481" sldId="297"/>
-        </pc:sldMkLst>
-      </pc:sldChg>
-      <pc:sldChg chg="del">
-        <pc:chgData name="Long B Nguyen" userId="f59fb8f3-a021-417a-8bc1-65c8d471c621" providerId="ADAL" clId="{AA9102B5-DACA-D841-B260-AEEBF90FC60A}" dt="2020-01-05T22:05:52.287" v="29" actId="2696"/>
-        <pc:sldMkLst>
-          <pc:docMk/>
-          <pc:sldMk cId="3150557076" sldId="298"/>
-        </pc:sldMkLst>
-      </pc:sldChg>
-      <pc:sldChg chg="del">
-        <pc:chgData name="Long B Nguyen" userId="f59fb8f3-a021-417a-8bc1-65c8d471c621" providerId="ADAL" clId="{AA9102B5-DACA-D841-B260-AEEBF90FC60A}" dt="2020-01-05T22:05:52.442" v="38" actId="2696"/>
-        <pc:sldMkLst>
-          <pc:docMk/>
-          <pc:sldMk cId="128704095" sldId="302"/>
-        </pc:sldMkLst>
-      </pc:sldChg>
-      <pc:sldChg chg="del">
-        <pc:chgData name="Long B Nguyen" userId="f59fb8f3-a021-417a-8bc1-65c8d471c621" providerId="ADAL" clId="{AA9102B5-DACA-D841-B260-AEEBF90FC60A}" dt="2020-01-05T22:05:52.305" v="30" actId="2696"/>
-        <pc:sldMkLst>
-          <pc:docMk/>
-          <pc:sldMk cId="3275945509" sldId="303"/>
-        </pc:sldMkLst>
-      </pc:sldChg>
-      <pc:sldChg chg="del">
-        <pc:chgData name="Long B Nguyen" userId="f59fb8f3-a021-417a-8bc1-65c8d471c621" providerId="ADAL" clId="{AA9102B5-DACA-D841-B260-AEEBF90FC60A}" dt="2020-01-05T22:05:52.321" v="31" actId="2696"/>
-        <pc:sldMkLst>
-          <pc:docMk/>
-          <pc:sldMk cId="406772024" sldId="304"/>
-        </pc:sldMkLst>
-      </pc:sldChg>
-      <pc:sldChg chg="del">
-        <pc:chgData name="Long B Nguyen" userId="f59fb8f3-a021-417a-8bc1-65c8d471c621" providerId="ADAL" clId="{AA9102B5-DACA-D841-B260-AEEBF90FC60A}" dt="2020-01-05T22:05:52.334" v="32" actId="2696"/>
-        <pc:sldMkLst>
-          <pc:docMk/>
-          <pc:sldMk cId="1703902501" sldId="305"/>
-        </pc:sldMkLst>
-      </pc:sldChg>
-      <pc:sldChg chg="del">
-        <pc:chgData name="Long B Nguyen" userId="f59fb8f3-a021-417a-8bc1-65c8d471c621" providerId="ADAL" clId="{AA9102B5-DACA-D841-B260-AEEBF90FC60A}" dt="2020-01-05T22:05:52.461" v="39" actId="2696"/>
-        <pc:sldMkLst>
-          <pc:docMk/>
-          <pc:sldMk cId="3614829039" sldId="306"/>
-        </pc:sldMkLst>
-      </pc:sldChg>
-      <pc:sldChg chg="del">
-        <pc:chgData name="Long B Nguyen" userId="f59fb8f3-a021-417a-8bc1-65c8d471c621" providerId="ADAL" clId="{AA9102B5-DACA-D841-B260-AEEBF90FC60A}" dt="2020-01-05T22:05:52.471" v="40" actId="2696"/>
-        <pc:sldMkLst>
-          <pc:docMk/>
-          <pc:sldMk cId="295911327" sldId="307"/>
-        </pc:sldMkLst>
-      </pc:sldChg>
-      <pc:sldChg chg="del">
-        <pc:chgData name="Long B Nguyen" userId="f59fb8f3-a021-417a-8bc1-65c8d471c621" providerId="ADAL" clId="{AA9102B5-DACA-D841-B260-AEEBF90FC60A}" dt="2020-01-05T22:05:52.353" v="33" actId="2696"/>
-        <pc:sldMkLst>
-          <pc:docMk/>
-          <pc:sldMk cId="67957925" sldId="308"/>
-        </pc:sldMkLst>
-      </pc:sldChg>
-      <pc:sldChg chg="del">
-        <pc:chgData name="Long B Nguyen" userId="f59fb8f3-a021-417a-8bc1-65c8d471c621" providerId="ADAL" clId="{AA9102B5-DACA-D841-B260-AEEBF90FC60A}" dt="2020-01-05T22:05:52.365" v="34" actId="2696"/>
-        <pc:sldMkLst>
-          <pc:docMk/>
-          <pc:sldMk cId="1872435103" sldId="309"/>
-        </pc:sldMkLst>
-      </pc:sldChg>
-      <pc:sldChg chg="del">
-        <pc:chgData name="Long B Nguyen" userId="f59fb8f3-a021-417a-8bc1-65c8d471c621" providerId="ADAL" clId="{AA9102B5-DACA-D841-B260-AEEBF90FC60A}" dt="2020-01-05T22:05:52.385" v="35" actId="2696"/>
-        <pc:sldMkLst>
-          <pc:docMk/>
-          <pc:sldMk cId="4088965571" sldId="310"/>
-        </pc:sldMkLst>
-      </pc:sldChg>
-      <pc:sldChg chg="del">
-        <pc:chgData name="Long B Nguyen" userId="f59fb8f3-a021-417a-8bc1-65c8d471c621" providerId="ADAL" clId="{AA9102B5-DACA-D841-B260-AEEBF90FC60A}" dt="2020-01-05T22:05:52.404" v="36" actId="2696"/>
-        <pc:sldMkLst>
-          <pc:docMk/>
-          <pc:sldMk cId="2255846137" sldId="311"/>
-        </pc:sldMkLst>
-      </pc:sldChg>
-      <pc:sldChg chg="del">
-        <pc:chgData name="Long B Nguyen" userId="f59fb8f3-a021-417a-8bc1-65c8d471c621" providerId="ADAL" clId="{AA9102B5-DACA-D841-B260-AEEBF90FC60A}" dt="2020-01-05T22:05:52.423" v="37" actId="2696"/>
-        <pc:sldMkLst>
-          <pc:docMk/>
-          <pc:sldMk cId="1513627164" sldId="312"/>
-        </pc:sldMkLst>
-      </pc:sldChg>
-      <pc:sldChg chg="del">
-        <pc:chgData name="Long B Nguyen" userId="f59fb8f3-a021-417a-8bc1-65c8d471c621" providerId="ADAL" clId="{AA9102B5-DACA-D841-B260-AEEBF90FC60A}" dt="2020-01-05T22:05:52.231" v="26" actId="2696"/>
-        <pc:sldMkLst>
-          <pc:docMk/>
-          <pc:sldMk cId="2097059918" sldId="313"/>
-        </pc:sldMkLst>
-      </pc:sldChg>
-      <pc:sldChg chg="modSp">
-        <pc:chgData name="Long B Nguyen" userId="f59fb8f3-a021-417a-8bc1-65c8d471c621" providerId="ADAL" clId="{AA9102B5-DACA-D841-B260-AEEBF90FC60A}" dt="2020-01-06T15:37:30.346" v="948" actId="20577"/>
-        <pc:sldMkLst>
-          <pc:docMk/>
-          <pc:sldMk cId="1452600724" sldId="316"/>
-        </pc:sldMkLst>
         <pc:spChg chg="mod">
-          <ac:chgData name="Long B Nguyen" userId="f59fb8f3-a021-417a-8bc1-65c8d471c621" providerId="ADAL" clId="{AA9102B5-DACA-D841-B260-AEEBF90FC60A}" dt="2020-01-06T15:37:30.346" v="948" actId="20577"/>
-          <ac:spMkLst>
-            <pc:docMk/>
-            <pc:sldMk cId="1452600724" sldId="316"/>
-            <ac:spMk id="9" creationId="{E3B2E017-30B2-884B-A113-B419A2ED51AD}"/>
-          </ac:spMkLst>
-        </pc:spChg>
-      </pc:sldChg>
-      <pc:sldChg chg="del">
-        <pc:chgData name="Long B Nguyen" userId="f59fb8f3-a021-417a-8bc1-65c8d471c621" providerId="ADAL" clId="{AA9102B5-DACA-D841-B260-AEEBF90FC60A}" dt="2020-01-06T15:03:11.354" v="848" actId="2696"/>
-        <pc:sldMkLst>
-          <pc:docMk/>
-          <pc:sldMk cId="1787114790" sldId="317"/>
-        </pc:sldMkLst>
-      </pc:sldChg>
-      <pc:sldChg chg="del">
-        <pc:chgData name="Long B Nguyen" userId="f59fb8f3-a021-417a-8bc1-65c8d471c621" providerId="ADAL" clId="{AA9102B5-DACA-D841-B260-AEEBF90FC60A}" dt="2020-01-05T22:06:12.101" v="42" actId="2696"/>
-        <pc:sldMkLst>
-          <pc:docMk/>
-          <pc:sldMk cId="1215229427" sldId="318"/>
-        </pc:sldMkLst>
-      </pc:sldChg>
-      <pc:sldChg chg="modSp">
-        <pc:chgData name="Long B Nguyen" userId="f59fb8f3-a021-417a-8bc1-65c8d471c621" providerId="ADAL" clId="{AA9102B5-DACA-D841-B260-AEEBF90FC60A}" dt="2020-01-06T01:48:03.413" v="110" actId="20577"/>
-        <pc:sldMkLst>
-          <pc:docMk/>
-          <pc:sldMk cId="924617162" sldId="319"/>
-        </pc:sldMkLst>
-        <pc:spChg chg="mod">
-          <ac:chgData name="Long B Nguyen" userId="f59fb8f3-a021-417a-8bc1-65c8d471c621" providerId="ADAL" clId="{AA9102B5-DACA-D841-B260-AEEBF90FC60A}" dt="2020-01-06T01:48:03.413" v="110" actId="20577"/>
+          <ac:chgData name="Long B Nguyen" userId="f59fb8f3-a021-417a-8bc1-65c8d471c621" providerId="ADAL" clId="{CC9C9D9A-5149-2947-86C0-576F501F60DC}" dt="2020-01-04T15:49:37.373" v="563" actId="20577"/>
           <ac:spMkLst>
             <pc:docMk/>
             <pc:sldMk cId="924617162" sldId="319"/>
@@ -615,14 +428,98 @@
           </ac:spMkLst>
         </pc:spChg>
       </pc:sldChg>
-      <pc:sldChg chg="modSp">
-        <pc:chgData name="Long B Nguyen" userId="f59fb8f3-a021-417a-8bc1-65c8d471c621" providerId="ADAL" clId="{AA9102B5-DACA-D841-B260-AEEBF90FC60A}" dt="2020-01-06T01:56:11.549" v="712" actId="1076"/>
+      <pc:sldChg chg="modSp add">
+        <pc:chgData name="Long B Nguyen" userId="f59fb8f3-a021-417a-8bc1-65c8d471c621" providerId="ADAL" clId="{CC9C9D9A-5149-2947-86C0-576F501F60DC}" dt="2020-01-04T15:57:55.835" v="789" actId="14100"/>
+        <pc:sldMkLst>
+          <pc:docMk/>
+          <pc:sldMk cId="3758830494" sldId="320"/>
+        </pc:sldMkLst>
+        <pc:spChg chg="mod">
+          <ac:chgData name="Long B Nguyen" userId="f59fb8f3-a021-417a-8bc1-65c8d471c621" providerId="ADAL" clId="{CC9C9D9A-5149-2947-86C0-576F501F60DC}" dt="2020-01-04T15:57:52.065" v="788" actId="1076"/>
+          <ac:spMkLst>
+            <pc:docMk/>
+            <pc:sldMk cId="3758830494" sldId="320"/>
+            <ac:spMk id="2" creationId="{AA3A228F-61D0-D949-A5E7-F83756230BF8}"/>
+          </ac:spMkLst>
+        </pc:spChg>
+        <pc:spChg chg="mod">
+          <ac:chgData name="Long B Nguyen" userId="f59fb8f3-a021-417a-8bc1-65c8d471c621" providerId="ADAL" clId="{CC9C9D9A-5149-2947-86C0-576F501F60DC}" dt="2020-01-04T15:57:55.835" v="789" actId="14100"/>
+          <ac:spMkLst>
+            <pc:docMk/>
+            <pc:sldMk cId="3758830494" sldId="320"/>
+            <ac:spMk id="9" creationId="{E3B2E017-30B2-884B-A113-B419A2ED51AD}"/>
+          </ac:spMkLst>
+        </pc:spChg>
+      </pc:sldChg>
+      <pc:sldChg chg="modSp add">
+        <pc:chgData name="Long B Nguyen" userId="f59fb8f3-a021-417a-8bc1-65c8d471c621" providerId="ADAL" clId="{CC9C9D9A-5149-2947-86C0-576F501F60DC}" dt="2020-01-05T21:51:37.442" v="2325" actId="20577"/>
+        <pc:sldMkLst>
+          <pc:docMk/>
+          <pc:sldMk cId="1022945305" sldId="321"/>
+        </pc:sldMkLst>
+        <pc:spChg chg="mod">
+          <ac:chgData name="Long B Nguyen" userId="f59fb8f3-a021-417a-8bc1-65c8d471c621" providerId="ADAL" clId="{CC9C9D9A-5149-2947-86C0-576F501F60DC}" dt="2020-01-05T21:51:37.442" v="2325" actId="20577"/>
+          <ac:spMkLst>
+            <pc:docMk/>
+            <pc:sldMk cId="1022945305" sldId="321"/>
+            <ac:spMk id="2" creationId="{AA3A228F-61D0-D949-A5E7-F83756230BF8}"/>
+          </ac:spMkLst>
+        </pc:spChg>
+        <pc:spChg chg="mod">
+          <ac:chgData name="Long B Nguyen" userId="f59fb8f3-a021-417a-8bc1-65c8d471c621" providerId="ADAL" clId="{CC9C9D9A-5149-2947-86C0-576F501F60DC}" dt="2020-01-05T21:33:21.485" v="2304" actId="20577"/>
+          <ac:spMkLst>
+            <pc:docMk/>
+            <pc:sldMk cId="1022945305" sldId="321"/>
+            <ac:spMk id="9" creationId="{E3B2E017-30B2-884B-A113-B419A2ED51AD}"/>
+          </ac:spMkLst>
+        </pc:spChg>
+      </pc:sldChg>
+      <pc:sldChg chg="modSp add">
+        <pc:chgData name="Long B Nguyen" userId="f59fb8f3-a021-417a-8bc1-65c8d471c621" providerId="ADAL" clId="{CC9C9D9A-5149-2947-86C0-576F501F60DC}" dt="2020-01-04T17:41:57.489" v="1203" actId="20577"/>
+        <pc:sldMkLst>
+          <pc:docMk/>
+          <pc:sldMk cId="3456840474" sldId="322"/>
+        </pc:sldMkLst>
+        <pc:spChg chg="mod">
+          <ac:chgData name="Long B Nguyen" userId="f59fb8f3-a021-417a-8bc1-65c8d471c621" providerId="ADAL" clId="{CC9C9D9A-5149-2947-86C0-576F501F60DC}" dt="2020-01-04T17:41:57.489" v="1203" actId="20577"/>
+          <ac:spMkLst>
+            <pc:docMk/>
+            <pc:sldMk cId="3456840474" sldId="322"/>
+            <ac:spMk id="9" creationId="{E3B2E017-30B2-884B-A113-B419A2ED51AD}"/>
+          </ac:spMkLst>
+        </pc:spChg>
+      </pc:sldChg>
+      <pc:sldChg chg="modSp add">
+        <pc:chgData name="Long B Nguyen" userId="f59fb8f3-a021-417a-8bc1-65c8d471c621" providerId="ADAL" clId="{CC9C9D9A-5149-2947-86C0-576F501F60DC}" dt="2020-01-04T18:38:26.241" v="1214" actId="113"/>
+        <pc:sldMkLst>
+          <pc:docMk/>
+          <pc:sldMk cId="1062075874" sldId="323"/>
+        </pc:sldMkLst>
+        <pc:spChg chg="mod">
+          <ac:chgData name="Long B Nguyen" userId="f59fb8f3-a021-417a-8bc1-65c8d471c621" providerId="ADAL" clId="{CC9C9D9A-5149-2947-86C0-576F501F60DC}" dt="2020-01-04T18:38:26.241" v="1214" actId="113"/>
+          <ac:spMkLst>
+            <pc:docMk/>
+            <pc:sldMk cId="1062075874" sldId="323"/>
+            <ac:spMk id="9" creationId="{E3B2E017-30B2-884B-A113-B419A2ED51AD}"/>
+          </ac:spMkLst>
+        </pc:spChg>
+      </pc:sldChg>
+      <pc:sldChg chg="modSp add">
+        <pc:chgData name="Long B Nguyen" userId="f59fb8f3-a021-417a-8bc1-65c8d471c621" providerId="ADAL" clId="{CC9C9D9A-5149-2947-86C0-576F501F60DC}" dt="2020-01-04T20:58:36.932" v="1972" actId="20577"/>
         <pc:sldMkLst>
           <pc:docMk/>
           <pc:sldMk cId="1310010799" sldId="324"/>
         </pc:sldMkLst>
         <pc:spChg chg="mod">
-          <ac:chgData name="Long B Nguyen" userId="f59fb8f3-a021-417a-8bc1-65c8d471c621" providerId="ADAL" clId="{AA9102B5-DACA-D841-B260-AEEBF90FC60A}" dt="2020-01-06T01:56:11.549" v="712" actId="1076"/>
+          <ac:chgData name="Long B Nguyen" userId="f59fb8f3-a021-417a-8bc1-65c8d471c621" providerId="ADAL" clId="{CC9C9D9A-5149-2947-86C0-576F501F60DC}" dt="2020-01-04T20:55:25.731" v="1962" actId="1076"/>
+          <ac:spMkLst>
+            <pc:docMk/>
+            <pc:sldMk cId="1310010799" sldId="324"/>
+            <ac:spMk id="2" creationId="{AA3A228F-61D0-D949-A5E7-F83756230BF8}"/>
+          </ac:spMkLst>
+        </pc:spChg>
+        <pc:spChg chg="mod">
+          <ac:chgData name="Long B Nguyen" userId="f59fb8f3-a021-417a-8bc1-65c8d471c621" providerId="ADAL" clId="{CC9C9D9A-5149-2947-86C0-576F501F60DC}" dt="2020-01-04T20:58:36.932" v="1972" actId="20577"/>
           <ac:spMkLst>
             <pc:docMk/>
             <pc:sldMk cId="1310010799" sldId="324"/>
@@ -630,14 +527,14 @@
           </ac:spMkLst>
         </pc:spChg>
       </pc:sldChg>
-      <pc:sldChg chg="modSp">
-        <pc:chgData name="Long B Nguyen" userId="f59fb8f3-a021-417a-8bc1-65c8d471c621" providerId="ADAL" clId="{AA9102B5-DACA-D841-B260-AEEBF90FC60A}" dt="2020-01-06T15:35:11.658" v="853" actId="20577"/>
+      <pc:sldChg chg="modSp add">
+        <pc:chgData name="Long B Nguyen" userId="f59fb8f3-a021-417a-8bc1-65c8d471c621" providerId="ADAL" clId="{CC9C9D9A-5149-2947-86C0-576F501F60DC}" dt="2020-01-05T21:27:04.952" v="2119" actId="20577"/>
         <pc:sldMkLst>
           <pc:docMk/>
           <pc:sldMk cId="3314372952" sldId="325"/>
         </pc:sldMkLst>
         <pc:spChg chg="mod">
-          <ac:chgData name="Long B Nguyen" userId="f59fb8f3-a021-417a-8bc1-65c8d471c621" providerId="ADAL" clId="{AA9102B5-DACA-D841-B260-AEEBF90FC60A}" dt="2020-01-06T15:35:11.658" v="853" actId="20577"/>
+          <ac:chgData name="Long B Nguyen" userId="f59fb8f3-a021-417a-8bc1-65c8d471c621" providerId="ADAL" clId="{CC9C9D9A-5149-2947-86C0-576F501F60DC}" dt="2020-01-05T21:26:41.210" v="2114" actId="20577"/>
           <ac:spMkLst>
             <pc:docMk/>
             <pc:sldMk cId="3314372952" sldId="325"/>
@@ -645,7 +542,7 @@
           </ac:spMkLst>
         </pc:spChg>
         <pc:spChg chg="mod">
-          <ac:chgData name="Long B Nguyen" userId="f59fb8f3-a021-417a-8bc1-65c8d471c621" providerId="ADAL" clId="{AA9102B5-DACA-D841-B260-AEEBF90FC60A}" dt="2020-01-06T15:02:45.351" v="846" actId="20577"/>
+          <ac:chgData name="Long B Nguyen" userId="f59fb8f3-a021-417a-8bc1-65c8d471c621" providerId="ADAL" clId="{CC9C9D9A-5149-2947-86C0-576F501F60DC}" dt="2020-01-05T21:27:04.952" v="2119" actId="20577"/>
           <ac:spMkLst>
             <pc:docMk/>
             <pc:sldMk cId="3314372952" sldId="325"/>
@@ -653,515 +550,64 @@
           </ac:spMkLst>
         </pc:spChg>
       </pc:sldChg>
-      <pc:sldChg chg="del">
-        <pc:chgData name="Long B Nguyen" userId="f59fb8f3-a021-417a-8bc1-65c8d471c621" providerId="ADAL" clId="{AA9102B5-DACA-D841-B260-AEEBF90FC60A}" dt="2020-01-06T15:03:07.580" v="847" actId="2696"/>
+      <pc:sldChg chg="modSp add">
+        <pc:chgData name="Long B Nguyen" userId="f59fb8f3-a021-417a-8bc1-65c8d471c621" providerId="ADAL" clId="{CC9C9D9A-5149-2947-86C0-576F501F60DC}" dt="2020-01-05T21:29:58.563" v="2178" actId="20577"/>
         <pc:sldMkLst>
           <pc:docMk/>
           <pc:sldMk cId="3117943122" sldId="326"/>
         </pc:sldMkLst>
-      </pc:sldChg>
-      <pc:sldChg chg="del">
-        <pc:chgData name="Long B Nguyen" userId="f59fb8f3-a021-417a-8bc1-65c8d471c621" providerId="ADAL" clId="{AA9102B5-DACA-D841-B260-AEEBF90FC60A}" dt="2020-01-06T01:49:27.456" v="111" actId="2696"/>
-        <pc:sldMkLst>
-          <pc:docMk/>
-          <pc:sldMk cId="1025618360" sldId="327"/>
-        </pc:sldMkLst>
-      </pc:sldChg>
-      <pc:sldChg chg="modSp add">
-        <pc:chgData name="Long B Nguyen" userId="f59fb8f3-a021-417a-8bc1-65c8d471c621" providerId="ADAL" clId="{AA9102B5-DACA-D841-B260-AEEBF90FC60A}" dt="2020-01-06T15:00:48.763" v="818" actId="113"/>
-        <pc:sldMkLst>
-          <pc:docMk/>
-          <pc:sldMk cId="1724104636" sldId="327"/>
-        </pc:sldMkLst>
         <pc:spChg chg="mod">
-          <ac:chgData name="Long B Nguyen" userId="f59fb8f3-a021-417a-8bc1-65c8d471c621" providerId="ADAL" clId="{AA9102B5-DACA-D841-B260-AEEBF90FC60A}" dt="2020-01-06T15:00:48.763" v="818" actId="113"/>
+          <ac:chgData name="Long B Nguyen" userId="f59fb8f3-a021-417a-8bc1-65c8d471c621" providerId="ADAL" clId="{CC9C9D9A-5149-2947-86C0-576F501F60DC}" dt="2020-01-05T21:29:58.563" v="2178" actId="20577"/>
           <ac:spMkLst>
             <pc:docMk/>
-            <pc:sldMk cId="1724104636" sldId="327"/>
+            <pc:sldMk cId="3117943122" sldId="326"/>
             <ac:spMk id="9" creationId="{E3B2E017-30B2-884B-A113-B419A2ED51AD}"/>
           </ac:spMkLst>
         </pc:spChg>
       </pc:sldChg>
-      <pc:sldChg chg="modSp">
-        <pc:chgData name="Long B Nguyen" userId="f59fb8f3-a021-417a-8bc1-65c8d471c621" providerId="ADAL" clId="{AA9102B5-DACA-D841-B260-AEEBF90FC60A}" dt="2020-01-06T01:55:34.369" v="708" actId="20577"/>
-        <pc:sldMkLst>
-          <pc:docMk/>
-          <pc:sldMk cId="4294143140" sldId="329"/>
+      <pc:sldChg chg="modSp add">
+        <pc:chgData name="Long B Nguyen" userId="f59fb8f3-a021-417a-8bc1-65c8d471c621" providerId="ADAL" clId="{CC9C9D9A-5149-2947-86C0-576F501F60DC}" dt="2020-01-05T21:59:55.597" v="2392" actId="14100"/>
+        <pc:sldMkLst>
+          <pc:docMk/>
+          <pc:sldMk cId="1025618360" sldId="327"/>
         </pc:sldMkLst>
         <pc:spChg chg="mod">
-          <ac:chgData name="Long B Nguyen" userId="f59fb8f3-a021-417a-8bc1-65c8d471c621" providerId="ADAL" clId="{AA9102B5-DACA-D841-B260-AEEBF90FC60A}" dt="2020-01-06T01:55:34.369" v="708" actId="20577"/>
+          <ac:chgData name="Long B Nguyen" userId="f59fb8f3-a021-417a-8bc1-65c8d471c621" providerId="ADAL" clId="{CC9C9D9A-5149-2947-86C0-576F501F60DC}" dt="2020-01-05T21:59:55.597" v="2392" actId="14100"/>
           <ac:spMkLst>
             <pc:docMk/>
-            <pc:sldMk cId="4294143140" sldId="329"/>
+            <pc:sldMk cId="1025618360" sldId="327"/>
             <ac:spMk id="9" creationId="{E3B2E017-30B2-884B-A113-B419A2ED51AD}"/>
           </ac:spMkLst>
         </pc:spChg>
       </pc:sldChg>
       <pc:sldChg chg="modSp add">
-        <pc:chgData name="Long B Nguyen" userId="f59fb8f3-a021-417a-8bc1-65c8d471c621" providerId="ADAL" clId="{AA9102B5-DACA-D841-B260-AEEBF90FC60A}" dt="2020-01-06T15:01:01.638" v="819" actId="2711"/>
-        <pc:sldMkLst>
-          <pc:docMk/>
-          <pc:sldMk cId="3594730708" sldId="330"/>
+        <pc:chgData name="Long B Nguyen" userId="f59fb8f3-a021-417a-8bc1-65c8d471c621" providerId="ADAL" clId="{CC9C9D9A-5149-2947-86C0-576F501F60DC}" dt="2020-01-05T21:54:47.081" v="2356" actId="2711"/>
+        <pc:sldMkLst>
+          <pc:docMk/>
+          <pc:sldMk cId="3894299887" sldId="328"/>
         </pc:sldMkLst>
         <pc:spChg chg="mod">
-          <ac:chgData name="Long B Nguyen" userId="f59fb8f3-a021-417a-8bc1-65c8d471c621" providerId="ADAL" clId="{AA9102B5-DACA-D841-B260-AEEBF90FC60A}" dt="2020-01-06T15:01:01.638" v="819" actId="2711"/>
+          <ac:chgData name="Long B Nguyen" userId="f59fb8f3-a021-417a-8bc1-65c8d471c621" providerId="ADAL" clId="{CC9C9D9A-5149-2947-86C0-576F501F60DC}" dt="2020-01-05T21:51:41.306" v="2327" actId="20577"/>
           <ac:spMkLst>
             <pc:docMk/>
-            <pc:sldMk cId="3594730708" sldId="330"/>
-            <ac:spMk id="9" creationId="{E3B2E017-30B2-884B-A113-B419A2ED51AD}"/>
-          </ac:spMkLst>
-        </pc:spChg>
-      </pc:sldChg>
-      <pc:sldChg chg="modSp add">
-        <pc:chgData name="Long B Nguyen" userId="f59fb8f3-a021-417a-8bc1-65c8d471c621" providerId="ADAL" clId="{AA9102B5-DACA-D841-B260-AEEBF90FC60A}" dt="2020-01-06T02:00:17.493" v="815" actId="255"/>
-        <pc:sldMkLst>
-          <pc:docMk/>
-          <pc:sldMk cId="3870816631" sldId="331"/>
-        </pc:sldMkLst>
-        <pc:spChg chg="mod">
-          <ac:chgData name="Long B Nguyen" userId="f59fb8f3-a021-417a-8bc1-65c8d471c621" providerId="ADAL" clId="{AA9102B5-DACA-D841-B260-AEEBF90FC60A}" dt="2020-01-06T02:00:17.493" v="815" actId="255"/>
-          <ac:spMkLst>
-            <pc:docMk/>
-            <pc:sldMk cId="3870816631" sldId="331"/>
-            <ac:spMk id="9" creationId="{E3B2E017-30B2-884B-A113-B419A2ED51AD}"/>
-          </ac:spMkLst>
-        </pc:spChg>
-      </pc:sldChg>
-      <pc:sldChg chg="modSp add">
-        <pc:chgData name="Long B Nguyen" userId="f59fb8f3-a021-417a-8bc1-65c8d471c621" providerId="ADAL" clId="{AA9102B5-DACA-D841-B260-AEEBF90FC60A}" dt="2020-01-06T17:07:10.515" v="1519" actId="2711"/>
-        <pc:sldMkLst>
-          <pc:docMk/>
-          <pc:sldMk cId="3124353102" sldId="332"/>
-        </pc:sldMkLst>
-        <pc:spChg chg="mod">
-          <ac:chgData name="Long B Nguyen" userId="f59fb8f3-a021-417a-8bc1-65c8d471c621" providerId="ADAL" clId="{AA9102B5-DACA-D841-B260-AEEBF90FC60A}" dt="2020-01-06T17:03:36.721" v="1332" actId="20577"/>
-          <ac:spMkLst>
-            <pc:docMk/>
-            <pc:sldMk cId="3124353102" sldId="332"/>
+            <pc:sldMk cId="3894299887" sldId="328"/>
             <ac:spMk id="2" creationId="{AA3A228F-61D0-D949-A5E7-F83756230BF8}"/>
           </ac:spMkLst>
         </pc:spChg>
         <pc:spChg chg="mod">
-          <ac:chgData name="Long B Nguyen" userId="f59fb8f3-a021-417a-8bc1-65c8d471c621" providerId="ADAL" clId="{AA9102B5-DACA-D841-B260-AEEBF90FC60A}" dt="2020-01-06T17:07:10.515" v="1519" actId="2711"/>
+          <ac:chgData name="Long B Nguyen" userId="f59fb8f3-a021-417a-8bc1-65c8d471c621" providerId="ADAL" clId="{CC9C9D9A-5149-2947-86C0-576F501F60DC}" dt="2020-01-05T21:54:47.081" v="2356" actId="2711"/>
           <ac:spMkLst>
             <pc:docMk/>
-            <pc:sldMk cId="3124353102" sldId="332"/>
+            <pc:sldMk cId="3894299887" sldId="328"/>
             <ac:spMk id="9" creationId="{E3B2E017-30B2-884B-A113-B419A2ED51AD}"/>
           </ac:spMkLst>
         </pc:spChg>
       </pc:sldChg>
-    </pc:docChg>
-  </pc:docChgLst>
-  <pc:docChgLst>
-    <pc:chgData name="Long B Nguyen" userId="f59fb8f3-a021-417a-8bc1-65c8d471c621" providerId="ADAL" clId="{359527BD-9D28-FA41-9B76-D4C412CACD55}"/>
-  </pc:docChgLst>
-  <pc:docChgLst>
-    <pc:chgData name="Long B Nguyen" userId="f59fb8f3-a021-417a-8bc1-65c8d471c621" providerId="ADAL" clId="{6AC26564-89E3-E046-BFB4-F80582D7E17B}"/>
-    <pc:docChg chg="custSel addSld delSld modSld">
-      <pc:chgData name="Long B Nguyen" userId="f59fb8f3-a021-417a-8bc1-65c8d471c621" providerId="ADAL" clId="{6AC26564-89E3-E046-BFB4-F80582D7E17B}" dt="2020-01-13T13:46:56.810" v="92" actId="2696"/>
-      <pc:docMkLst>
-        <pc:docMk/>
-      </pc:docMkLst>
-      <pc:sldChg chg="modSp">
-        <pc:chgData name="Long B Nguyen" userId="f59fb8f3-a021-417a-8bc1-65c8d471c621" providerId="ADAL" clId="{6AC26564-89E3-E046-BFB4-F80582D7E17B}" dt="2020-01-13T13:44:20.464" v="85" actId="20577"/>
-        <pc:sldMkLst>
-          <pc:docMk/>
-          <pc:sldMk cId="4247104139" sldId="256"/>
-        </pc:sldMkLst>
-        <pc:spChg chg="mod">
-          <ac:chgData name="Long B Nguyen" userId="f59fb8f3-a021-417a-8bc1-65c8d471c621" providerId="ADAL" clId="{6AC26564-89E3-E046-BFB4-F80582D7E17B}" dt="2020-01-13T13:43:45.441" v="40" actId="20577"/>
-          <ac:spMkLst>
-            <pc:docMk/>
-            <pc:sldMk cId="4247104139" sldId="256"/>
-            <ac:spMk id="2" creationId="{6117A749-B1BA-E24B-8FB0-0604EF651FB3}"/>
-          </ac:spMkLst>
-        </pc:spChg>
-        <pc:spChg chg="mod">
-          <ac:chgData name="Long B Nguyen" userId="f59fb8f3-a021-417a-8bc1-65c8d471c621" providerId="ADAL" clId="{6AC26564-89E3-E046-BFB4-F80582D7E17B}" dt="2020-01-13T13:44:20.464" v="85" actId="20577"/>
-          <ac:spMkLst>
-            <pc:docMk/>
-            <pc:sldMk cId="4247104139" sldId="256"/>
-            <ac:spMk id="3" creationId="{1BDC47C8-6776-7B44-9CD4-95FC91452D62}"/>
-          </ac:spMkLst>
-        </pc:spChg>
-      </pc:sldChg>
-      <pc:sldChg chg="add del">
-        <pc:chgData name="Long B Nguyen" userId="f59fb8f3-a021-417a-8bc1-65c8d471c621" providerId="ADAL" clId="{6AC26564-89E3-E046-BFB4-F80582D7E17B}" dt="2020-01-13T13:46:54.924" v="89" actId="2696"/>
-        <pc:sldMkLst>
-          <pc:docMk/>
-          <pc:sldMk cId="2869331202" sldId="257"/>
-        </pc:sldMkLst>
-      </pc:sldChg>
       <pc:sldChg chg="add">
-        <pc:chgData name="Long B Nguyen" userId="f59fb8f3-a021-417a-8bc1-65c8d471c621" providerId="ADAL" clId="{6AC26564-89E3-E046-BFB4-F80582D7E17B}" dt="2020-01-13T13:43:29.420" v="22"/>
-        <pc:sldMkLst>
-          <pc:docMk/>
-          <pc:sldMk cId="1758448129" sldId="309"/>
-        </pc:sldMkLst>
-      </pc:sldChg>
-      <pc:sldChg chg="modSp add del">
-        <pc:chgData name="Long B Nguyen" userId="f59fb8f3-a021-417a-8bc1-65c8d471c621" providerId="ADAL" clId="{6AC26564-89E3-E046-BFB4-F80582D7E17B}" dt="2020-01-13T13:46:55.484" v="90" actId="2696"/>
-        <pc:sldMkLst>
-          <pc:docMk/>
-          <pc:sldMk cId="174202529" sldId="310"/>
-        </pc:sldMkLst>
-        <pc:spChg chg="mod">
-          <ac:chgData name="Long B Nguyen" userId="f59fb8f3-a021-417a-8bc1-65c8d471c621" providerId="ADAL" clId="{6AC26564-89E3-E046-BFB4-F80582D7E17B}" dt="2020-01-13T13:44:35.816" v="86" actId="20577"/>
-          <ac:spMkLst>
-            <pc:docMk/>
-            <pc:sldMk cId="174202529" sldId="310"/>
-            <ac:spMk id="18434" creationId="{72F3E48A-CDFA-CE46-B991-D35BF55EC8E6}"/>
-          </ac:spMkLst>
-        </pc:spChg>
-      </pc:sldChg>
-      <pc:sldChg chg="add del">
-        <pc:chgData name="Long B Nguyen" userId="f59fb8f3-a021-417a-8bc1-65c8d471c621" providerId="ADAL" clId="{6AC26564-89E3-E046-BFB4-F80582D7E17B}" dt="2020-01-13T13:46:56.092" v="91" actId="2696"/>
-        <pc:sldMkLst>
-          <pc:docMk/>
-          <pc:sldMk cId="1098579697" sldId="311"/>
-        </pc:sldMkLst>
-      </pc:sldChg>
-      <pc:sldChg chg="add del">
-        <pc:chgData name="Long B Nguyen" userId="f59fb8f3-a021-417a-8bc1-65c8d471c621" providerId="ADAL" clId="{6AC26564-89E3-E046-BFB4-F80582D7E17B}" dt="2020-01-13T13:46:56.810" v="92" actId="2696"/>
-        <pc:sldMkLst>
-          <pc:docMk/>
-          <pc:sldMk cId="585175195" sldId="312"/>
-        </pc:sldMkLst>
-      </pc:sldChg>
-      <pc:sldChg chg="add">
-        <pc:chgData name="Long B Nguyen" userId="f59fb8f3-a021-417a-8bc1-65c8d471c621" providerId="ADAL" clId="{6AC26564-89E3-E046-BFB4-F80582D7E17B}" dt="2020-01-13T13:43:29.420" v="22"/>
-        <pc:sldMkLst>
-          <pc:docMk/>
-          <pc:sldMk cId="3947558204" sldId="313"/>
-        </pc:sldMkLst>
-      </pc:sldChg>
-      <pc:sldChg chg="add">
-        <pc:chgData name="Long B Nguyen" userId="f59fb8f3-a021-417a-8bc1-65c8d471c621" providerId="ADAL" clId="{6AC26564-89E3-E046-BFB4-F80582D7E17B}" dt="2020-01-13T13:43:29.420" v="22"/>
-        <pc:sldMkLst>
-          <pc:docMk/>
-          <pc:sldMk cId="2054265466" sldId="314"/>
-        </pc:sldMkLst>
-      </pc:sldChg>
-      <pc:sldChg chg="add">
-        <pc:chgData name="Long B Nguyen" userId="f59fb8f3-a021-417a-8bc1-65c8d471c621" providerId="ADAL" clId="{6AC26564-89E3-E046-BFB4-F80582D7E17B}" dt="2020-01-13T13:43:29.420" v="22"/>
-        <pc:sldMkLst>
-          <pc:docMk/>
-          <pc:sldMk cId="917461937" sldId="315"/>
-        </pc:sldMkLst>
-      </pc:sldChg>
-      <pc:sldChg chg="del">
-        <pc:chgData name="Long B Nguyen" userId="f59fb8f3-a021-417a-8bc1-65c8d471c621" providerId="ADAL" clId="{6AC26564-89E3-E046-BFB4-F80582D7E17B}" dt="2020-01-13T13:43:17.195" v="13" actId="2696"/>
-        <pc:sldMkLst>
-          <pc:docMk/>
-          <pc:sldMk cId="1452600724" sldId="316"/>
-        </pc:sldMkLst>
-      </pc:sldChg>
-      <pc:sldChg chg="add">
-        <pc:chgData name="Long B Nguyen" userId="f59fb8f3-a021-417a-8bc1-65c8d471c621" providerId="ADAL" clId="{6AC26564-89E3-E046-BFB4-F80582D7E17B}" dt="2020-01-13T13:43:29.420" v="22"/>
-        <pc:sldMkLst>
-          <pc:docMk/>
-          <pc:sldMk cId="3266234076" sldId="316"/>
-        </pc:sldMkLst>
-      </pc:sldChg>
-      <pc:sldChg chg="add">
-        <pc:chgData name="Long B Nguyen" userId="f59fb8f3-a021-417a-8bc1-65c8d471c621" providerId="ADAL" clId="{6AC26564-89E3-E046-BFB4-F80582D7E17B}" dt="2020-01-13T13:43:29.420" v="22"/>
-        <pc:sldMkLst>
-          <pc:docMk/>
-          <pc:sldMk cId="2886319738" sldId="317"/>
-        </pc:sldMkLst>
-      </pc:sldChg>
-      <pc:sldChg chg="del">
-        <pc:chgData name="Long B Nguyen" userId="f59fb8f3-a021-417a-8bc1-65c8d471c621" providerId="ADAL" clId="{6AC26564-89E3-E046-BFB4-F80582D7E17B}" dt="2020-01-13T13:43:16.993" v="0" actId="2696"/>
-        <pc:sldMkLst>
-          <pc:docMk/>
-          <pc:sldMk cId="924617162" sldId="319"/>
-        </pc:sldMkLst>
-      </pc:sldChg>
-      <pc:sldChg chg="add">
-        <pc:chgData name="Long B Nguyen" userId="f59fb8f3-a021-417a-8bc1-65c8d471c621" providerId="ADAL" clId="{6AC26564-89E3-E046-BFB4-F80582D7E17B}" dt="2020-01-13T13:43:29.420" v="22"/>
-        <pc:sldMkLst>
-          <pc:docMk/>
-          <pc:sldMk cId="3906700287" sldId="319"/>
-        </pc:sldMkLst>
-      </pc:sldChg>
-      <pc:sldChg chg="add">
-        <pc:chgData name="Long B Nguyen" userId="f59fb8f3-a021-417a-8bc1-65c8d471c621" providerId="ADAL" clId="{6AC26564-89E3-E046-BFB4-F80582D7E17B}" dt="2020-01-13T13:43:29.420" v="22"/>
-        <pc:sldMkLst>
-          <pc:docMk/>
-          <pc:sldMk cId="1810541734" sldId="320"/>
-        </pc:sldMkLst>
-      </pc:sldChg>
-      <pc:sldChg chg="del">
-        <pc:chgData name="Long B Nguyen" userId="f59fb8f3-a021-417a-8bc1-65c8d471c621" providerId="ADAL" clId="{6AC26564-89E3-E046-BFB4-F80582D7E17B}" dt="2020-01-13T13:43:17.009" v="1" actId="2696"/>
-        <pc:sldMkLst>
-          <pc:docMk/>
-          <pc:sldMk cId="3758830494" sldId="320"/>
-        </pc:sldMkLst>
-      </pc:sldChg>
-      <pc:sldChg chg="del">
-        <pc:chgData name="Long B Nguyen" userId="f59fb8f3-a021-417a-8bc1-65c8d471c621" providerId="ADAL" clId="{6AC26564-89E3-E046-BFB4-F80582D7E17B}" dt="2020-01-13T13:43:17.029" v="2" actId="2696"/>
-        <pc:sldMkLst>
-          <pc:docMk/>
-          <pc:sldMk cId="1022945305" sldId="321"/>
-        </pc:sldMkLst>
-      </pc:sldChg>
-      <pc:sldChg chg="add">
-        <pc:chgData name="Long B Nguyen" userId="f59fb8f3-a021-417a-8bc1-65c8d471c621" providerId="ADAL" clId="{6AC26564-89E3-E046-BFB4-F80582D7E17B}" dt="2020-01-13T13:43:29.420" v="22"/>
-        <pc:sldMkLst>
-          <pc:docMk/>
-          <pc:sldMk cId="1359731776" sldId="321"/>
-        </pc:sldMkLst>
-      </pc:sldChg>
-      <pc:sldChg chg="del">
-        <pc:chgData name="Long B Nguyen" userId="f59fb8f3-a021-417a-8bc1-65c8d471c621" providerId="ADAL" clId="{6AC26564-89E3-E046-BFB4-F80582D7E17B}" dt="2020-01-13T13:43:17.080" v="5" actId="2696"/>
-        <pc:sldMkLst>
-          <pc:docMk/>
-          <pc:sldMk cId="3456840474" sldId="322"/>
-        </pc:sldMkLst>
-      </pc:sldChg>
-      <pc:sldChg chg="add">
-        <pc:chgData name="Long B Nguyen" userId="f59fb8f3-a021-417a-8bc1-65c8d471c621" providerId="ADAL" clId="{6AC26564-89E3-E046-BFB4-F80582D7E17B}" dt="2020-01-13T13:43:29.420" v="22"/>
-        <pc:sldMkLst>
-          <pc:docMk/>
-          <pc:sldMk cId="3651577480" sldId="322"/>
-        </pc:sldMkLst>
-      </pc:sldChg>
-      <pc:sldChg chg="del">
-        <pc:chgData name="Long B Nguyen" userId="f59fb8f3-a021-417a-8bc1-65c8d471c621" providerId="ADAL" clId="{6AC26564-89E3-E046-BFB4-F80582D7E17B}" dt="2020-01-13T13:43:17.097" v="6" actId="2696"/>
-        <pc:sldMkLst>
-          <pc:docMk/>
-          <pc:sldMk cId="1062075874" sldId="323"/>
-        </pc:sldMkLst>
-      </pc:sldChg>
-      <pc:sldChg chg="add">
-        <pc:chgData name="Long B Nguyen" userId="f59fb8f3-a021-417a-8bc1-65c8d471c621" providerId="ADAL" clId="{6AC26564-89E3-E046-BFB4-F80582D7E17B}" dt="2020-01-13T13:43:29.420" v="22"/>
-        <pc:sldMkLst>
-          <pc:docMk/>
-          <pc:sldMk cId="1496564367" sldId="323"/>
-        </pc:sldMkLst>
-      </pc:sldChg>
-      <pc:sldChg chg="add">
-        <pc:chgData name="Long B Nguyen" userId="f59fb8f3-a021-417a-8bc1-65c8d471c621" providerId="ADAL" clId="{6AC26564-89E3-E046-BFB4-F80582D7E17B}" dt="2020-01-13T13:46:19.952" v="88"/>
-        <pc:sldMkLst>
-          <pc:docMk/>
-          <pc:sldMk cId="771866096" sldId="324"/>
-        </pc:sldMkLst>
-      </pc:sldChg>
-      <pc:sldChg chg="del">
-        <pc:chgData name="Long B Nguyen" userId="f59fb8f3-a021-417a-8bc1-65c8d471c621" providerId="ADAL" clId="{6AC26564-89E3-E046-BFB4-F80582D7E17B}" dt="2020-01-13T13:43:17.152" v="9" actId="2696"/>
-        <pc:sldMkLst>
-          <pc:docMk/>
-          <pc:sldMk cId="1310010799" sldId="324"/>
-        </pc:sldMkLst>
-      </pc:sldChg>
-      <pc:sldChg chg="add del">
-        <pc:chgData name="Long B Nguyen" userId="f59fb8f3-a021-417a-8bc1-65c8d471c621" providerId="ADAL" clId="{6AC26564-89E3-E046-BFB4-F80582D7E17B}" dt="2020-01-13T13:46:07.690" v="87" actId="2696"/>
-        <pc:sldMkLst>
-          <pc:docMk/>
-          <pc:sldMk cId="3999804732" sldId="324"/>
-        </pc:sldMkLst>
-      </pc:sldChg>
-      <pc:sldChg chg="add">
-        <pc:chgData name="Long B Nguyen" userId="f59fb8f3-a021-417a-8bc1-65c8d471c621" providerId="ADAL" clId="{6AC26564-89E3-E046-BFB4-F80582D7E17B}" dt="2020-01-13T13:43:29.420" v="22"/>
-        <pc:sldMkLst>
-          <pc:docMk/>
-          <pc:sldMk cId="1025355635" sldId="325"/>
-        </pc:sldMkLst>
-      </pc:sldChg>
-      <pc:sldChg chg="del">
-        <pc:chgData name="Long B Nguyen" userId="f59fb8f3-a021-417a-8bc1-65c8d471c621" providerId="ADAL" clId="{6AC26564-89E3-E046-BFB4-F80582D7E17B}" dt="2020-01-13T13:43:17.177" v="11" actId="2696"/>
-        <pc:sldMkLst>
-          <pc:docMk/>
-          <pc:sldMk cId="3314372952" sldId="325"/>
-        </pc:sldMkLst>
-      </pc:sldChg>
-      <pc:sldChg chg="del">
-        <pc:chgData name="Long B Nguyen" userId="f59fb8f3-a021-417a-8bc1-65c8d471c621" providerId="ADAL" clId="{6AC26564-89E3-E046-BFB4-F80582D7E17B}" dt="2020-01-13T13:43:17.116" v="7" actId="2696"/>
-        <pc:sldMkLst>
-          <pc:docMk/>
-          <pc:sldMk cId="1724104636" sldId="327"/>
-        </pc:sldMkLst>
-      </pc:sldChg>
-      <pc:sldChg chg="add">
-        <pc:chgData name="Long B Nguyen" userId="f59fb8f3-a021-417a-8bc1-65c8d471c621" providerId="ADAL" clId="{6AC26564-89E3-E046-BFB4-F80582D7E17B}" dt="2020-01-13T13:43:29.420" v="22"/>
-        <pc:sldMkLst>
-          <pc:docMk/>
-          <pc:sldMk cId="4174920299" sldId="327"/>
-        </pc:sldMkLst>
-      </pc:sldChg>
-      <pc:sldChg chg="add">
-        <pc:chgData name="Long B Nguyen" userId="f59fb8f3-a021-417a-8bc1-65c8d471c621" providerId="ADAL" clId="{6AC26564-89E3-E046-BFB4-F80582D7E17B}" dt="2020-01-13T13:43:29.420" v="22"/>
-        <pc:sldMkLst>
-          <pc:docMk/>
-          <pc:sldMk cId="2756462650" sldId="328"/>
-        </pc:sldMkLst>
-      </pc:sldChg>
-      <pc:sldChg chg="del">
-        <pc:chgData name="Long B Nguyen" userId="f59fb8f3-a021-417a-8bc1-65c8d471c621" providerId="ADAL" clId="{6AC26564-89E3-E046-BFB4-F80582D7E17B}" dt="2020-01-13T13:43:17.045" v="3" actId="2696"/>
-        <pc:sldMkLst>
-          <pc:docMk/>
-          <pc:sldMk cId="3894299887" sldId="328"/>
-        </pc:sldMkLst>
-      </pc:sldChg>
-      <pc:sldChg chg="add">
-        <pc:chgData name="Long B Nguyen" userId="f59fb8f3-a021-417a-8bc1-65c8d471c621" providerId="ADAL" clId="{6AC26564-89E3-E046-BFB4-F80582D7E17B}" dt="2020-01-13T13:43:29.420" v="22"/>
-        <pc:sldMkLst>
-          <pc:docMk/>
-          <pc:sldMk cId="3080714931" sldId="329"/>
-        </pc:sldMkLst>
-      </pc:sldChg>
-      <pc:sldChg chg="del">
-        <pc:chgData name="Long B Nguyen" userId="f59fb8f3-a021-417a-8bc1-65c8d471c621" providerId="ADAL" clId="{6AC26564-89E3-E046-BFB4-F80582D7E17B}" dt="2020-01-13T13:43:17.064" v="4" actId="2696"/>
+        <pc:chgData name="Long B Nguyen" userId="f59fb8f3-a021-417a-8bc1-65c8d471c621" providerId="ADAL" clId="{CC9C9D9A-5149-2947-86C0-576F501F60DC}" dt="2020-01-05T21:57:38.736" v="2357"/>
         <pc:sldMkLst>
           <pc:docMk/>
           <pc:sldMk cId="4294143140" sldId="329"/>
-        </pc:sldMkLst>
-      </pc:sldChg>
-      <pc:sldChg chg="add">
-        <pc:chgData name="Long B Nguyen" userId="f59fb8f3-a021-417a-8bc1-65c8d471c621" providerId="ADAL" clId="{6AC26564-89E3-E046-BFB4-F80582D7E17B}" dt="2020-01-13T13:43:29.420" v="22"/>
-        <pc:sldMkLst>
-          <pc:docMk/>
-          <pc:sldMk cId="532184546" sldId="330"/>
-        </pc:sldMkLst>
-      </pc:sldChg>
-      <pc:sldChg chg="del">
-        <pc:chgData name="Long B Nguyen" userId="f59fb8f3-a021-417a-8bc1-65c8d471c621" providerId="ADAL" clId="{6AC26564-89E3-E046-BFB4-F80582D7E17B}" dt="2020-01-13T13:43:17.136" v="8" actId="2696"/>
-        <pc:sldMkLst>
-          <pc:docMk/>
-          <pc:sldMk cId="3594730708" sldId="330"/>
-        </pc:sldMkLst>
-      </pc:sldChg>
-      <pc:sldChg chg="add">
-        <pc:chgData name="Long B Nguyen" userId="f59fb8f3-a021-417a-8bc1-65c8d471c621" providerId="ADAL" clId="{6AC26564-89E3-E046-BFB4-F80582D7E17B}" dt="2020-01-13T13:43:29.420" v="22"/>
-        <pc:sldMkLst>
-          <pc:docMk/>
-          <pc:sldMk cId="3264629021" sldId="331"/>
-        </pc:sldMkLst>
-      </pc:sldChg>
-      <pc:sldChg chg="del">
-        <pc:chgData name="Long B Nguyen" userId="f59fb8f3-a021-417a-8bc1-65c8d471c621" providerId="ADAL" clId="{6AC26564-89E3-E046-BFB4-F80582D7E17B}" dt="2020-01-13T13:43:17.188" v="12" actId="2696"/>
-        <pc:sldMkLst>
-          <pc:docMk/>
-          <pc:sldMk cId="3870816631" sldId="331"/>
-        </pc:sldMkLst>
-      </pc:sldChg>
-      <pc:sldChg chg="del">
-        <pc:chgData name="Long B Nguyen" userId="f59fb8f3-a021-417a-8bc1-65c8d471c621" providerId="ADAL" clId="{6AC26564-89E3-E046-BFB4-F80582D7E17B}" dt="2020-01-13T13:43:17.163" v="10" actId="2696"/>
-        <pc:sldMkLst>
-          <pc:docMk/>
-          <pc:sldMk cId="3124353102" sldId="332"/>
-        </pc:sldMkLst>
-      </pc:sldChg>
-      <pc:sldChg chg="add">
-        <pc:chgData name="Long B Nguyen" userId="f59fb8f3-a021-417a-8bc1-65c8d471c621" providerId="ADAL" clId="{6AC26564-89E3-E046-BFB4-F80582D7E17B}" dt="2020-01-13T13:43:29.420" v="22"/>
-        <pc:sldMkLst>
-          <pc:docMk/>
-          <pc:sldMk cId="4022722016" sldId="332"/>
-        </pc:sldMkLst>
-      </pc:sldChg>
-      <pc:sldChg chg="add">
-        <pc:chgData name="Long B Nguyen" userId="f59fb8f3-a021-417a-8bc1-65c8d471c621" providerId="ADAL" clId="{6AC26564-89E3-E046-BFB4-F80582D7E17B}" dt="2020-01-13T13:43:29.420" v="22"/>
-        <pc:sldMkLst>
-          <pc:docMk/>
-          <pc:sldMk cId="1710208723" sldId="333"/>
-        </pc:sldMkLst>
-      </pc:sldChg>
-      <pc:sldChg chg="add">
-        <pc:chgData name="Long B Nguyen" userId="f59fb8f3-a021-417a-8bc1-65c8d471c621" providerId="ADAL" clId="{6AC26564-89E3-E046-BFB4-F80582D7E17B}" dt="2020-01-13T13:43:29.420" v="22"/>
-        <pc:sldMkLst>
-          <pc:docMk/>
-          <pc:sldMk cId="3404583044" sldId="334"/>
-        </pc:sldMkLst>
-      </pc:sldChg>
-      <pc:sldChg chg="add">
-        <pc:chgData name="Long B Nguyen" userId="f59fb8f3-a021-417a-8bc1-65c8d471c621" providerId="ADAL" clId="{6AC26564-89E3-E046-BFB4-F80582D7E17B}" dt="2020-01-13T13:43:29.420" v="22"/>
-        <pc:sldMkLst>
-          <pc:docMk/>
-          <pc:sldMk cId="3866550465" sldId="335"/>
-        </pc:sldMkLst>
-      </pc:sldChg>
-      <pc:sldChg chg="add">
-        <pc:chgData name="Long B Nguyen" userId="f59fb8f3-a021-417a-8bc1-65c8d471c621" providerId="ADAL" clId="{6AC26564-89E3-E046-BFB4-F80582D7E17B}" dt="2020-01-13T13:43:29.420" v="22"/>
-        <pc:sldMkLst>
-          <pc:docMk/>
-          <pc:sldMk cId="3749436800" sldId="336"/>
-        </pc:sldMkLst>
-      </pc:sldChg>
-      <pc:sldChg chg="add">
-        <pc:chgData name="Long B Nguyen" userId="f59fb8f3-a021-417a-8bc1-65c8d471c621" providerId="ADAL" clId="{6AC26564-89E3-E046-BFB4-F80582D7E17B}" dt="2020-01-13T13:43:29.420" v="22"/>
-        <pc:sldMkLst>
-          <pc:docMk/>
-          <pc:sldMk cId="461704868" sldId="337"/>
-        </pc:sldMkLst>
-      </pc:sldChg>
-      <pc:sldChg chg="add">
-        <pc:chgData name="Long B Nguyen" userId="f59fb8f3-a021-417a-8bc1-65c8d471c621" providerId="ADAL" clId="{6AC26564-89E3-E046-BFB4-F80582D7E17B}" dt="2020-01-13T13:43:29.420" v="22"/>
-        <pc:sldMkLst>
-          <pc:docMk/>
-          <pc:sldMk cId="545386500" sldId="338"/>
-        </pc:sldMkLst>
-      </pc:sldChg>
-      <pc:sldChg chg="add">
-        <pc:chgData name="Long B Nguyen" userId="f59fb8f3-a021-417a-8bc1-65c8d471c621" providerId="ADAL" clId="{6AC26564-89E3-E046-BFB4-F80582D7E17B}" dt="2020-01-13T13:43:29.420" v="22"/>
-        <pc:sldMkLst>
-          <pc:docMk/>
-          <pc:sldMk cId="1791361008" sldId="339"/>
-        </pc:sldMkLst>
-      </pc:sldChg>
-      <pc:sldChg chg="add">
-        <pc:chgData name="Long B Nguyen" userId="f59fb8f3-a021-417a-8bc1-65c8d471c621" providerId="ADAL" clId="{6AC26564-89E3-E046-BFB4-F80582D7E17B}" dt="2020-01-13T13:43:29.420" v="22"/>
-        <pc:sldMkLst>
-          <pc:docMk/>
-          <pc:sldMk cId="678299524" sldId="340"/>
-        </pc:sldMkLst>
-      </pc:sldChg>
-      <pc:sldChg chg="add">
-        <pc:chgData name="Long B Nguyen" userId="f59fb8f3-a021-417a-8bc1-65c8d471c621" providerId="ADAL" clId="{6AC26564-89E3-E046-BFB4-F80582D7E17B}" dt="2020-01-13T13:43:29.420" v="22"/>
-        <pc:sldMkLst>
-          <pc:docMk/>
-          <pc:sldMk cId="225127645" sldId="341"/>
-        </pc:sldMkLst>
-      </pc:sldChg>
-      <pc:sldChg chg="add">
-        <pc:chgData name="Long B Nguyen" userId="f59fb8f3-a021-417a-8bc1-65c8d471c621" providerId="ADAL" clId="{6AC26564-89E3-E046-BFB4-F80582D7E17B}" dt="2020-01-13T13:43:29.420" v="22"/>
-        <pc:sldMkLst>
-          <pc:docMk/>
-          <pc:sldMk cId="2214326257" sldId="342"/>
-        </pc:sldMkLst>
-      </pc:sldChg>
-      <pc:sldChg chg="add">
-        <pc:chgData name="Long B Nguyen" userId="f59fb8f3-a021-417a-8bc1-65c8d471c621" providerId="ADAL" clId="{6AC26564-89E3-E046-BFB4-F80582D7E17B}" dt="2020-01-13T13:43:29.420" v="22"/>
-        <pc:sldMkLst>
-          <pc:docMk/>
-          <pc:sldMk cId="1356056044" sldId="343"/>
-        </pc:sldMkLst>
-      </pc:sldChg>
-      <pc:sldChg chg="add">
-        <pc:chgData name="Long B Nguyen" userId="f59fb8f3-a021-417a-8bc1-65c8d471c621" providerId="ADAL" clId="{6AC26564-89E3-E046-BFB4-F80582D7E17B}" dt="2020-01-13T13:43:29.420" v="22"/>
-        <pc:sldMkLst>
-          <pc:docMk/>
-          <pc:sldMk cId="1270247652" sldId="344"/>
-        </pc:sldMkLst>
-      </pc:sldChg>
-      <pc:sldChg chg="add">
-        <pc:chgData name="Long B Nguyen" userId="f59fb8f3-a021-417a-8bc1-65c8d471c621" providerId="ADAL" clId="{6AC26564-89E3-E046-BFB4-F80582D7E17B}" dt="2020-01-13T13:43:29.420" v="22"/>
-        <pc:sldMkLst>
-          <pc:docMk/>
-          <pc:sldMk cId="902308803" sldId="345"/>
-        </pc:sldMkLst>
-      </pc:sldChg>
-      <pc:sldChg chg="add">
-        <pc:chgData name="Long B Nguyen" userId="f59fb8f3-a021-417a-8bc1-65c8d471c621" providerId="ADAL" clId="{6AC26564-89E3-E046-BFB4-F80582D7E17B}" dt="2020-01-13T13:43:29.420" v="22"/>
-        <pc:sldMkLst>
-          <pc:docMk/>
-          <pc:sldMk cId="2271372051" sldId="346"/>
-        </pc:sldMkLst>
-      </pc:sldChg>
-      <pc:sldChg chg="add">
-        <pc:chgData name="Long B Nguyen" userId="f59fb8f3-a021-417a-8bc1-65c8d471c621" providerId="ADAL" clId="{6AC26564-89E3-E046-BFB4-F80582D7E17B}" dt="2020-01-13T13:43:29.420" v="22"/>
-        <pc:sldMkLst>
-          <pc:docMk/>
-          <pc:sldMk cId="198078322" sldId="347"/>
         </pc:sldMkLst>
       </pc:sldChg>
     </pc:docChg>
@@ -1663,28 +1109,808 @@
     </pc:docChg>
   </pc:docChgLst>
   <pc:docChgLst>
-    <pc:chgData name="Long B Nguyen" userId="f59fb8f3-a021-417a-8bc1-65c8d471c621" providerId="ADAL" clId="{CC9C9D9A-5149-2947-86C0-576F501F60DC}"/>
-    <pc:docChg chg="addSld modSld">
-      <pc:chgData name="Long B Nguyen" userId="f59fb8f3-a021-417a-8bc1-65c8d471c621" providerId="ADAL" clId="{CC9C9D9A-5149-2947-86C0-576F501F60DC}" dt="2020-01-05T21:59:55.597" v="2392" actId="14100"/>
+    <pc:chgData name="Long B Nguyen" userId="f59fb8f3-a021-417a-8bc1-65c8d471c621" providerId="ADAL" clId="{6AC26564-89E3-E046-BFB4-F80582D7E17B}"/>
+    <pc:docChg chg="custSel addSld delSld modSld">
+      <pc:chgData name="Long B Nguyen" userId="f59fb8f3-a021-417a-8bc1-65c8d471c621" providerId="ADAL" clId="{6AC26564-89E3-E046-BFB4-F80582D7E17B}" dt="2020-01-13T13:46:56.810" v="92" actId="2696"/>
       <pc:docMkLst>
         <pc:docMk/>
       </pc:docMkLst>
-      <pc:sldChg chg="modSp add modAnim">
-        <pc:chgData name="Long B Nguyen" userId="f59fb8f3-a021-417a-8bc1-65c8d471c621" providerId="ADAL" clId="{CC9C9D9A-5149-2947-86C0-576F501F60DC}" dt="2020-01-04T15:49:37.373" v="563" actId="20577"/>
-        <pc:sldMkLst>
-          <pc:docMk/>
-          <pc:sldMk cId="924617162" sldId="319"/>
+      <pc:sldChg chg="modSp">
+        <pc:chgData name="Long B Nguyen" userId="f59fb8f3-a021-417a-8bc1-65c8d471c621" providerId="ADAL" clId="{6AC26564-89E3-E046-BFB4-F80582D7E17B}" dt="2020-01-13T13:44:20.464" v="85" actId="20577"/>
+        <pc:sldMkLst>
+          <pc:docMk/>
+          <pc:sldMk cId="4247104139" sldId="256"/>
         </pc:sldMkLst>
         <pc:spChg chg="mod">
-          <ac:chgData name="Long B Nguyen" userId="f59fb8f3-a021-417a-8bc1-65c8d471c621" providerId="ADAL" clId="{CC9C9D9A-5149-2947-86C0-576F501F60DC}" dt="2020-01-04T15:45:14.876" v="4" actId="20577"/>
+          <ac:chgData name="Long B Nguyen" userId="f59fb8f3-a021-417a-8bc1-65c8d471c621" providerId="ADAL" clId="{6AC26564-89E3-E046-BFB4-F80582D7E17B}" dt="2020-01-13T13:43:45.441" v="40" actId="20577"/>
           <ac:spMkLst>
             <pc:docMk/>
-            <pc:sldMk cId="924617162" sldId="319"/>
-            <ac:spMk id="2" creationId="{AA3A228F-61D0-D949-A5E7-F83756230BF8}"/>
+            <pc:sldMk cId="4247104139" sldId="256"/>
+            <ac:spMk id="2" creationId="{6117A749-B1BA-E24B-8FB0-0604EF651FB3}"/>
           </ac:spMkLst>
         </pc:spChg>
         <pc:spChg chg="mod">
-          <ac:chgData name="Long B Nguyen" userId="f59fb8f3-a021-417a-8bc1-65c8d471c621" providerId="ADAL" clId="{CC9C9D9A-5149-2947-86C0-576F501F60DC}" dt="2020-01-04T15:49:37.373" v="563" actId="20577"/>
+          <ac:chgData name="Long B Nguyen" userId="f59fb8f3-a021-417a-8bc1-65c8d471c621" providerId="ADAL" clId="{6AC26564-89E3-E046-BFB4-F80582D7E17B}" dt="2020-01-13T13:44:20.464" v="85" actId="20577"/>
+          <ac:spMkLst>
+            <pc:docMk/>
+            <pc:sldMk cId="4247104139" sldId="256"/>
+            <ac:spMk id="3" creationId="{1BDC47C8-6776-7B44-9CD4-95FC91452D62}"/>
+          </ac:spMkLst>
+        </pc:spChg>
+      </pc:sldChg>
+      <pc:sldChg chg="add del">
+        <pc:chgData name="Long B Nguyen" userId="f59fb8f3-a021-417a-8bc1-65c8d471c621" providerId="ADAL" clId="{6AC26564-89E3-E046-BFB4-F80582D7E17B}" dt="2020-01-13T13:46:54.924" v="89" actId="2696"/>
+        <pc:sldMkLst>
+          <pc:docMk/>
+          <pc:sldMk cId="2869331202" sldId="257"/>
+        </pc:sldMkLst>
+      </pc:sldChg>
+      <pc:sldChg chg="add">
+        <pc:chgData name="Long B Nguyen" userId="f59fb8f3-a021-417a-8bc1-65c8d471c621" providerId="ADAL" clId="{6AC26564-89E3-E046-BFB4-F80582D7E17B}" dt="2020-01-13T13:43:29.420" v="22"/>
+        <pc:sldMkLst>
+          <pc:docMk/>
+          <pc:sldMk cId="1758448129" sldId="309"/>
+        </pc:sldMkLst>
+      </pc:sldChg>
+      <pc:sldChg chg="modSp add del">
+        <pc:chgData name="Long B Nguyen" userId="f59fb8f3-a021-417a-8bc1-65c8d471c621" providerId="ADAL" clId="{6AC26564-89E3-E046-BFB4-F80582D7E17B}" dt="2020-01-13T13:46:55.484" v="90" actId="2696"/>
+        <pc:sldMkLst>
+          <pc:docMk/>
+          <pc:sldMk cId="174202529" sldId="310"/>
+        </pc:sldMkLst>
+        <pc:spChg chg="mod">
+          <ac:chgData name="Long B Nguyen" userId="f59fb8f3-a021-417a-8bc1-65c8d471c621" providerId="ADAL" clId="{6AC26564-89E3-E046-BFB4-F80582D7E17B}" dt="2020-01-13T13:44:35.816" v="86" actId="20577"/>
+          <ac:spMkLst>
+            <pc:docMk/>
+            <pc:sldMk cId="174202529" sldId="310"/>
+            <ac:spMk id="18434" creationId="{72F3E48A-CDFA-CE46-B991-D35BF55EC8E6}"/>
+          </ac:spMkLst>
+        </pc:spChg>
+      </pc:sldChg>
+      <pc:sldChg chg="add del">
+        <pc:chgData name="Long B Nguyen" userId="f59fb8f3-a021-417a-8bc1-65c8d471c621" providerId="ADAL" clId="{6AC26564-89E3-E046-BFB4-F80582D7E17B}" dt="2020-01-13T13:46:56.092" v="91" actId="2696"/>
+        <pc:sldMkLst>
+          <pc:docMk/>
+          <pc:sldMk cId="1098579697" sldId="311"/>
+        </pc:sldMkLst>
+      </pc:sldChg>
+      <pc:sldChg chg="add del">
+        <pc:chgData name="Long B Nguyen" userId="f59fb8f3-a021-417a-8bc1-65c8d471c621" providerId="ADAL" clId="{6AC26564-89E3-E046-BFB4-F80582D7E17B}" dt="2020-01-13T13:46:56.810" v="92" actId="2696"/>
+        <pc:sldMkLst>
+          <pc:docMk/>
+          <pc:sldMk cId="585175195" sldId="312"/>
+        </pc:sldMkLst>
+      </pc:sldChg>
+      <pc:sldChg chg="add">
+        <pc:chgData name="Long B Nguyen" userId="f59fb8f3-a021-417a-8bc1-65c8d471c621" providerId="ADAL" clId="{6AC26564-89E3-E046-BFB4-F80582D7E17B}" dt="2020-01-13T13:43:29.420" v="22"/>
+        <pc:sldMkLst>
+          <pc:docMk/>
+          <pc:sldMk cId="3947558204" sldId="313"/>
+        </pc:sldMkLst>
+      </pc:sldChg>
+      <pc:sldChg chg="add">
+        <pc:chgData name="Long B Nguyen" userId="f59fb8f3-a021-417a-8bc1-65c8d471c621" providerId="ADAL" clId="{6AC26564-89E3-E046-BFB4-F80582D7E17B}" dt="2020-01-13T13:43:29.420" v="22"/>
+        <pc:sldMkLst>
+          <pc:docMk/>
+          <pc:sldMk cId="2054265466" sldId="314"/>
+        </pc:sldMkLst>
+      </pc:sldChg>
+      <pc:sldChg chg="add">
+        <pc:chgData name="Long B Nguyen" userId="f59fb8f3-a021-417a-8bc1-65c8d471c621" providerId="ADAL" clId="{6AC26564-89E3-E046-BFB4-F80582D7E17B}" dt="2020-01-13T13:43:29.420" v="22"/>
+        <pc:sldMkLst>
+          <pc:docMk/>
+          <pc:sldMk cId="917461937" sldId="315"/>
+        </pc:sldMkLst>
+      </pc:sldChg>
+      <pc:sldChg chg="del">
+        <pc:chgData name="Long B Nguyen" userId="f59fb8f3-a021-417a-8bc1-65c8d471c621" providerId="ADAL" clId="{6AC26564-89E3-E046-BFB4-F80582D7E17B}" dt="2020-01-13T13:43:17.195" v="13" actId="2696"/>
+        <pc:sldMkLst>
+          <pc:docMk/>
+          <pc:sldMk cId="1452600724" sldId="316"/>
+        </pc:sldMkLst>
+      </pc:sldChg>
+      <pc:sldChg chg="add">
+        <pc:chgData name="Long B Nguyen" userId="f59fb8f3-a021-417a-8bc1-65c8d471c621" providerId="ADAL" clId="{6AC26564-89E3-E046-BFB4-F80582D7E17B}" dt="2020-01-13T13:43:29.420" v="22"/>
+        <pc:sldMkLst>
+          <pc:docMk/>
+          <pc:sldMk cId="3266234076" sldId="316"/>
+        </pc:sldMkLst>
+      </pc:sldChg>
+      <pc:sldChg chg="add">
+        <pc:chgData name="Long B Nguyen" userId="f59fb8f3-a021-417a-8bc1-65c8d471c621" providerId="ADAL" clId="{6AC26564-89E3-E046-BFB4-F80582D7E17B}" dt="2020-01-13T13:43:29.420" v="22"/>
+        <pc:sldMkLst>
+          <pc:docMk/>
+          <pc:sldMk cId="2886319738" sldId="317"/>
+        </pc:sldMkLst>
+      </pc:sldChg>
+      <pc:sldChg chg="del">
+        <pc:chgData name="Long B Nguyen" userId="f59fb8f3-a021-417a-8bc1-65c8d471c621" providerId="ADAL" clId="{6AC26564-89E3-E046-BFB4-F80582D7E17B}" dt="2020-01-13T13:43:16.993" v="0" actId="2696"/>
+        <pc:sldMkLst>
+          <pc:docMk/>
+          <pc:sldMk cId="924617162" sldId="319"/>
+        </pc:sldMkLst>
+      </pc:sldChg>
+      <pc:sldChg chg="add">
+        <pc:chgData name="Long B Nguyen" userId="f59fb8f3-a021-417a-8bc1-65c8d471c621" providerId="ADAL" clId="{6AC26564-89E3-E046-BFB4-F80582D7E17B}" dt="2020-01-13T13:43:29.420" v="22"/>
+        <pc:sldMkLst>
+          <pc:docMk/>
+          <pc:sldMk cId="3906700287" sldId="319"/>
+        </pc:sldMkLst>
+      </pc:sldChg>
+      <pc:sldChg chg="add">
+        <pc:chgData name="Long B Nguyen" userId="f59fb8f3-a021-417a-8bc1-65c8d471c621" providerId="ADAL" clId="{6AC26564-89E3-E046-BFB4-F80582D7E17B}" dt="2020-01-13T13:43:29.420" v="22"/>
+        <pc:sldMkLst>
+          <pc:docMk/>
+          <pc:sldMk cId="1810541734" sldId="320"/>
+        </pc:sldMkLst>
+      </pc:sldChg>
+      <pc:sldChg chg="del">
+        <pc:chgData name="Long B Nguyen" userId="f59fb8f3-a021-417a-8bc1-65c8d471c621" providerId="ADAL" clId="{6AC26564-89E3-E046-BFB4-F80582D7E17B}" dt="2020-01-13T13:43:17.009" v="1" actId="2696"/>
+        <pc:sldMkLst>
+          <pc:docMk/>
+          <pc:sldMk cId="3758830494" sldId="320"/>
+        </pc:sldMkLst>
+      </pc:sldChg>
+      <pc:sldChg chg="del">
+        <pc:chgData name="Long B Nguyen" userId="f59fb8f3-a021-417a-8bc1-65c8d471c621" providerId="ADAL" clId="{6AC26564-89E3-E046-BFB4-F80582D7E17B}" dt="2020-01-13T13:43:17.029" v="2" actId="2696"/>
+        <pc:sldMkLst>
+          <pc:docMk/>
+          <pc:sldMk cId="1022945305" sldId="321"/>
+        </pc:sldMkLst>
+      </pc:sldChg>
+      <pc:sldChg chg="add">
+        <pc:chgData name="Long B Nguyen" userId="f59fb8f3-a021-417a-8bc1-65c8d471c621" providerId="ADAL" clId="{6AC26564-89E3-E046-BFB4-F80582D7E17B}" dt="2020-01-13T13:43:29.420" v="22"/>
+        <pc:sldMkLst>
+          <pc:docMk/>
+          <pc:sldMk cId="1359731776" sldId="321"/>
+        </pc:sldMkLst>
+      </pc:sldChg>
+      <pc:sldChg chg="del">
+        <pc:chgData name="Long B Nguyen" userId="f59fb8f3-a021-417a-8bc1-65c8d471c621" providerId="ADAL" clId="{6AC26564-89E3-E046-BFB4-F80582D7E17B}" dt="2020-01-13T13:43:17.080" v="5" actId="2696"/>
+        <pc:sldMkLst>
+          <pc:docMk/>
+          <pc:sldMk cId="3456840474" sldId="322"/>
+        </pc:sldMkLst>
+      </pc:sldChg>
+      <pc:sldChg chg="add">
+        <pc:chgData name="Long B Nguyen" userId="f59fb8f3-a021-417a-8bc1-65c8d471c621" providerId="ADAL" clId="{6AC26564-89E3-E046-BFB4-F80582D7E17B}" dt="2020-01-13T13:43:29.420" v="22"/>
+        <pc:sldMkLst>
+          <pc:docMk/>
+          <pc:sldMk cId="3651577480" sldId="322"/>
+        </pc:sldMkLst>
+      </pc:sldChg>
+      <pc:sldChg chg="del">
+        <pc:chgData name="Long B Nguyen" userId="f59fb8f3-a021-417a-8bc1-65c8d471c621" providerId="ADAL" clId="{6AC26564-89E3-E046-BFB4-F80582D7E17B}" dt="2020-01-13T13:43:17.097" v="6" actId="2696"/>
+        <pc:sldMkLst>
+          <pc:docMk/>
+          <pc:sldMk cId="1062075874" sldId="323"/>
+        </pc:sldMkLst>
+      </pc:sldChg>
+      <pc:sldChg chg="add">
+        <pc:chgData name="Long B Nguyen" userId="f59fb8f3-a021-417a-8bc1-65c8d471c621" providerId="ADAL" clId="{6AC26564-89E3-E046-BFB4-F80582D7E17B}" dt="2020-01-13T13:43:29.420" v="22"/>
+        <pc:sldMkLst>
+          <pc:docMk/>
+          <pc:sldMk cId="1496564367" sldId="323"/>
+        </pc:sldMkLst>
+      </pc:sldChg>
+      <pc:sldChg chg="add">
+        <pc:chgData name="Long B Nguyen" userId="f59fb8f3-a021-417a-8bc1-65c8d471c621" providerId="ADAL" clId="{6AC26564-89E3-E046-BFB4-F80582D7E17B}" dt="2020-01-13T13:46:19.952" v="88"/>
+        <pc:sldMkLst>
+          <pc:docMk/>
+          <pc:sldMk cId="771866096" sldId="324"/>
+        </pc:sldMkLst>
+      </pc:sldChg>
+      <pc:sldChg chg="del">
+        <pc:chgData name="Long B Nguyen" userId="f59fb8f3-a021-417a-8bc1-65c8d471c621" providerId="ADAL" clId="{6AC26564-89E3-E046-BFB4-F80582D7E17B}" dt="2020-01-13T13:43:17.152" v="9" actId="2696"/>
+        <pc:sldMkLst>
+          <pc:docMk/>
+          <pc:sldMk cId="1310010799" sldId="324"/>
+        </pc:sldMkLst>
+      </pc:sldChg>
+      <pc:sldChg chg="add del">
+        <pc:chgData name="Long B Nguyen" userId="f59fb8f3-a021-417a-8bc1-65c8d471c621" providerId="ADAL" clId="{6AC26564-89E3-E046-BFB4-F80582D7E17B}" dt="2020-01-13T13:46:07.690" v="87" actId="2696"/>
+        <pc:sldMkLst>
+          <pc:docMk/>
+          <pc:sldMk cId="3999804732" sldId="324"/>
+        </pc:sldMkLst>
+      </pc:sldChg>
+      <pc:sldChg chg="add">
+        <pc:chgData name="Long B Nguyen" userId="f59fb8f3-a021-417a-8bc1-65c8d471c621" providerId="ADAL" clId="{6AC26564-89E3-E046-BFB4-F80582D7E17B}" dt="2020-01-13T13:43:29.420" v="22"/>
+        <pc:sldMkLst>
+          <pc:docMk/>
+          <pc:sldMk cId="1025355635" sldId="325"/>
+        </pc:sldMkLst>
+      </pc:sldChg>
+      <pc:sldChg chg="del">
+        <pc:chgData name="Long B Nguyen" userId="f59fb8f3-a021-417a-8bc1-65c8d471c621" providerId="ADAL" clId="{6AC26564-89E3-E046-BFB4-F80582D7E17B}" dt="2020-01-13T13:43:17.177" v="11" actId="2696"/>
+        <pc:sldMkLst>
+          <pc:docMk/>
+          <pc:sldMk cId="3314372952" sldId="325"/>
+        </pc:sldMkLst>
+      </pc:sldChg>
+      <pc:sldChg chg="del">
+        <pc:chgData name="Long B Nguyen" userId="f59fb8f3-a021-417a-8bc1-65c8d471c621" providerId="ADAL" clId="{6AC26564-89E3-E046-BFB4-F80582D7E17B}" dt="2020-01-13T13:43:17.116" v="7" actId="2696"/>
+        <pc:sldMkLst>
+          <pc:docMk/>
+          <pc:sldMk cId="1724104636" sldId="327"/>
+        </pc:sldMkLst>
+      </pc:sldChg>
+      <pc:sldChg chg="add">
+        <pc:chgData name="Long B Nguyen" userId="f59fb8f3-a021-417a-8bc1-65c8d471c621" providerId="ADAL" clId="{6AC26564-89E3-E046-BFB4-F80582D7E17B}" dt="2020-01-13T13:43:29.420" v="22"/>
+        <pc:sldMkLst>
+          <pc:docMk/>
+          <pc:sldMk cId="4174920299" sldId="327"/>
+        </pc:sldMkLst>
+      </pc:sldChg>
+      <pc:sldChg chg="add">
+        <pc:chgData name="Long B Nguyen" userId="f59fb8f3-a021-417a-8bc1-65c8d471c621" providerId="ADAL" clId="{6AC26564-89E3-E046-BFB4-F80582D7E17B}" dt="2020-01-13T13:43:29.420" v="22"/>
+        <pc:sldMkLst>
+          <pc:docMk/>
+          <pc:sldMk cId="2756462650" sldId="328"/>
+        </pc:sldMkLst>
+      </pc:sldChg>
+      <pc:sldChg chg="del">
+        <pc:chgData name="Long B Nguyen" userId="f59fb8f3-a021-417a-8bc1-65c8d471c621" providerId="ADAL" clId="{6AC26564-89E3-E046-BFB4-F80582D7E17B}" dt="2020-01-13T13:43:17.045" v="3" actId="2696"/>
+        <pc:sldMkLst>
+          <pc:docMk/>
+          <pc:sldMk cId="3894299887" sldId="328"/>
+        </pc:sldMkLst>
+      </pc:sldChg>
+      <pc:sldChg chg="add">
+        <pc:chgData name="Long B Nguyen" userId="f59fb8f3-a021-417a-8bc1-65c8d471c621" providerId="ADAL" clId="{6AC26564-89E3-E046-BFB4-F80582D7E17B}" dt="2020-01-13T13:43:29.420" v="22"/>
+        <pc:sldMkLst>
+          <pc:docMk/>
+          <pc:sldMk cId="3080714931" sldId="329"/>
+        </pc:sldMkLst>
+      </pc:sldChg>
+      <pc:sldChg chg="del">
+        <pc:chgData name="Long B Nguyen" userId="f59fb8f3-a021-417a-8bc1-65c8d471c621" providerId="ADAL" clId="{6AC26564-89E3-E046-BFB4-F80582D7E17B}" dt="2020-01-13T13:43:17.064" v="4" actId="2696"/>
+        <pc:sldMkLst>
+          <pc:docMk/>
+          <pc:sldMk cId="4294143140" sldId="329"/>
+        </pc:sldMkLst>
+      </pc:sldChg>
+      <pc:sldChg chg="add">
+        <pc:chgData name="Long B Nguyen" userId="f59fb8f3-a021-417a-8bc1-65c8d471c621" providerId="ADAL" clId="{6AC26564-89E3-E046-BFB4-F80582D7E17B}" dt="2020-01-13T13:43:29.420" v="22"/>
+        <pc:sldMkLst>
+          <pc:docMk/>
+          <pc:sldMk cId="532184546" sldId="330"/>
+        </pc:sldMkLst>
+      </pc:sldChg>
+      <pc:sldChg chg="del">
+        <pc:chgData name="Long B Nguyen" userId="f59fb8f3-a021-417a-8bc1-65c8d471c621" providerId="ADAL" clId="{6AC26564-89E3-E046-BFB4-F80582D7E17B}" dt="2020-01-13T13:43:17.136" v="8" actId="2696"/>
+        <pc:sldMkLst>
+          <pc:docMk/>
+          <pc:sldMk cId="3594730708" sldId="330"/>
+        </pc:sldMkLst>
+      </pc:sldChg>
+      <pc:sldChg chg="add">
+        <pc:chgData name="Long B Nguyen" userId="f59fb8f3-a021-417a-8bc1-65c8d471c621" providerId="ADAL" clId="{6AC26564-89E3-E046-BFB4-F80582D7E17B}" dt="2020-01-13T13:43:29.420" v="22"/>
+        <pc:sldMkLst>
+          <pc:docMk/>
+          <pc:sldMk cId="3264629021" sldId="331"/>
+        </pc:sldMkLst>
+      </pc:sldChg>
+      <pc:sldChg chg="del">
+        <pc:chgData name="Long B Nguyen" userId="f59fb8f3-a021-417a-8bc1-65c8d471c621" providerId="ADAL" clId="{6AC26564-89E3-E046-BFB4-F80582D7E17B}" dt="2020-01-13T13:43:17.188" v="12" actId="2696"/>
+        <pc:sldMkLst>
+          <pc:docMk/>
+          <pc:sldMk cId="3870816631" sldId="331"/>
+        </pc:sldMkLst>
+      </pc:sldChg>
+      <pc:sldChg chg="del">
+        <pc:chgData name="Long B Nguyen" userId="f59fb8f3-a021-417a-8bc1-65c8d471c621" providerId="ADAL" clId="{6AC26564-89E3-E046-BFB4-F80582D7E17B}" dt="2020-01-13T13:43:17.163" v="10" actId="2696"/>
+        <pc:sldMkLst>
+          <pc:docMk/>
+          <pc:sldMk cId="3124353102" sldId="332"/>
+        </pc:sldMkLst>
+      </pc:sldChg>
+      <pc:sldChg chg="add">
+        <pc:chgData name="Long B Nguyen" userId="f59fb8f3-a021-417a-8bc1-65c8d471c621" providerId="ADAL" clId="{6AC26564-89E3-E046-BFB4-F80582D7E17B}" dt="2020-01-13T13:43:29.420" v="22"/>
+        <pc:sldMkLst>
+          <pc:docMk/>
+          <pc:sldMk cId="4022722016" sldId="332"/>
+        </pc:sldMkLst>
+      </pc:sldChg>
+      <pc:sldChg chg="add">
+        <pc:chgData name="Long B Nguyen" userId="f59fb8f3-a021-417a-8bc1-65c8d471c621" providerId="ADAL" clId="{6AC26564-89E3-E046-BFB4-F80582D7E17B}" dt="2020-01-13T13:43:29.420" v="22"/>
+        <pc:sldMkLst>
+          <pc:docMk/>
+          <pc:sldMk cId="1710208723" sldId="333"/>
+        </pc:sldMkLst>
+      </pc:sldChg>
+      <pc:sldChg chg="add">
+        <pc:chgData name="Long B Nguyen" userId="f59fb8f3-a021-417a-8bc1-65c8d471c621" providerId="ADAL" clId="{6AC26564-89E3-E046-BFB4-F80582D7E17B}" dt="2020-01-13T13:43:29.420" v="22"/>
+        <pc:sldMkLst>
+          <pc:docMk/>
+          <pc:sldMk cId="3404583044" sldId="334"/>
+        </pc:sldMkLst>
+      </pc:sldChg>
+      <pc:sldChg chg="add">
+        <pc:chgData name="Long B Nguyen" userId="f59fb8f3-a021-417a-8bc1-65c8d471c621" providerId="ADAL" clId="{6AC26564-89E3-E046-BFB4-F80582D7E17B}" dt="2020-01-13T13:43:29.420" v="22"/>
+        <pc:sldMkLst>
+          <pc:docMk/>
+          <pc:sldMk cId="3866550465" sldId="335"/>
+        </pc:sldMkLst>
+      </pc:sldChg>
+      <pc:sldChg chg="add">
+        <pc:chgData name="Long B Nguyen" userId="f59fb8f3-a021-417a-8bc1-65c8d471c621" providerId="ADAL" clId="{6AC26564-89E3-E046-BFB4-F80582D7E17B}" dt="2020-01-13T13:43:29.420" v="22"/>
+        <pc:sldMkLst>
+          <pc:docMk/>
+          <pc:sldMk cId="3749436800" sldId="336"/>
+        </pc:sldMkLst>
+      </pc:sldChg>
+      <pc:sldChg chg="add">
+        <pc:chgData name="Long B Nguyen" userId="f59fb8f3-a021-417a-8bc1-65c8d471c621" providerId="ADAL" clId="{6AC26564-89E3-E046-BFB4-F80582D7E17B}" dt="2020-01-13T13:43:29.420" v="22"/>
+        <pc:sldMkLst>
+          <pc:docMk/>
+          <pc:sldMk cId="461704868" sldId="337"/>
+        </pc:sldMkLst>
+      </pc:sldChg>
+      <pc:sldChg chg="add">
+        <pc:chgData name="Long B Nguyen" userId="f59fb8f3-a021-417a-8bc1-65c8d471c621" providerId="ADAL" clId="{6AC26564-89E3-E046-BFB4-F80582D7E17B}" dt="2020-01-13T13:43:29.420" v="22"/>
+        <pc:sldMkLst>
+          <pc:docMk/>
+          <pc:sldMk cId="545386500" sldId="338"/>
+        </pc:sldMkLst>
+      </pc:sldChg>
+      <pc:sldChg chg="add">
+        <pc:chgData name="Long B Nguyen" userId="f59fb8f3-a021-417a-8bc1-65c8d471c621" providerId="ADAL" clId="{6AC26564-89E3-E046-BFB4-F80582D7E17B}" dt="2020-01-13T13:43:29.420" v="22"/>
+        <pc:sldMkLst>
+          <pc:docMk/>
+          <pc:sldMk cId="1791361008" sldId="339"/>
+        </pc:sldMkLst>
+      </pc:sldChg>
+      <pc:sldChg chg="add">
+        <pc:chgData name="Long B Nguyen" userId="f59fb8f3-a021-417a-8bc1-65c8d471c621" providerId="ADAL" clId="{6AC26564-89E3-E046-BFB4-F80582D7E17B}" dt="2020-01-13T13:43:29.420" v="22"/>
+        <pc:sldMkLst>
+          <pc:docMk/>
+          <pc:sldMk cId="678299524" sldId="340"/>
+        </pc:sldMkLst>
+      </pc:sldChg>
+      <pc:sldChg chg="add">
+        <pc:chgData name="Long B Nguyen" userId="f59fb8f3-a021-417a-8bc1-65c8d471c621" providerId="ADAL" clId="{6AC26564-89E3-E046-BFB4-F80582D7E17B}" dt="2020-01-13T13:43:29.420" v="22"/>
+        <pc:sldMkLst>
+          <pc:docMk/>
+          <pc:sldMk cId="225127645" sldId="341"/>
+        </pc:sldMkLst>
+      </pc:sldChg>
+      <pc:sldChg chg="add">
+        <pc:chgData name="Long B Nguyen" userId="f59fb8f3-a021-417a-8bc1-65c8d471c621" providerId="ADAL" clId="{6AC26564-89E3-E046-BFB4-F80582D7E17B}" dt="2020-01-13T13:43:29.420" v="22"/>
+        <pc:sldMkLst>
+          <pc:docMk/>
+          <pc:sldMk cId="2214326257" sldId="342"/>
+        </pc:sldMkLst>
+      </pc:sldChg>
+      <pc:sldChg chg="add">
+        <pc:chgData name="Long B Nguyen" userId="f59fb8f3-a021-417a-8bc1-65c8d471c621" providerId="ADAL" clId="{6AC26564-89E3-E046-BFB4-F80582D7E17B}" dt="2020-01-13T13:43:29.420" v="22"/>
+        <pc:sldMkLst>
+          <pc:docMk/>
+          <pc:sldMk cId="1356056044" sldId="343"/>
+        </pc:sldMkLst>
+      </pc:sldChg>
+      <pc:sldChg chg="add">
+        <pc:chgData name="Long B Nguyen" userId="f59fb8f3-a021-417a-8bc1-65c8d471c621" providerId="ADAL" clId="{6AC26564-89E3-E046-BFB4-F80582D7E17B}" dt="2020-01-13T13:43:29.420" v="22"/>
+        <pc:sldMkLst>
+          <pc:docMk/>
+          <pc:sldMk cId="1270247652" sldId="344"/>
+        </pc:sldMkLst>
+      </pc:sldChg>
+      <pc:sldChg chg="add">
+        <pc:chgData name="Long B Nguyen" userId="f59fb8f3-a021-417a-8bc1-65c8d471c621" providerId="ADAL" clId="{6AC26564-89E3-E046-BFB4-F80582D7E17B}" dt="2020-01-13T13:43:29.420" v="22"/>
+        <pc:sldMkLst>
+          <pc:docMk/>
+          <pc:sldMk cId="902308803" sldId="345"/>
+        </pc:sldMkLst>
+      </pc:sldChg>
+      <pc:sldChg chg="add">
+        <pc:chgData name="Long B Nguyen" userId="f59fb8f3-a021-417a-8bc1-65c8d471c621" providerId="ADAL" clId="{6AC26564-89E3-E046-BFB4-F80582D7E17B}" dt="2020-01-13T13:43:29.420" v="22"/>
+        <pc:sldMkLst>
+          <pc:docMk/>
+          <pc:sldMk cId="2271372051" sldId="346"/>
+        </pc:sldMkLst>
+      </pc:sldChg>
+      <pc:sldChg chg="add">
+        <pc:chgData name="Long B Nguyen" userId="f59fb8f3-a021-417a-8bc1-65c8d471c621" providerId="ADAL" clId="{6AC26564-89E3-E046-BFB4-F80582D7E17B}" dt="2020-01-13T13:43:29.420" v="22"/>
+        <pc:sldMkLst>
+          <pc:docMk/>
+          <pc:sldMk cId="198078322" sldId="347"/>
+        </pc:sldMkLst>
+      </pc:sldChg>
+    </pc:docChg>
+  </pc:docChgLst>
+  <pc:docChgLst>
+    <pc:chgData name="Long Nguyen" userId="f59fb8f3-a021-417a-8bc1-65c8d471c621" providerId="ADAL" clId="{C4C02E3F-7546-E347-858C-159161F993E8}"/>
+    <pc:docChg chg="custSel addSld delSld modSld">
+      <pc:chgData name="Long Nguyen" userId="f59fb8f3-a021-417a-8bc1-65c8d471c621" providerId="ADAL" clId="{C4C02E3F-7546-E347-858C-159161F993E8}" dt="2023-03-03T00:18:24.220" v="2073" actId="27636"/>
+      <pc:docMkLst>
+        <pc:docMk/>
+      </pc:docMkLst>
+      <pc:sldChg chg="modSp mod">
+        <pc:chgData name="Long Nguyen" userId="f59fb8f3-a021-417a-8bc1-65c8d471c621" providerId="ADAL" clId="{C4C02E3F-7546-E347-858C-159161F993E8}" dt="2023-03-03T00:18:24.220" v="2073" actId="27636"/>
+        <pc:sldMkLst>
+          <pc:docMk/>
+          <pc:sldMk cId="4247104139" sldId="256"/>
+        </pc:sldMkLst>
+        <pc:spChg chg="mod">
+          <ac:chgData name="Long Nguyen" userId="f59fb8f3-a021-417a-8bc1-65c8d471c621" providerId="ADAL" clId="{C4C02E3F-7546-E347-858C-159161F993E8}" dt="2023-03-03T00:18:24.220" v="2073" actId="27636"/>
+          <ac:spMkLst>
+            <pc:docMk/>
+            <pc:sldMk cId="4247104139" sldId="256"/>
+            <ac:spMk id="2" creationId="{6117A749-B1BA-E24B-8FB0-0604EF651FB3}"/>
+          </ac:spMkLst>
+        </pc:spChg>
+      </pc:sldChg>
+      <pc:sldChg chg="modSp del mod">
+        <pc:chgData name="Long Nguyen" userId="f59fb8f3-a021-417a-8bc1-65c8d471c621" providerId="ADAL" clId="{C4C02E3F-7546-E347-858C-159161F993E8}" dt="2023-03-02T22:24:17.429" v="817" actId="2696"/>
+        <pc:sldMkLst>
+          <pc:docMk/>
+          <pc:sldMk cId="239638542" sldId="320"/>
+        </pc:sldMkLst>
+        <pc:spChg chg="mod">
+          <ac:chgData name="Long Nguyen" userId="f59fb8f3-a021-417a-8bc1-65c8d471c621" providerId="ADAL" clId="{C4C02E3F-7546-E347-858C-159161F993E8}" dt="2023-03-02T22:10:42.687" v="40" actId="20577"/>
+          <ac:spMkLst>
+            <pc:docMk/>
+            <pc:sldMk cId="239638542" sldId="320"/>
+            <ac:spMk id="2" creationId="{EDE419EF-0E46-9E4D-8C75-4293CAE61F27}"/>
+          </ac:spMkLst>
+        </pc:spChg>
+        <pc:spChg chg="mod">
+          <ac:chgData name="Long Nguyen" userId="f59fb8f3-a021-417a-8bc1-65c8d471c621" providerId="ADAL" clId="{C4C02E3F-7546-E347-858C-159161F993E8}" dt="2023-03-02T22:10:33.020" v="2" actId="20577"/>
+          <ac:spMkLst>
+            <pc:docMk/>
+            <pc:sldMk cId="239638542" sldId="320"/>
+            <ac:spMk id="4" creationId="{864D3036-8B0F-5C44-90AB-7558ABA4CDEC}"/>
+          </ac:spMkLst>
+        </pc:spChg>
+      </pc:sldChg>
+      <pc:sldChg chg="modSp add mod modAnim">
+        <pc:chgData name="Long Nguyen" userId="f59fb8f3-a021-417a-8bc1-65c8d471c621" providerId="ADAL" clId="{C4C02E3F-7546-E347-858C-159161F993E8}" dt="2023-03-03T00:02:05.361" v="1770"/>
+        <pc:sldMkLst>
+          <pc:docMk/>
+          <pc:sldMk cId="1801278222" sldId="320"/>
+        </pc:sldMkLst>
+        <pc:spChg chg="mod">
+          <ac:chgData name="Long Nguyen" userId="f59fb8f3-a021-417a-8bc1-65c8d471c621" providerId="ADAL" clId="{C4C02E3F-7546-E347-858C-159161F993E8}" dt="2023-03-02T22:27:02.660" v="898" actId="1076"/>
+          <ac:spMkLst>
+            <pc:docMk/>
+            <pc:sldMk cId="1801278222" sldId="320"/>
+            <ac:spMk id="2" creationId="{EDE419EF-0E46-9E4D-8C75-4293CAE61F27}"/>
+          </ac:spMkLst>
+        </pc:spChg>
+        <pc:spChg chg="mod">
+          <ac:chgData name="Long Nguyen" userId="f59fb8f3-a021-417a-8bc1-65c8d471c621" providerId="ADAL" clId="{C4C02E3F-7546-E347-858C-159161F993E8}" dt="2023-03-02T22:28:44.819" v="974" actId="20577"/>
+          <ac:spMkLst>
+            <pc:docMk/>
+            <pc:sldMk cId="1801278222" sldId="320"/>
+            <ac:spMk id="4" creationId="{864D3036-8B0F-5C44-90AB-7558ABA4CDEC}"/>
+          </ac:spMkLst>
+        </pc:spChg>
+      </pc:sldChg>
+      <pc:sldChg chg="addSp delSp modSp mod modAnim">
+        <pc:chgData name="Long Nguyen" userId="f59fb8f3-a021-417a-8bc1-65c8d471c621" providerId="ADAL" clId="{C4C02E3F-7546-E347-858C-159161F993E8}" dt="2023-03-03T00:01:38.692" v="1764"/>
+        <pc:sldMkLst>
+          <pc:docMk/>
+          <pc:sldMk cId="3141678319" sldId="321"/>
+        </pc:sldMkLst>
+        <pc:spChg chg="del mod">
+          <ac:chgData name="Long Nguyen" userId="f59fb8f3-a021-417a-8bc1-65c8d471c621" providerId="ADAL" clId="{C4C02E3F-7546-E347-858C-159161F993E8}" dt="2023-03-02T22:28:59.779" v="987" actId="478"/>
+          <ac:spMkLst>
+            <pc:docMk/>
+            <pc:sldMk cId="3141678319" sldId="321"/>
+            <ac:spMk id="2" creationId="{EDE419EF-0E46-9E4D-8C75-4293CAE61F27}"/>
+          </ac:spMkLst>
+        </pc:spChg>
+        <pc:spChg chg="mod">
+          <ac:chgData name="Long Nguyen" userId="f59fb8f3-a021-417a-8bc1-65c8d471c621" providerId="ADAL" clId="{C4C02E3F-7546-E347-858C-159161F993E8}" dt="2023-03-03T00:00:31.558" v="1758" actId="20577"/>
+          <ac:spMkLst>
+            <pc:docMk/>
+            <pc:sldMk cId="3141678319" sldId="321"/>
+            <ac:spMk id="4" creationId="{864D3036-8B0F-5C44-90AB-7558ABA4CDEC}"/>
+          </ac:spMkLst>
+        </pc:spChg>
+        <pc:spChg chg="add mod">
+          <ac:chgData name="Long Nguyen" userId="f59fb8f3-a021-417a-8bc1-65c8d471c621" providerId="ADAL" clId="{C4C02E3F-7546-E347-858C-159161F993E8}" dt="2023-03-02T22:28:59.779" v="987" actId="478"/>
+          <ac:spMkLst>
+            <pc:docMk/>
+            <pc:sldMk cId="3141678319" sldId="321"/>
+            <ac:spMk id="5" creationId="{95D2EC53-9098-D915-EF83-5D2E8D55D682}"/>
+          </ac:spMkLst>
+        </pc:spChg>
+      </pc:sldChg>
+      <pc:sldChg chg="del">
+        <pc:chgData name="Long Nguyen" userId="f59fb8f3-a021-417a-8bc1-65c8d471c621" providerId="ADAL" clId="{C4C02E3F-7546-E347-858C-159161F993E8}" dt="2023-03-03T00:03:13.508" v="1857" actId="2696"/>
+        <pc:sldMkLst>
+          <pc:docMk/>
+          <pc:sldMk cId="2235787597" sldId="322"/>
+        </pc:sldMkLst>
+      </pc:sldChg>
+      <pc:sldChg chg="modSp add mod modAnim">
+        <pc:chgData name="Long Nguyen" userId="f59fb8f3-a021-417a-8bc1-65c8d471c621" providerId="ADAL" clId="{C4C02E3F-7546-E347-858C-159161F993E8}" dt="2023-03-03T00:03:00.834" v="1856" actId="20577"/>
+        <pc:sldMkLst>
+          <pc:docMk/>
+          <pc:sldMk cId="927596680" sldId="323"/>
+        </pc:sldMkLst>
+        <pc:spChg chg="mod">
+          <ac:chgData name="Long Nguyen" userId="f59fb8f3-a021-417a-8bc1-65c8d471c621" providerId="ADAL" clId="{C4C02E3F-7546-E347-858C-159161F993E8}" dt="2023-03-02T22:28:52.585" v="986" actId="20577"/>
+          <ac:spMkLst>
+            <pc:docMk/>
+            <pc:sldMk cId="927596680" sldId="323"/>
+            <ac:spMk id="2" creationId="{EDE419EF-0E46-9E4D-8C75-4293CAE61F27}"/>
+          </ac:spMkLst>
+        </pc:spChg>
+        <pc:spChg chg="mod">
+          <ac:chgData name="Long Nguyen" userId="f59fb8f3-a021-417a-8bc1-65c8d471c621" providerId="ADAL" clId="{C4C02E3F-7546-E347-858C-159161F993E8}" dt="2023-03-03T00:03:00.834" v="1856" actId="20577"/>
+          <ac:spMkLst>
+            <pc:docMk/>
+            <pc:sldMk cId="927596680" sldId="323"/>
+            <ac:spMk id="4" creationId="{864D3036-8B0F-5C44-90AB-7558ABA4CDEC}"/>
+          </ac:spMkLst>
+        </pc:spChg>
+      </pc:sldChg>
+      <pc:sldChg chg="modSp del mod">
+        <pc:chgData name="Long Nguyen" userId="f59fb8f3-a021-417a-8bc1-65c8d471c621" providerId="ADAL" clId="{C4C02E3F-7546-E347-858C-159161F993E8}" dt="2023-03-02T22:27:37.559" v="911" actId="2696"/>
+        <pc:sldMkLst>
+          <pc:docMk/>
+          <pc:sldMk cId="959476455" sldId="323"/>
+        </pc:sldMkLst>
+        <pc:spChg chg="mod">
+          <ac:chgData name="Long Nguyen" userId="f59fb8f3-a021-417a-8bc1-65c8d471c621" providerId="ADAL" clId="{C4C02E3F-7546-E347-858C-159161F993E8}" dt="2023-03-02T22:26:39.696" v="895" actId="21"/>
+          <ac:spMkLst>
+            <pc:docMk/>
+            <pc:sldMk cId="959476455" sldId="323"/>
+            <ac:spMk id="4" creationId="{864D3036-8B0F-5C44-90AB-7558ABA4CDEC}"/>
+          </ac:spMkLst>
+        </pc:spChg>
+      </pc:sldChg>
+      <pc:sldChg chg="addSp delSp modSp add mod modAnim">
+        <pc:chgData name="Long Nguyen" userId="f59fb8f3-a021-417a-8bc1-65c8d471c621" providerId="ADAL" clId="{C4C02E3F-7546-E347-858C-159161F993E8}" dt="2023-03-03T00:02:19.158" v="1774"/>
+        <pc:sldMkLst>
+          <pc:docMk/>
+          <pc:sldMk cId="3199744833" sldId="324"/>
+        </pc:sldMkLst>
+        <pc:spChg chg="add del mod">
+          <ac:chgData name="Long Nguyen" userId="f59fb8f3-a021-417a-8bc1-65c8d471c621" providerId="ADAL" clId="{C4C02E3F-7546-E347-858C-159161F993E8}" dt="2023-03-02T22:29:20.872" v="994" actId="478"/>
+          <ac:spMkLst>
+            <pc:docMk/>
+            <pc:sldMk cId="3199744833" sldId="324"/>
+            <ac:spMk id="3" creationId="{D785818E-2E5E-609D-8A0A-3A7D5CC726A3}"/>
+          </ac:spMkLst>
+        </pc:spChg>
+        <pc:spChg chg="mod">
+          <ac:chgData name="Long Nguyen" userId="f59fb8f3-a021-417a-8bc1-65c8d471c621" providerId="ADAL" clId="{C4C02E3F-7546-E347-858C-159161F993E8}" dt="2023-03-02T22:33:02.481" v="1426" actId="20577"/>
+          <ac:spMkLst>
+            <pc:docMk/>
+            <pc:sldMk cId="3199744833" sldId="324"/>
+            <ac:spMk id="4" creationId="{864D3036-8B0F-5C44-90AB-7558ABA4CDEC}"/>
+          </ac:spMkLst>
+        </pc:spChg>
+        <pc:spChg chg="del mod">
+          <ac:chgData name="Long Nguyen" userId="f59fb8f3-a021-417a-8bc1-65c8d471c621" providerId="ADAL" clId="{C4C02E3F-7546-E347-858C-159161F993E8}" dt="2023-03-02T22:29:17.418" v="993" actId="478"/>
+          <ac:spMkLst>
+            <pc:docMk/>
+            <pc:sldMk cId="3199744833" sldId="324"/>
+            <ac:spMk id="5" creationId="{95D2EC53-9098-D915-EF83-5D2E8D55D682}"/>
+          </ac:spMkLst>
+        </pc:spChg>
+      </pc:sldChg>
+      <pc:sldChg chg="add del">
+        <pc:chgData name="Long Nguyen" userId="f59fb8f3-a021-417a-8bc1-65c8d471c621" providerId="ADAL" clId="{C4C02E3F-7546-E347-858C-159161F993E8}" dt="2023-03-02T22:26:11.138" v="893" actId="2696"/>
+        <pc:sldMkLst>
+          <pc:docMk/>
+          <pc:sldMk cId="4046433983" sldId="324"/>
+        </pc:sldMkLst>
+      </pc:sldChg>
+      <pc:sldChg chg="modSp add del mod modAnim">
+        <pc:chgData name="Long Nguyen" userId="f59fb8f3-a021-417a-8bc1-65c8d471c621" providerId="ADAL" clId="{C4C02E3F-7546-E347-858C-159161F993E8}" dt="2023-03-03T00:14:25.948" v="2020" actId="2696"/>
+        <pc:sldMkLst>
+          <pc:docMk/>
+          <pc:sldMk cId="2234031928" sldId="325"/>
+        </pc:sldMkLst>
+        <pc:spChg chg="mod">
+          <ac:chgData name="Long Nguyen" userId="f59fb8f3-a021-417a-8bc1-65c8d471c621" providerId="ADAL" clId="{C4C02E3F-7546-E347-858C-159161F993E8}" dt="2023-03-03T00:10:42.041" v="1859" actId="20577"/>
+          <ac:spMkLst>
+            <pc:docMk/>
+            <pc:sldMk cId="2234031928" sldId="325"/>
+            <ac:spMk id="2" creationId="{EDE419EF-0E46-9E4D-8C75-4293CAE61F27}"/>
+          </ac:spMkLst>
+        </pc:spChg>
+        <pc:spChg chg="mod">
+          <ac:chgData name="Long Nguyen" userId="f59fb8f3-a021-417a-8bc1-65c8d471c621" providerId="ADAL" clId="{C4C02E3F-7546-E347-858C-159161F993E8}" dt="2023-03-03T00:14:10.427" v="2019" actId="20577"/>
+          <ac:spMkLst>
+            <pc:docMk/>
+            <pc:sldMk cId="2234031928" sldId="325"/>
+            <ac:spMk id="4" creationId="{864D3036-8B0F-5C44-90AB-7558ABA4CDEC}"/>
+          </ac:spMkLst>
+        </pc:spChg>
+      </pc:sldChg>
+    </pc:docChg>
+  </pc:docChgLst>
+  <pc:docChgLst>
+    <pc:chgData name="Long B Nguyen" userId="f59fb8f3-a021-417a-8bc1-65c8d471c621" providerId="ADAL" clId="{AA9102B5-DACA-D841-B260-AEEBF90FC60A}"/>
+    <pc:docChg chg="custSel addSld delSld modSld">
+      <pc:chgData name="Long B Nguyen" userId="f59fb8f3-a021-417a-8bc1-65c8d471c621" providerId="ADAL" clId="{AA9102B5-DACA-D841-B260-AEEBF90FC60A}" dt="2020-01-06T17:07:10.515" v="1519" actId="2711"/>
+      <pc:docMkLst>
+        <pc:docMk/>
+      </pc:docMkLst>
+      <pc:sldChg chg="modSp">
+        <pc:chgData name="Long B Nguyen" userId="f59fb8f3-a021-417a-8bc1-65c8d471c621" providerId="ADAL" clId="{AA9102B5-DACA-D841-B260-AEEBF90FC60A}" dt="2020-01-05T22:05:23.536" v="23" actId="20577"/>
+        <pc:sldMkLst>
+          <pc:docMk/>
+          <pc:sldMk cId="4247104139" sldId="256"/>
+        </pc:sldMkLst>
+        <pc:spChg chg="mod">
+          <ac:chgData name="Long B Nguyen" userId="f59fb8f3-a021-417a-8bc1-65c8d471c621" providerId="ADAL" clId="{AA9102B5-DACA-D841-B260-AEEBF90FC60A}" dt="2020-01-05T22:05:23.536" v="23" actId="20577"/>
+          <ac:spMkLst>
+            <pc:docMk/>
+            <pc:sldMk cId="4247104139" sldId="256"/>
+            <ac:spMk id="3" creationId="{1BDC47C8-6776-7B44-9CD4-95FC91452D62}"/>
+          </ac:spMkLst>
+        </pc:spChg>
+      </pc:sldChg>
+      <pc:sldChg chg="del">
+        <pc:chgData name="Long B Nguyen" userId="f59fb8f3-a021-417a-8bc1-65c8d471c621" providerId="ADAL" clId="{AA9102B5-DACA-D841-B260-AEEBF90FC60A}" dt="2020-01-05T22:05:52.483" v="41" actId="2696"/>
+        <pc:sldMkLst>
+          <pc:docMk/>
+          <pc:sldMk cId="1438711869" sldId="284"/>
+        </pc:sldMkLst>
+      </pc:sldChg>
+      <pc:sldChg chg="del">
+        <pc:chgData name="Long B Nguyen" userId="f59fb8f3-a021-417a-8bc1-65c8d471c621" providerId="ADAL" clId="{AA9102B5-DACA-D841-B260-AEEBF90FC60A}" dt="2020-01-05T22:05:52.199" v="24" actId="2696"/>
+        <pc:sldMkLst>
+          <pc:docMk/>
+          <pc:sldMk cId="131840209" sldId="286"/>
+        </pc:sldMkLst>
+      </pc:sldChg>
+      <pc:sldChg chg="del">
+        <pc:chgData name="Long B Nguyen" userId="f59fb8f3-a021-417a-8bc1-65c8d471c621" providerId="ADAL" clId="{AA9102B5-DACA-D841-B260-AEEBF90FC60A}" dt="2020-01-05T22:05:52.214" v="25" actId="2696"/>
+        <pc:sldMkLst>
+          <pc:docMk/>
+          <pc:sldMk cId="1816941262" sldId="295"/>
+        </pc:sldMkLst>
+      </pc:sldChg>
+      <pc:sldChg chg="del">
+        <pc:chgData name="Long B Nguyen" userId="f59fb8f3-a021-417a-8bc1-65c8d471c621" providerId="ADAL" clId="{AA9102B5-DACA-D841-B260-AEEBF90FC60A}" dt="2020-01-05T22:05:52.246" v="27" actId="2696"/>
+        <pc:sldMkLst>
+          <pc:docMk/>
+          <pc:sldMk cId="553003360" sldId="296"/>
+        </pc:sldMkLst>
+      </pc:sldChg>
+      <pc:sldChg chg="del">
+        <pc:chgData name="Long B Nguyen" userId="f59fb8f3-a021-417a-8bc1-65c8d471c621" providerId="ADAL" clId="{AA9102B5-DACA-D841-B260-AEEBF90FC60A}" dt="2020-01-05T22:05:52.268" v="28" actId="2696"/>
+        <pc:sldMkLst>
+          <pc:docMk/>
+          <pc:sldMk cId="3006175481" sldId="297"/>
+        </pc:sldMkLst>
+      </pc:sldChg>
+      <pc:sldChg chg="del">
+        <pc:chgData name="Long B Nguyen" userId="f59fb8f3-a021-417a-8bc1-65c8d471c621" providerId="ADAL" clId="{AA9102B5-DACA-D841-B260-AEEBF90FC60A}" dt="2020-01-05T22:05:52.287" v="29" actId="2696"/>
+        <pc:sldMkLst>
+          <pc:docMk/>
+          <pc:sldMk cId="3150557076" sldId="298"/>
+        </pc:sldMkLst>
+      </pc:sldChg>
+      <pc:sldChg chg="del">
+        <pc:chgData name="Long B Nguyen" userId="f59fb8f3-a021-417a-8bc1-65c8d471c621" providerId="ADAL" clId="{AA9102B5-DACA-D841-B260-AEEBF90FC60A}" dt="2020-01-05T22:05:52.442" v="38" actId="2696"/>
+        <pc:sldMkLst>
+          <pc:docMk/>
+          <pc:sldMk cId="128704095" sldId="302"/>
+        </pc:sldMkLst>
+      </pc:sldChg>
+      <pc:sldChg chg="del">
+        <pc:chgData name="Long B Nguyen" userId="f59fb8f3-a021-417a-8bc1-65c8d471c621" providerId="ADAL" clId="{AA9102B5-DACA-D841-B260-AEEBF90FC60A}" dt="2020-01-05T22:05:52.305" v="30" actId="2696"/>
+        <pc:sldMkLst>
+          <pc:docMk/>
+          <pc:sldMk cId="3275945509" sldId="303"/>
+        </pc:sldMkLst>
+      </pc:sldChg>
+      <pc:sldChg chg="del">
+        <pc:chgData name="Long B Nguyen" userId="f59fb8f3-a021-417a-8bc1-65c8d471c621" providerId="ADAL" clId="{AA9102B5-DACA-D841-B260-AEEBF90FC60A}" dt="2020-01-05T22:05:52.321" v="31" actId="2696"/>
+        <pc:sldMkLst>
+          <pc:docMk/>
+          <pc:sldMk cId="406772024" sldId="304"/>
+        </pc:sldMkLst>
+      </pc:sldChg>
+      <pc:sldChg chg="del">
+        <pc:chgData name="Long B Nguyen" userId="f59fb8f3-a021-417a-8bc1-65c8d471c621" providerId="ADAL" clId="{AA9102B5-DACA-D841-B260-AEEBF90FC60A}" dt="2020-01-05T22:05:52.334" v="32" actId="2696"/>
+        <pc:sldMkLst>
+          <pc:docMk/>
+          <pc:sldMk cId="1703902501" sldId="305"/>
+        </pc:sldMkLst>
+      </pc:sldChg>
+      <pc:sldChg chg="del">
+        <pc:chgData name="Long B Nguyen" userId="f59fb8f3-a021-417a-8bc1-65c8d471c621" providerId="ADAL" clId="{AA9102B5-DACA-D841-B260-AEEBF90FC60A}" dt="2020-01-05T22:05:52.461" v="39" actId="2696"/>
+        <pc:sldMkLst>
+          <pc:docMk/>
+          <pc:sldMk cId="3614829039" sldId="306"/>
+        </pc:sldMkLst>
+      </pc:sldChg>
+      <pc:sldChg chg="del">
+        <pc:chgData name="Long B Nguyen" userId="f59fb8f3-a021-417a-8bc1-65c8d471c621" providerId="ADAL" clId="{AA9102B5-DACA-D841-B260-AEEBF90FC60A}" dt="2020-01-05T22:05:52.471" v="40" actId="2696"/>
+        <pc:sldMkLst>
+          <pc:docMk/>
+          <pc:sldMk cId="295911327" sldId="307"/>
+        </pc:sldMkLst>
+      </pc:sldChg>
+      <pc:sldChg chg="del">
+        <pc:chgData name="Long B Nguyen" userId="f59fb8f3-a021-417a-8bc1-65c8d471c621" providerId="ADAL" clId="{AA9102B5-DACA-D841-B260-AEEBF90FC60A}" dt="2020-01-05T22:05:52.353" v="33" actId="2696"/>
+        <pc:sldMkLst>
+          <pc:docMk/>
+          <pc:sldMk cId="67957925" sldId="308"/>
+        </pc:sldMkLst>
+      </pc:sldChg>
+      <pc:sldChg chg="del">
+        <pc:chgData name="Long B Nguyen" userId="f59fb8f3-a021-417a-8bc1-65c8d471c621" providerId="ADAL" clId="{AA9102B5-DACA-D841-B260-AEEBF90FC60A}" dt="2020-01-05T22:05:52.365" v="34" actId="2696"/>
+        <pc:sldMkLst>
+          <pc:docMk/>
+          <pc:sldMk cId="1872435103" sldId="309"/>
+        </pc:sldMkLst>
+      </pc:sldChg>
+      <pc:sldChg chg="del">
+        <pc:chgData name="Long B Nguyen" userId="f59fb8f3-a021-417a-8bc1-65c8d471c621" providerId="ADAL" clId="{AA9102B5-DACA-D841-B260-AEEBF90FC60A}" dt="2020-01-05T22:05:52.385" v="35" actId="2696"/>
+        <pc:sldMkLst>
+          <pc:docMk/>
+          <pc:sldMk cId="4088965571" sldId="310"/>
+        </pc:sldMkLst>
+      </pc:sldChg>
+      <pc:sldChg chg="del">
+        <pc:chgData name="Long B Nguyen" userId="f59fb8f3-a021-417a-8bc1-65c8d471c621" providerId="ADAL" clId="{AA9102B5-DACA-D841-B260-AEEBF90FC60A}" dt="2020-01-05T22:05:52.404" v="36" actId="2696"/>
+        <pc:sldMkLst>
+          <pc:docMk/>
+          <pc:sldMk cId="2255846137" sldId="311"/>
+        </pc:sldMkLst>
+      </pc:sldChg>
+      <pc:sldChg chg="del">
+        <pc:chgData name="Long B Nguyen" userId="f59fb8f3-a021-417a-8bc1-65c8d471c621" providerId="ADAL" clId="{AA9102B5-DACA-D841-B260-AEEBF90FC60A}" dt="2020-01-05T22:05:52.423" v="37" actId="2696"/>
+        <pc:sldMkLst>
+          <pc:docMk/>
+          <pc:sldMk cId="1513627164" sldId="312"/>
+        </pc:sldMkLst>
+      </pc:sldChg>
+      <pc:sldChg chg="del">
+        <pc:chgData name="Long B Nguyen" userId="f59fb8f3-a021-417a-8bc1-65c8d471c621" providerId="ADAL" clId="{AA9102B5-DACA-D841-B260-AEEBF90FC60A}" dt="2020-01-05T22:05:52.231" v="26" actId="2696"/>
+        <pc:sldMkLst>
+          <pc:docMk/>
+          <pc:sldMk cId="2097059918" sldId="313"/>
+        </pc:sldMkLst>
+      </pc:sldChg>
+      <pc:sldChg chg="modSp">
+        <pc:chgData name="Long B Nguyen" userId="f59fb8f3-a021-417a-8bc1-65c8d471c621" providerId="ADAL" clId="{AA9102B5-DACA-D841-B260-AEEBF90FC60A}" dt="2020-01-06T15:37:30.346" v="948" actId="20577"/>
+        <pc:sldMkLst>
+          <pc:docMk/>
+          <pc:sldMk cId="1452600724" sldId="316"/>
+        </pc:sldMkLst>
+        <pc:spChg chg="mod">
+          <ac:chgData name="Long B Nguyen" userId="f59fb8f3-a021-417a-8bc1-65c8d471c621" providerId="ADAL" clId="{AA9102B5-DACA-D841-B260-AEEBF90FC60A}" dt="2020-01-06T15:37:30.346" v="948" actId="20577"/>
+          <ac:spMkLst>
+            <pc:docMk/>
+            <pc:sldMk cId="1452600724" sldId="316"/>
+            <ac:spMk id="9" creationId="{E3B2E017-30B2-884B-A113-B419A2ED51AD}"/>
+          </ac:spMkLst>
+        </pc:spChg>
+      </pc:sldChg>
+      <pc:sldChg chg="del">
+        <pc:chgData name="Long B Nguyen" userId="f59fb8f3-a021-417a-8bc1-65c8d471c621" providerId="ADAL" clId="{AA9102B5-DACA-D841-B260-AEEBF90FC60A}" dt="2020-01-06T15:03:11.354" v="848" actId="2696"/>
+        <pc:sldMkLst>
+          <pc:docMk/>
+          <pc:sldMk cId="1787114790" sldId="317"/>
+        </pc:sldMkLst>
+      </pc:sldChg>
+      <pc:sldChg chg="del">
+        <pc:chgData name="Long B Nguyen" userId="f59fb8f3-a021-417a-8bc1-65c8d471c621" providerId="ADAL" clId="{AA9102B5-DACA-D841-B260-AEEBF90FC60A}" dt="2020-01-05T22:06:12.101" v="42" actId="2696"/>
+        <pc:sldMkLst>
+          <pc:docMk/>
+          <pc:sldMk cId="1215229427" sldId="318"/>
+        </pc:sldMkLst>
+      </pc:sldChg>
+      <pc:sldChg chg="modSp">
+        <pc:chgData name="Long B Nguyen" userId="f59fb8f3-a021-417a-8bc1-65c8d471c621" providerId="ADAL" clId="{AA9102B5-DACA-D841-B260-AEEBF90FC60A}" dt="2020-01-06T01:48:03.413" v="110" actId="20577"/>
+        <pc:sldMkLst>
+          <pc:docMk/>
+          <pc:sldMk cId="924617162" sldId="319"/>
+        </pc:sldMkLst>
+        <pc:spChg chg="mod">
+          <ac:chgData name="Long B Nguyen" userId="f59fb8f3-a021-417a-8bc1-65c8d471c621" providerId="ADAL" clId="{AA9102B5-DACA-D841-B260-AEEBF90FC60A}" dt="2020-01-06T01:48:03.413" v="110" actId="20577"/>
           <ac:spMkLst>
             <pc:docMk/>
             <pc:sldMk cId="924617162" sldId="319"/>
@@ -1692,98 +1918,14 @@
           </ac:spMkLst>
         </pc:spChg>
       </pc:sldChg>
-      <pc:sldChg chg="modSp add">
-        <pc:chgData name="Long B Nguyen" userId="f59fb8f3-a021-417a-8bc1-65c8d471c621" providerId="ADAL" clId="{CC9C9D9A-5149-2947-86C0-576F501F60DC}" dt="2020-01-04T15:57:55.835" v="789" actId="14100"/>
-        <pc:sldMkLst>
-          <pc:docMk/>
-          <pc:sldMk cId="3758830494" sldId="320"/>
+      <pc:sldChg chg="modSp">
+        <pc:chgData name="Long B Nguyen" userId="f59fb8f3-a021-417a-8bc1-65c8d471c621" providerId="ADAL" clId="{AA9102B5-DACA-D841-B260-AEEBF90FC60A}" dt="2020-01-06T01:56:11.549" v="712" actId="1076"/>
+        <pc:sldMkLst>
+          <pc:docMk/>
+          <pc:sldMk cId="1310010799" sldId="324"/>
         </pc:sldMkLst>
         <pc:spChg chg="mod">
-          <ac:chgData name="Long B Nguyen" userId="f59fb8f3-a021-417a-8bc1-65c8d471c621" providerId="ADAL" clId="{CC9C9D9A-5149-2947-86C0-576F501F60DC}" dt="2020-01-04T15:57:52.065" v="788" actId="1076"/>
-          <ac:spMkLst>
-            <pc:docMk/>
-            <pc:sldMk cId="3758830494" sldId="320"/>
-            <ac:spMk id="2" creationId="{AA3A228F-61D0-D949-A5E7-F83756230BF8}"/>
-          </ac:spMkLst>
-        </pc:spChg>
-        <pc:spChg chg="mod">
-          <ac:chgData name="Long B Nguyen" userId="f59fb8f3-a021-417a-8bc1-65c8d471c621" providerId="ADAL" clId="{CC9C9D9A-5149-2947-86C0-576F501F60DC}" dt="2020-01-04T15:57:55.835" v="789" actId="14100"/>
-          <ac:spMkLst>
-            <pc:docMk/>
-            <pc:sldMk cId="3758830494" sldId="320"/>
-            <ac:spMk id="9" creationId="{E3B2E017-30B2-884B-A113-B419A2ED51AD}"/>
-          </ac:spMkLst>
-        </pc:spChg>
-      </pc:sldChg>
-      <pc:sldChg chg="modSp add">
-        <pc:chgData name="Long B Nguyen" userId="f59fb8f3-a021-417a-8bc1-65c8d471c621" providerId="ADAL" clId="{CC9C9D9A-5149-2947-86C0-576F501F60DC}" dt="2020-01-05T21:51:37.442" v="2325" actId="20577"/>
-        <pc:sldMkLst>
-          <pc:docMk/>
-          <pc:sldMk cId="1022945305" sldId="321"/>
-        </pc:sldMkLst>
-        <pc:spChg chg="mod">
-          <ac:chgData name="Long B Nguyen" userId="f59fb8f3-a021-417a-8bc1-65c8d471c621" providerId="ADAL" clId="{CC9C9D9A-5149-2947-86C0-576F501F60DC}" dt="2020-01-05T21:51:37.442" v="2325" actId="20577"/>
-          <ac:spMkLst>
-            <pc:docMk/>
-            <pc:sldMk cId="1022945305" sldId="321"/>
-            <ac:spMk id="2" creationId="{AA3A228F-61D0-D949-A5E7-F83756230BF8}"/>
-          </ac:spMkLst>
-        </pc:spChg>
-        <pc:spChg chg="mod">
-          <ac:chgData name="Long B Nguyen" userId="f59fb8f3-a021-417a-8bc1-65c8d471c621" providerId="ADAL" clId="{CC9C9D9A-5149-2947-86C0-576F501F60DC}" dt="2020-01-05T21:33:21.485" v="2304" actId="20577"/>
-          <ac:spMkLst>
-            <pc:docMk/>
-            <pc:sldMk cId="1022945305" sldId="321"/>
-            <ac:spMk id="9" creationId="{E3B2E017-30B2-884B-A113-B419A2ED51AD}"/>
-          </ac:spMkLst>
-        </pc:spChg>
-      </pc:sldChg>
-      <pc:sldChg chg="modSp add">
-        <pc:chgData name="Long B Nguyen" userId="f59fb8f3-a021-417a-8bc1-65c8d471c621" providerId="ADAL" clId="{CC9C9D9A-5149-2947-86C0-576F501F60DC}" dt="2020-01-04T17:41:57.489" v="1203" actId="20577"/>
-        <pc:sldMkLst>
-          <pc:docMk/>
-          <pc:sldMk cId="3456840474" sldId="322"/>
-        </pc:sldMkLst>
-        <pc:spChg chg="mod">
-          <ac:chgData name="Long B Nguyen" userId="f59fb8f3-a021-417a-8bc1-65c8d471c621" providerId="ADAL" clId="{CC9C9D9A-5149-2947-86C0-576F501F60DC}" dt="2020-01-04T17:41:57.489" v="1203" actId="20577"/>
-          <ac:spMkLst>
-            <pc:docMk/>
-            <pc:sldMk cId="3456840474" sldId="322"/>
-            <ac:spMk id="9" creationId="{E3B2E017-30B2-884B-A113-B419A2ED51AD}"/>
-          </ac:spMkLst>
-        </pc:spChg>
-      </pc:sldChg>
-      <pc:sldChg chg="modSp add">
-        <pc:chgData name="Long B Nguyen" userId="f59fb8f3-a021-417a-8bc1-65c8d471c621" providerId="ADAL" clId="{CC9C9D9A-5149-2947-86C0-576F501F60DC}" dt="2020-01-04T18:38:26.241" v="1214" actId="113"/>
-        <pc:sldMkLst>
-          <pc:docMk/>
-          <pc:sldMk cId="1062075874" sldId="323"/>
-        </pc:sldMkLst>
-        <pc:spChg chg="mod">
-          <ac:chgData name="Long B Nguyen" userId="f59fb8f3-a021-417a-8bc1-65c8d471c621" providerId="ADAL" clId="{CC9C9D9A-5149-2947-86C0-576F501F60DC}" dt="2020-01-04T18:38:26.241" v="1214" actId="113"/>
-          <ac:spMkLst>
-            <pc:docMk/>
-            <pc:sldMk cId="1062075874" sldId="323"/>
-            <ac:spMk id="9" creationId="{E3B2E017-30B2-884B-A113-B419A2ED51AD}"/>
-          </ac:spMkLst>
-        </pc:spChg>
-      </pc:sldChg>
-      <pc:sldChg chg="modSp add">
-        <pc:chgData name="Long B Nguyen" userId="f59fb8f3-a021-417a-8bc1-65c8d471c621" providerId="ADAL" clId="{CC9C9D9A-5149-2947-86C0-576F501F60DC}" dt="2020-01-04T20:58:36.932" v="1972" actId="20577"/>
-        <pc:sldMkLst>
-          <pc:docMk/>
-          <pc:sldMk cId="1310010799" sldId="324"/>
-        </pc:sldMkLst>
-        <pc:spChg chg="mod">
-          <ac:chgData name="Long B Nguyen" userId="f59fb8f3-a021-417a-8bc1-65c8d471c621" providerId="ADAL" clId="{CC9C9D9A-5149-2947-86C0-576F501F60DC}" dt="2020-01-04T20:55:25.731" v="1962" actId="1076"/>
-          <ac:spMkLst>
-            <pc:docMk/>
-            <pc:sldMk cId="1310010799" sldId="324"/>
-            <ac:spMk id="2" creationId="{AA3A228F-61D0-D949-A5E7-F83756230BF8}"/>
-          </ac:spMkLst>
-        </pc:spChg>
-        <pc:spChg chg="mod">
-          <ac:chgData name="Long B Nguyen" userId="f59fb8f3-a021-417a-8bc1-65c8d471c621" providerId="ADAL" clId="{CC9C9D9A-5149-2947-86C0-576F501F60DC}" dt="2020-01-04T20:58:36.932" v="1972" actId="20577"/>
+          <ac:chgData name="Long B Nguyen" userId="f59fb8f3-a021-417a-8bc1-65c8d471c621" providerId="ADAL" clId="{AA9102B5-DACA-D841-B260-AEEBF90FC60A}" dt="2020-01-06T01:56:11.549" v="712" actId="1076"/>
           <ac:spMkLst>
             <pc:docMk/>
             <pc:sldMk cId="1310010799" sldId="324"/>
@@ -1791,14 +1933,14 @@
           </ac:spMkLst>
         </pc:spChg>
       </pc:sldChg>
-      <pc:sldChg chg="modSp add">
-        <pc:chgData name="Long B Nguyen" userId="f59fb8f3-a021-417a-8bc1-65c8d471c621" providerId="ADAL" clId="{CC9C9D9A-5149-2947-86C0-576F501F60DC}" dt="2020-01-05T21:27:04.952" v="2119" actId="20577"/>
+      <pc:sldChg chg="modSp">
+        <pc:chgData name="Long B Nguyen" userId="f59fb8f3-a021-417a-8bc1-65c8d471c621" providerId="ADAL" clId="{AA9102B5-DACA-D841-B260-AEEBF90FC60A}" dt="2020-01-06T15:35:11.658" v="853" actId="20577"/>
         <pc:sldMkLst>
           <pc:docMk/>
           <pc:sldMk cId="3314372952" sldId="325"/>
         </pc:sldMkLst>
         <pc:spChg chg="mod">
-          <ac:chgData name="Long B Nguyen" userId="f59fb8f3-a021-417a-8bc1-65c8d471c621" providerId="ADAL" clId="{CC9C9D9A-5149-2947-86C0-576F501F60DC}" dt="2020-01-05T21:26:41.210" v="2114" actId="20577"/>
+          <ac:chgData name="Long B Nguyen" userId="f59fb8f3-a021-417a-8bc1-65c8d471c621" providerId="ADAL" clId="{AA9102B5-DACA-D841-B260-AEEBF90FC60A}" dt="2020-01-06T15:35:11.658" v="853" actId="20577"/>
           <ac:spMkLst>
             <pc:docMk/>
             <pc:sldMk cId="3314372952" sldId="325"/>
@@ -1806,7 +1948,7 @@
           </ac:spMkLst>
         </pc:spChg>
         <pc:spChg chg="mod">
-          <ac:chgData name="Long B Nguyen" userId="f59fb8f3-a021-417a-8bc1-65c8d471c621" providerId="ADAL" clId="{CC9C9D9A-5149-2947-86C0-576F501F60DC}" dt="2020-01-05T21:27:04.952" v="2119" actId="20577"/>
+          <ac:chgData name="Long B Nguyen" userId="f59fb8f3-a021-417a-8bc1-65c8d471c621" providerId="ADAL" clId="{AA9102B5-DACA-D841-B260-AEEBF90FC60A}" dt="2020-01-06T15:02:45.351" v="846" actId="20577"/>
           <ac:spMkLst>
             <pc:docMk/>
             <pc:sldMk cId="3314372952" sldId="325"/>
@@ -1814,73 +1956,128 @@
           </ac:spMkLst>
         </pc:spChg>
       </pc:sldChg>
+      <pc:sldChg chg="del">
+        <pc:chgData name="Long B Nguyen" userId="f59fb8f3-a021-417a-8bc1-65c8d471c621" providerId="ADAL" clId="{AA9102B5-DACA-D841-B260-AEEBF90FC60A}" dt="2020-01-06T15:03:07.580" v="847" actId="2696"/>
+        <pc:sldMkLst>
+          <pc:docMk/>
+          <pc:sldMk cId="3117943122" sldId="326"/>
+        </pc:sldMkLst>
+      </pc:sldChg>
+      <pc:sldChg chg="del">
+        <pc:chgData name="Long B Nguyen" userId="f59fb8f3-a021-417a-8bc1-65c8d471c621" providerId="ADAL" clId="{AA9102B5-DACA-D841-B260-AEEBF90FC60A}" dt="2020-01-06T01:49:27.456" v="111" actId="2696"/>
+        <pc:sldMkLst>
+          <pc:docMk/>
+          <pc:sldMk cId="1025618360" sldId="327"/>
+        </pc:sldMkLst>
+      </pc:sldChg>
       <pc:sldChg chg="modSp add">
-        <pc:chgData name="Long B Nguyen" userId="f59fb8f3-a021-417a-8bc1-65c8d471c621" providerId="ADAL" clId="{CC9C9D9A-5149-2947-86C0-576F501F60DC}" dt="2020-01-05T21:29:58.563" v="2178" actId="20577"/>
-        <pc:sldMkLst>
-          <pc:docMk/>
-          <pc:sldMk cId="3117943122" sldId="326"/>
+        <pc:chgData name="Long B Nguyen" userId="f59fb8f3-a021-417a-8bc1-65c8d471c621" providerId="ADAL" clId="{AA9102B5-DACA-D841-B260-AEEBF90FC60A}" dt="2020-01-06T15:00:48.763" v="818" actId="113"/>
+        <pc:sldMkLst>
+          <pc:docMk/>
+          <pc:sldMk cId="1724104636" sldId="327"/>
         </pc:sldMkLst>
         <pc:spChg chg="mod">
-          <ac:chgData name="Long B Nguyen" userId="f59fb8f3-a021-417a-8bc1-65c8d471c621" providerId="ADAL" clId="{CC9C9D9A-5149-2947-86C0-576F501F60DC}" dt="2020-01-05T21:29:58.563" v="2178" actId="20577"/>
+          <ac:chgData name="Long B Nguyen" userId="f59fb8f3-a021-417a-8bc1-65c8d471c621" providerId="ADAL" clId="{AA9102B5-DACA-D841-B260-AEEBF90FC60A}" dt="2020-01-06T15:00:48.763" v="818" actId="113"/>
           <ac:spMkLst>
             <pc:docMk/>
-            <pc:sldMk cId="3117943122" sldId="326"/>
+            <pc:sldMk cId="1724104636" sldId="327"/>
             <ac:spMk id="9" creationId="{E3B2E017-30B2-884B-A113-B419A2ED51AD}"/>
           </ac:spMkLst>
         </pc:spChg>
       </pc:sldChg>
-      <pc:sldChg chg="modSp add">
-        <pc:chgData name="Long B Nguyen" userId="f59fb8f3-a021-417a-8bc1-65c8d471c621" providerId="ADAL" clId="{CC9C9D9A-5149-2947-86C0-576F501F60DC}" dt="2020-01-05T21:59:55.597" v="2392" actId="14100"/>
-        <pc:sldMkLst>
-          <pc:docMk/>
-          <pc:sldMk cId="1025618360" sldId="327"/>
+      <pc:sldChg chg="modSp">
+        <pc:chgData name="Long B Nguyen" userId="f59fb8f3-a021-417a-8bc1-65c8d471c621" providerId="ADAL" clId="{AA9102B5-DACA-D841-B260-AEEBF90FC60A}" dt="2020-01-06T01:55:34.369" v="708" actId="20577"/>
+        <pc:sldMkLst>
+          <pc:docMk/>
+          <pc:sldMk cId="4294143140" sldId="329"/>
         </pc:sldMkLst>
         <pc:spChg chg="mod">
-          <ac:chgData name="Long B Nguyen" userId="f59fb8f3-a021-417a-8bc1-65c8d471c621" providerId="ADAL" clId="{CC9C9D9A-5149-2947-86C0-576F501F60DC}" dt="2020-01-05T21:59:55.597" v="2392" actId="14100"/>
+          <ac:chgData name="Long B Nguyen" userId="f59fb8f3-a021-417a-8bc1-65c8d471c621" providerId="ADAL" clId="{AA9102B5-DACA-D841-B260-AEEBF90FC60A}" dt="2020-01-06T01:55:34.369" v="708" actId="20577"/>
           <ac:spMkLst>
             <pc:docMk/>
-            <pc:sldMk cId="1025618360" sldId="327"/>
+            <pc:sldMk cId="4294143140" sldId="329"/>
             <ac:spMk id="9" creationId="{E3B2E017-30B2-884B-A113-B419A2ED51AD}"/>
           </ac:spMkLst>
         </pc:spChg>
       </pc:sldChg>
       <pc:sldChg chg="modSp add">
-        <pc:chgData name="Long B Nguyen" userId="f59fb8f3-a021-417a-8bc1-65c8d471c621" providerId="ADAL" clId="{CC9C9D9A-5149-2947-86C0-576F501F60DC}" dt="2020-01-05T21:54:47.081" v="2356" actId="2711"/>
-        <pc:sldMkLst>
-          <pc:docMk/>
-          <pc:sldMk cId="3894299887" sldId="328"/>
+        <pc:chgData name="Long B Nguyen" userId="f59fb8f3-a021-417a-8bc1-65c8d471c621" providerId="ADAL" clId="{AA9102B5-DACA-D841-B260-AEEBF90FC60A}" dt="2020-01-06T15:01:01.638" v="819" actId="2711"/>
+        <pc:sldMkLst>
+          <pc:docMk/>
+          <pc:sldMk cId="3594730708" sldId="330"/>
         </pc:sldMkLst>
         <pc:spChg chg="mod">
-          <ac:chgData name="Long B Nguyen" userId="f59fb8f3-a021-417a-8bc1-65c8d471c621" providerId="ADAL" clId="{CC9C9D9A-5149-2947-86C0-576F501F60DC}" dt="2020-01-05T21:51:41.306" v="2327" actId="20577"/>
+          <ac:chgData name="Long B Nguyen" userId="f59fb8f3-a021-417a-8bc1-65c8d471c621" providerId="ADAL" clId="{AA9102B5-DACA-D841-B260-AEEBF90FC60A}" dt="2020-01-06T15:01:01.638" v="819" actId="2711"/>
           <ac:spMkLst>
             <pc:docMk/>
-            <pc:sldMk cId="3894299887" sldId="328"/>
+            <pc:sldMk cId="3594730708" sldId="330"/>
+            <ac:spMk id="9" creationId="{E3B2E017-30B2-884B-A113-B419A2ED51AD}"/>
+          </ac:spMkLst>
+        </pc:spChg>
+      </pc:sldChg>
+      <pc:sldChg chg="modSp add">
+        <pc:chgData name="Long B Nguyen" userId="f59fb8f3-a021-417a-8bc1-65c8d471c621" providerId="ADAL" clId="{AA9102B5-DACA-D841-B260-AEEBF90FC60A}" dt="2020-01-06T02:00:17.493" v="815" actId="255"/>
+        <pc:sldMkLst>
+          <pc:docMk/>
+          <pc:sldMk cId="3870816631" sldId="331"/>
+        </pc:sldMkLst>
+        <pc:spChg chg="mod">
+          <ac:chgData name="Long B Nguyen" userId="f59fb8f3-a021-417a-8bc1-65c8d471c621" providerId="ADAL" clId="{AA9102B5-DACA-D841-B260-AEEBF90FC60A}" dt="2020-01-06T02:00:17.493" v="815" actId="255"/>
+          <ac:spMkLst>
+            <pc:docMk/>
+            <pc:sldMk cId="3870816631" sldId="331"/>
+            <ac:spMk id="9" creationId="{E3B2E017-30B2-884B-A113-B419A2ED51AD}"/>
+          </ac:spMkLst>
+        </pc:spChg>
+      </pc:sldChg>
+      <pc:sldChg chg="modSp add">
+        <pc:chgData name="Long B Nguyen" userId="f59fb8f3-a021-417a-8bc1-65c8d471c621" providerId="ADAL" clId="{AA9102B5-DACA-D841-B260-AEEBF90FC60A}" dt="2020-01-06T17:07:10.515" v="1519" actId="2711"/>
+        <pc:sldMkLst>
+          <pc:docMk/>
+          <pc:sldMk cId="3124353102" sldId="332"/>
+        </pc:sldMkLst>
+        <pc:spChg chg="mod">
+          <ac:chgData name="Long B Nguyen" userId="f59fb8f3-a021-417a-8bc1-65c8d471c621" providerId="ADAL" clId="{AA9102B5-DACA-D841-B260-AEEBF90FC60A}" dt="2020-01-06T17:03:36.721" v="1332" actId="20577"/>
+          <ac:spMkLst>
+            <pc:docMk/>
+            <pc:sldMk cId="3124353102" sldId="332"/>
             <ac:spMk id="2" creationId="{AA3A228F-61D0-D949-A5E7-F83756230BF8}"/>
           </ac:spMkLst>
         </pc:spChg>
         <pc:spChg chg="mod">
-          <ac:chgData name="Long B Nguyen" userId="f59fb8f3-a021-417a-8bc1-65c8d471c621" providerId="ADAL" clId="{CC9C9D9A-5149-2947-86C0-576F501F60DC}" dt="2020-01-05T21:54:47.081" v="2356" actId="2711"/>
+          <ac:chgData name="Long B Nguyen" userId="f59fb8f3-a021-417a-8bc1-65c8d471c621" providerId="ADAL" clId="{AA9102B5-DACA-D841-B260-AEEBF90FC60A}" dt="2020-01-06T17:07:10.515" v="1519" actId="2711"/>
           <ac:spMkLst>
             <pc:docMk/>
-            <pc:sldMk cId="3894299887" sldId="328"/>
+            <pc:sldMk cId="3124353102" sldId="332"/>
             <ac:spMk id="9" creationId="{E3B2E017-30B2-884B-A113-B419A2ED51AD}"/>
           </ac:spMkLst>
         </pc:spChg>
       </pc:sldChg>
-      <pc:sldChg chg="add">
-        <pc:chgData name="Long B Nguyen" userId="f59fb8f3-a021-417a-8bc1-65c8d471c621" providerId="ADAL" clId="{CC9C9D9A-5149-2947-86C0-576F501F60DC}" dt="2020-01-05T21:57:38.736" v="2357"/>
-        <pc:sldMkLst>
-          <pc:docMk/>
-          <pc:sldMk cId="4294143140" sldId="329"/>
-        </pc:sldMkLst>
-      </pc:sldChg>
     </pc:docChg>
   </pc:docChgLst>
   <pc:docChgLst>
-    <pc:chgData name="Long B Nguyen" userId="f59fb8f3-a021-417a-8bc1-65c8d471c621" providerId="ADAL" clId="{6CD83B71-C243-244B-B302-DE2E82069201}"/>
-  </pc:docChgLst>
-  <pc:docChgLst>
-    <pc:chgData name="Long B Nguyen" userId="f59fb8f3-a021-417a-8bc1-65c8d471c621" providerId="ADAL" clId="{E5BF62A1-4F8A-BC49-8FD7-ABEA3D28ED25}"/>
+    <pc:chgData name="Long B Nguyen" userId="f59fb8f3-a021-417a-8bc1-65c8d471c621" providerId="ADAL" clId="{B5860C40-AA08-4447-A918-2D2782E0FC0B}"/>
+    <pc:docChg chg="delSld modSld">
+      <pc:chgData name="Long B Nguyen" userId="f59fb8f3-a021-417a-8bc1-65c8d471c621" providerId="ADAL" clId="{B5860C40-AA08-4447-A918-2D2782E0FC0B}" dt="2019-09-16T13:59:20.091" v="35" actId="2696"/>
+      <pc:docMkLst>
+        <pc:docMk/>
+      </pc:docMkLst>
+      <pc:sldChg chg="modSp">
+        <pc:chgData name="Long B Nguyen" userId="f59fb8f3-a021-417a-8bc1-65c8d471c621" providerId="ADAL" clId="{B5860C40-AA08-4447-A918-2D2782E0FC0B}" dt="2019-09-16T13:58:36.640" v="18" actId="20577"/>
+        <pc:sldMkLst>
+          <pc:docMk/>
+          <pc:sldMk cId="4247104139" sldId="256"/>
+        </pc:sldMkLst>
+        <pc:spChg chg="mod">
+          <ac:chgData name="Long B Nguyen" userId="f59fb8f3-a021-417a-8bc1-65c8d471c621" providerId="ADAL" clId="{B5860C40-AA08-4447-A918-2D2782E0FC0B}" dt="2019-09-16T13:58:36.640" v="18" actId="20577"/>
+          <ac:spMkLst>
+            <pc:docMk/>
+            <pc:sldMk cId="4247104139" sldId="256"/>
+            <ac:spMk id="3" creationId="{1BDC47C8-6776-7B44-9CD4-95FC91452D62}"/>
+          </ac:spMkLst>
+        </pc:spChg>
+      </pc:sldChg>
+    </pc:docChg>
   </pc:docChgLst>
 </pc:chgInfo>
 </file>
@@ -1967,7 +2164,7 @@
           <a:p>
             <a:fld id="{6EDD99D2-A624-5E4F-A4E3-584054837B5A}" type="datetimeFigureOut">
               <a:rPr lang="en-US" smtClean="0"/>
-              <a:t>2/10/20</a:t>
+              <a:t>3/2/23</a:t>
             </a:fld>
             <a:endParaRPr lang="en-US"/>
           </a:p>
@@ -2468,7 +2665,7 @@
     </p:spTree>
     <p:extLst>
       <p:ext uri="{BB962C8B-B14F-4D97-AF65-F5344CB8AC3E}">
-        <p14:creationId xmlns:p14="http://schemas.microsoft.com/office/powerpoint/2010/main" val="2286975882"/>
+        <p14:creationId xmlns:p14="http://schemas.microsoft.com/office/powerpoint/2010/main" val="783207192"/>
       </p:ext>
     </p:extLst>
   </p:cSld>
@@ -2590,7 +2787,7 @@
     </p:spTree>
     <p:extLst>
       <p:ext uri="{BB962C8B-B14F-4D97-AF65-F5344CB8AC3E}">
-        <p14:creationId xmlns:p14="http://schemas.microsoft.com/office/powerpoint/2010/main" val="2307028642"/>
+        <p14:creationId xmlns:p14="http://schemas.microsoft.com/office/powerpoint/2010/main" val="1275453411"/>
       </p:ext>
     </p:extLst>
   </p:cSld>
@@ -2712,7 +2909,7 @@
     </p:spTree>
     <p:extLst>
       <p:ext uri="{BB962C8B-B14F-4D97-AF65-F5344CB8AC3E}">
-        <p14:creationId xmlns:p14="http://schemas.microsoft.com/office/powerpoint/2010/main" val="1181462425"/>
+        <p14:creationId xmlns:p14="http://schemas.microsoft.com/office/powerpoint/2010/main" val="2493600899"/>
       </p:ext>
     </p:extLst>
   </p:cSld>
@@ -2853,7 +3050,7 @@
           <a:p>
             <a:fld id="{4AAD347D-5ACD-4C99-B74B-A9C85AD731AF}" type="datetimeFigureOut">
               <a:rPr lang="en-US" smtClean="0"/>
-              <a:t>2/10/20</a:t>
+              <a:t>3/2/23</a:t>
             </a:fld>
             <a:endParaRPr lang="en-US" dirty="0"/>
           </a:p>
@@ -3023,7 +3220,7 @@
           <a:p>
             <a:fld id="{4509A250-FF31-4206-8172-F9D3106AACB1}" type="datetimeFigureOut">
               <a:rPr lang="en-US" smtClean="0"/>
-              <a:t>2/10/20</a:t>
+              <a:t>3/2/23</a:t>
             </a:fld>
             <a:endParaRPr lang="en-US" dirty="0"/>
           </a:p>
@@ -3203,7 +3400,7 @@
           <a:p>
             <a:fld id="{4509A250-FF31-4206-8172-F9D3106AACB1}" type="datetimeFigureOut">
               <a:rPr lang="en-US" smtClean="0"/>
-              <a:t>2/10/20</a:t>
+              <a:t>3/2/23</a:t>
             </a:fld>
             <a:endParaRPr lang="en-US" dirty="0"/>
           </a:p>
@@ -3408,7 +3605,7 @@
           <a:p>
             <a:fld id="{48A87A34-81AB-432B-8DAE-1953F412C126}" type="datetimeFigureOut">
               <a:rPr lang="en-US" smtClean="0"/>
-              <a:t>2/10/20</a:t>
+              <a:t>3/2/23</a:t>
             </a:fld>
             <a:endParaRPr lang="en-US" dirty="0"/>
           </a:p>
@@ -3578,7 +3775,7 @@
           <a:p>
             <a:fld id="{4509A250-FF31-4206-8172-F9D3106AACB1}" type="datetimeFigureOut">
               <a:rPr lang="en-US" smtClean="0"/>
-              <a:t>2/10/20</a:t>
+              <a:t>3/2/23</a:t>
             </a:fld>
             <a:endParaRPr lang="en-US" dirty="0"/>
           </a:p>
@@ -3824,7 +4021,7 @@
           <a:p>
             <a:fld id="{9796027F-7875-4030-9381-8BD8C4F21935}" type="datetimeFigureOut">
               <a:rPr lang="en-US" smtClean="0"/>
-              <a:t>2/10/20</a:t>
+              <a:t>3/2/23</a:t>
             </a:fld>
             <a:endParaRPr lang="en-US" dirty="0"/>
           </a:p>
@@ -4056,7 +4253,7 @@
           <a:p>
             <a:fld id="{9796027F-7875-4030-9381-8BD8C4F21935}" type="datetimeFigureOut">
               <a:rPr lang="en-US" smtClean="0"/>
-              <a:t>2/10/20</a:t>
+              <a:t>3/2/23</a:t>
             </a:fld>
             <a:endParaRPr lang="en-US" dirty="0"/>
           </a:p>
@@ -4423,7 +4620,7 @@
           <a:p>
             <a:fld id="{9796027F-7875-4030-9381-8BD8C4F21935}" type="datetimeFigureOut">
               <a:rPr lang="en-US" smtClean="0"/>
-              <a:t>2/10/20</a:t>
+              <a:t>3/2/23</a:t>
             </a:fld>
             <a:endParaRPr lang="en-US" dirty="0"/>
           </a:p>
@@ -4541,7 +4738,7 @@
           <a:p>
             <a:fld id="{4509A250-FF31-4206-8172-F9D3106AACB1}" type="datetimeFigureOut">
               <a:rPr lang="en-US" smtClean="0"/>
-              <a:t>2/10/20</a:t>
+              <a:t>3/2/23</a:t>
             </a:fld>
             <a:endParaRPr lang="en-US" dirty="0"/>
           </a:p>
@@ -4636,7 +4833,7 @@
           <a:p>
             <a:fld id="{4509A250-FF31-4206-8172-F9D3106AACB1}" type="datetimeFigureOut">
               <a:rPr lang="en-US" smtClean="0"/>
-              <a:t>2/10/20</a:t>
+              <a:t>3/2/23</a:t>
             </a:fld>
             <a:endParaRPr lang="en-US" dirty="0"/>
           </a:p>
@@ -4913,7 +5110,7 @@
           <a:p>
             <a:fld id="{4509A250-FF31-4206-8172-F9D3106AACB1}" type="datetimeFigureOut">
               <a:rPr lang="en-US" smtClean="0"/>
-              <a:t>2/10/20</a:t>
+              <a:t>3/2/23</a:t>
             </a:fld>
             <a:endParaRPr lang="en-US" dirty="0"/>
           </a:p>
@@ -5170,7 +5367,7 @@
           <a:p>
             <a:fld id="{4509A250-FF31-4206-8172-F9D3106AACB1}" type="datetimeFigureOut">
               <a:rPr lang="en-US" smtClean="0"/>
-              <a:t>2/10/20</a:t>
+              <a:t>3/2/23</a:t>
             </a:fld>
             <a:endParaRPr lang="en-US" dirty="0"/>
           </a:p>
@@ -5383,7 +5580,7 @@
           <a:p>
             <a:fld id="{4AAD347D-5ACD-4C99-B74B-A9C85AD731AF}" type="datetimeFigureOut">
               <a:rPr lang="en-US" smtClean="0"/>
-              <a:t>2/10/20</a:t>
+              <a:t>3/2/23</a:t>
             </a:fld>
             <a:endParaRPr lang="en-US" dirty="0"/>
           </a:p>
@@ -5957,27 +6154,27 @@
           <a:lstStyle/>
           <a:p>
             <a:r>
-              <a:rPr lang="en-US" dirty="0">
+              <a:rPr lang="en-US" sz="3000" dirty="0">
                 <a:solidFill>
                   <a:srgbClr val="FFFFFF"/>
                 </a:solidFill>
               </a:rPr>
-              <a:t>Why You Should Take </a:t>
+              <a:t>AP Computer Science A</a:t>
             </a:r>
             <a:br>
-              <a:rPr lang="en-US" dirty="0">
+              <a:rPr lang="en-US" sz="3000" dirty="0">
                 <a:solidFill>
                   <a:srgbClr val="FFFFFF"/>
                 </a:solidFill>
               </a:rPr>
             </a:br>
             <a:r>
-              <a:rPr lang="en-US" dirty="0">
+              <a:rPr lang="en-US" sz="3000" dirty="0">
                 <a:solidFill>
                   <a:srgbClr val="FFFFFF"/>
                 </a:solidFill>
               </a:rPr>
-              <a:t>APCS Principles</a:t>
+              <a:t>AP Computer Science Principles</a:t>
             </a:r>
           </a:p>
         </p:txBody>
@@ -6236,40 +6433,6 @@
       </p:grpSpPr>
       <p:sp>
         <p:nvSpPr>
-          <p:cNvPr id="2" name="Title 1">
-            <a:extLst>
-              <a:ext uri="{FF2B5EF4-FFF2-40B4-BE49-F238E27FC236}">
-                <a16:creationId xmlns:a16="http://schemas.microsoft.com/office/drawing/2014/main" id="{EDE419EF-0E46-9E4D-8C75-4293CAE61F27}"/>
-              </a:ext>
-            </a:extLst>
-          </p:cNvPr>
-          <p:cNvSpPr>
-            <a:spLocks noGrp="1"/>
-          </p:cNvSpPr>
-          <p:nvPr>
-            <p:ph type="title"/>
-          </p:nvPr>
-        </p:nvSpPr>
-        <p:spPr>
-          <a:xfrm>
-            <a:off x="624264" y="426416"/>
-            <a:ext cx="7922594" cy="669139"/>
-          </a:xfrm>
-        </p:spPr>
-        <p:txBody>
-          <a:bodyPr/>
-          <a:lstStyle/>
-          <a:p>
-            <a:pPr algn="l"/>
-            <a:r>
-              <a:rPr lang="en-US" cap="none" dirty="0"/>
-              <a:t>APCS Principles</a:t>
-            </a:r>
-          </a:p>
-        </p:txBody>
-      </p:sp>
-      <p:sp>
-        <p:nvSpPr>
           <p:cNvPr id="4" name="Content Placeholder 3">
             <a:extLst>
               <a:ext uri="{FF2B5EF4-FFF2-40B4-BE49-F238E27FC236}">
@@ -6300,120 +6463,97 @@
               <a:buNone/>
             </a:pPr>
             <a:r>
-              <a:rPr lang="en-US" sz="2200" dirty="0"/>
-              <a:t>Why you should take APCSP:</a:t>
-            </a:r>
-          </a:p>
-          <a:p>
-            <a:pPr marL="457200" indent="-457200">
-              <a:buAutoNum type="arabicParenR"/>
-            </a:pPr>
-            <a:r>
-              <a:rPr lang="en-US" sz="2200" dirty="0"/>
-              <a:t>Easy A</a:t>
-            </a:r>
-          </a:p>
-          <a:p>
-            <a:pPr marL="457200" indent="-457200">
-              <a:buAutoNum type="arabicParenR"/>
-            </a:pPr>
-            <a:r>
-              <a:rPr lang="en-US" sz="2200" dirty="0"/>
-              <a:t>Easy AP (average last year was 4.2)</a:t>
-            </a:r>
-          </a:p>
-          <a:p>
-            <a:pPr marL="457200" indent="-457200">
-              <a:buAutoNum type="arabicParenR"/>
-            </a:pPr>
+              <a:rPr lang="en-US" sz="2400" b="1" dirty="0"/>
+              <a:t>AP Computer Science Principles</a:t>
+            </a:r>
+          </a:p>
+          <a:p>
             <a:r>
               <a:rPr lang="en-US" dirty="0"/>
-              <a:t>In October, a breakdown by IEEE Spectrum named </a:t>
-            </a:r>
-            <a:r>
-              <a:rPr lang="en-US" b="1" dirty="0"/>
-              <a:t>Python</a:t>
-            </a:r>
+              <a:t>accessible for students from all backgrounds </a:t>
+            </a:r>
+          </a:p>
+          <a:p>
             <a:r>
               <a:rPr lang="en-US" dirty="0"/>
-              <a:t> as the top </a:t>
-            </a:r>
-            <a:r>
-              <a:rPr lang="en-US" b="1" dirty="0"/>
-              <a:t>language</a:t>
-            </a:r>
+              <a:t>Uses Python as programming language. Python is friendly and easy to learn. Python is very popular, particularly in machine learning, artificial intelligence. </a:t>
+            </a:r>
+          </a:p>
+          <a:p>
             <a:r>
               <a:rPr lang="en-US" dirty="0"/>
-              <a:t> that employers wanted their employees to master, followed by Java, C, and C++. Plus, a 2019 JetBrains survey found that </a:t>
-            </a:r>
-            <a:r>
-              <a:rPr lang="en-US" b="1" dirty="0"/>
-              <a:t>Python</a:t>
-            </a:r>
+              <a:t>covers programming(60%) and other CS topics including:</a:t>
+            </a:r>
+          </a:p>
+          <a:p>
+            <a:pPr lvl="1"/>
             <a:r>
               <a:rPr lang="en-US" dirty="0"/>
-              <a:t> was </a:t>
-            </a:r>
-            <a:r>
-              <a:rPr lang="en-US" b="1" dirty="0"/>
-              <a:t>most</a:t>
-            </a:r>
+              <a:t>networking</a:t>
+            </a:r>
+          </a:p>
+          <a:p>
+            <a:pPr lvl="1"/>
             <a:r>
               <a:rPr lang="en-US" dirty="0"/>
-              <a:t>-studied among developers.</a:t>
-            </a:r>
-          </a:p>
-          <a:p>
-            <a:pPr marL="457200" indent="-457200">
-              <a:buFont typeface="Arial" panose="020B0604020202020204" pitchFamily="34" charset="0"/>
-              <a:buAutoNum type="arabicParenR"/>
-            </a:pPr>
+              <a:t>cybersecurity</a:t>
+            </a:r>
+          </a:p>
+          <a:p>
+            <a:pPr lvl="1"/>
             <a:r>
               <a:rPr lang="en-US" dirty="0"/>
-              <a:t>The PYPL </a:t>
-            </a:r>
-            <a:r>
-              <a:rPr lang="en-US" dirty="0" err="1"/>
-              <a:t>PopularitY</a:t>
-            </a:r>
+              <a:t>cryptography</a:t>
+            </a:r>
+          </a:p>
+          <a:p>
+            <a:pPr lvl="1"/>
             <a:r>
               <a:rPr lang="en-US" dirty="0"/>
-              <a:t> of Programming Language Index is created by analyzing how often language tutorials are searched on Google. Python is first 30%, Java 19%, </a:t>
-            </a:r>
-            <a:r>
-              <a:rPr lang="en-US" dirty="0" err="1"/>
-              <a:t>Javascript</a:t>
-            </a:r>
+              <a:t>data representations</a:t>
+            </a:r>
+          </a:p>
+          <a:p>
+            <a:pPr lvl="1"/>
             <a:r>
               <a:rPr lang="en-US" dirty="0"/>
-              <a:t> 8%...</a:t>
-            </a:r>
-          </a:p>
-          <a:p>
-            <a:pPr marL="457200" indent="-457200">
-              <a:buFont typeface="Arial" panose="020B0604020202020204" pitchFamily="34" charset="0"/>
-              <a:buAutoNum type="arabicParenR"/>
-            </a:pPr>
+              <a:t>data analysis</a:t>
+            </a:r>
+          </a:p>
+          <a:p>
+            <a:pPr lvl="1"/>
+            <a:r>
+              <a:rPr lang="en-US" dirty="0"/>
+              <a:t>machine learning.</a:t>
+            </a:r>
+          </a:p>
+          <a:p>
             <a:endParaRPr lang="en-US" dirty="0"/>
           </a:p>
-          <a:p>
-            <a:pPr marL="457200" indent="-457200">
-              <a:buFont typeface="Arial" panose="020B0604020202020204" pitchFamily="34" charset="0"/>
-              <a:buAutoNum type="arabicParenR"/>
-            </a:pPr>
-            <a:endParaRPr lang="en-US" dirty="0"/>
-          </a:p>
-          <a:p>
-            <a:pPr marL="457200" indent="-457200">
-              <a:buAutoNum type="arabicParenR"/>
-            </a:pPr>
-            <a:endParaRPr lang="en-US" sz="2200" dirty="0"/>
-          </a:p>
-          <a:p>
-            <a:pPr marL="457200" indent="-457200">
-              <a:buAutoNum type="arabicParenR"/>
-            </a:pPr>
-            <a:endParaRPr lang="en-US" sz="2200" dirty="0"/>
+        </p:txBody>
+      </p:sp>
+      <p:sp>
+        <p:nvSpPr>
+          <p:cNvPr id="5" name="Title 4">
+            <a:extLst>
+              <a:ext uri="{FF2B5EF4-FFF2-40B4-BE49-F238E27FC236}">
+                <a16:creationId xmlns:a16="http://schemas.microsoft.com/office/drawing/2014/main" id="{95D2EC53-9098-D915-EF83-5D2E8D55D682}"/>
+              </a:ext>
+            </a:extLst>
+          </p:cNvPr>
+          <p:cNvSpPr>
+            <a:spLocks noGrp="1"/>
+          </p:cNvSpPr>
+          <p:nvPr>
+            <p:ph type="title"/>
+          </p:nvPr>
+        </p:nvSpPr>
+        <p:spPr/>
+        <p:txBody>
+          <a:bodyPr/>
+          <a:lstStyle/>
+          <a:p>
+            <a:endParaRPr lang="en-US"/>
           </a:p>
         </p:txBody>
       </p:sp>
@@ -6463,7 +6603,7 @@
                                         <p:tgtEl>
                                           <p:spTgt spid="4">
                                             <p:txEl>
-                                              <p:pRg st="1" end="1"/>
+                                              <p:pRg st="2" end="2"/>
                                             </p:txEl>
                                           </p:spTgt>
                                         </p:tgtEl>
@@ -6512,7 +6652,7 @@
                                         <p:tgtEl>
                                           <p:spTgt spid="4">
                                             <p:txEl>
-                                              <p:pRg st="2" end="2"/>
+                                              <p:pRg st="3" end="3"/>
                                             </p:txEl>
                                           </p:spTgt>
                                         </p:tgtEl>
@@ -6561,7 +6701,7 @@
                                         <p:tgtEl>
                                           <p:spTgt spid="4">
                                             <p:txEl>
-                                              <p:pRg st="3" end="3"/>
+                                              <p:pRg st="4" end="4"/>
                                             </p:txEl>
                                           </p:spTgt>
                                         </p:tgtEl>
@@ -6610,7 +6750,203 @@
                                         <p:tgtEl>
                                           <p:spTgt spid="4">
                                             <p:txEl>
-                                              <p:pRg st="4" end="4"/>
+                                              <p:pRg st="5" end="5"/>
+                                            </p:txEl>
+                                          </p:spTgt>
+                                        </p:tgtEl>
+                                        <p:attrNameLst>
+                                          <p:attrName>style.visibility</p:attrName>
+                                        </p:attrNameLst>
+                                      </p:cBhvr>
+                                      <p:to>
+                                        <p:strVal val="visible"/>
+                                      </p:to>
+                                    </p:set>
+                                  </p:childTnLst>
+                                </p:cTn>
+                              </p:par>
+                            </p:childTnLst>
+                          </p:cTn>
+                        </p:par>
+                      </p:childTnLst>
+                    </p:cTn>
+                  </p:par>
+                  <p:par>
+                    <p:cTn id="19" fill="hold">
+                      <p:stCondLst>
+                        <p:cond delay="indefinite"/>
+                      </p:stCondLst>
+                      <p:childTnLst>
+                        <p:par>
+                          <p:cTn id="20" fill="hold">
+                            <p:stCondLst>
+                              <p:cond delay="0"/>
+                            </p:stCondLst>
+                            <p:childTnLst>
+                              <p:par>
+                                <p:cTn id="21" presetID="1" presetClass="entr" presetSubtype="0" fill="hold" nodeType="clickEffect">
+                                  <p:stCondLst>
+                                    <p:cond delay="0"/>
+                                  </p:stCondLst>
+                                  <p:childTnLst>
+                                    <p:set>
+                                      <p:cBhvr>
+                                        <p:cTn id="22" dur="1" fill="hold">
+                                          <p:stCondLst>
+                                            <p:cond delay="0"/>
+                                          </p:stCondLst>
+                                        </p:cTn>
+                                        <p:tgtEl>
+                                          <p:spTgt spid="4">
+                                            <p:txEl>
+                                              <p:pRg st="6" end="6"/>
+                                            </p:txEl>
+                                          </p:spTgt>
+                                        </p:tgtEl>
+                                        <p:attrNameLst>
+                                          <p:attrName>style.visibility</p:attrName>
+                                        </p:attrNameLst>
+                                      </p:cBhvr>
+                                      <p:to>
+                                        <p:strVal val="visible"/>
+                                      </p:to>
+                                    </p:set>
+                                  </p:childTnLst>
+                                </p:cTn>
+                              </p:par>
+                            </p:childTnLst>
+                          </p:cTn>
+                        </p:par>
+                      </p:childTnLst>
+                    </p:cTn>
+                  </p:par>
+                  <p:par>
+                    <p:cTn id="23" fill="hold">
+                      <p:stCondLst>
+                        <p:cond delay="indefinite"/>
+                      </p:stCondLst>
+                      <p:childTnLst>
+                        <p:par>
+                          <p:cTn id="24" fill="hold">
+                            <p:stCondLst>
+                              <p:cond delay="0"/>
+                            </p:stCondLst>
+                            <p:childTnLst>
+                              <p:par>
+                                <p:cTn id="25" presetID="1" presetClass="entr" presetSubtype="0" fill="hold" nodeType="clickEffect">
+                                  <p:stCondLst>
+                                    <p:cond delay="0"/>
+                                  </p:stCondLst>
+                                  <p:childTnLst>
+                                    <p:set>
+                                      <p:cBhvr>
+                                        <p:cTn id="26" dur="1" fill="hold">
+                                          <p:stCondLst>
+                                            <p:cond delay="0"/>
+                                          </p:stCondLst>
+                                        </p:cTn>
+                                        <p:tgtEl>
+                                          <p:spTgt spid="4">
+                                            <p:txEl>
+                                              <p:pRg st="7" end="7"/>
+                                            </p:txEl>
+                                          </p:spTgt>
+                                        </p:tgtEl>
+                                        <p:attrNameLst>
+                                          <p:attrName>style.visibility</p:attrName>
+                                        </p:attrNameLst>
+                                      </p:cBhvr>
+                                      <p:to>
+                                        <p:strVal val="visible"/>
+                                      </p:to>
+                                    </p:set>
+                                  </p:childTnLst>
+                                </p:cTn>
+                              </p:par>
+                            </p:childTnLst>
+                          </p:cTn>
+                        </p:par>
+                      </p:childTnLst>
+                    </p:cTn>
+                  </p:par>
+                  <p:par>
+                    <p:cTn id="27" fill="hold">
+                      <p:stCondLst>
+                        <p:cond delay="indefinite"/>
+                      </p:stCondLst>
+                      <p:childTnLst>
+                        <p:par>
+                          <p:cTn id="28" fill="hold">
+                            <p:stCondLst>
+                              <p:cond delay="0"/>
+                            </p:stCondLst>
+                            <p:childTnLst>
+                              <p:par>
+                                <p:cTn id="29" presetID="1" presetClass="entr" presetSubtype="0" fill="hold" nodeType="clickEffect">
+                                  <p:stCondLst>
+                                    <p:cond delay="0"/>
+                                  </p:stCondLst>
+                                  <p:childTnLst>
+                                    <p:set>
+                                      <p:cBhvr>
+                                        <p:cTn id="30" dur="1" fill="hold">
+                                          <p:stCondLst>
+                                            <p:cond delay="0"/>
+                                          </p:stCondLst>
+                                        </p:cTn>
+                                        <p:tgtEl>
+                                          <p:spTgt spid="4">
+                                            <p:txEl>
+                                              <p:pRg st="8" end="8"/>
+                                            </p:txEl>
+                                          </p:spTgt>
+                                        </p:tgtEl>
+                                        <p:attrNameLst>
+                                          <p:attrName>style.visibility</p:attrName>
+                                        </p:attrNameLst>
+                                      </p:cBhvr>
+                                      <p:to>
+                                        <p:strVal val="visible"/>
+                                      </p:to>
+                                    </p:set>
+                                  </p:childTnLst>
+                                </p:cTn>
+                              </p:par>
+                            </p:childTnLst>
+                          </p:cTn>
+                        </p:par>
+                      </p:childTnLst>
+                    </p:cTn>
+                  </p:par>
+                  <p:par>
+                    <p:cTn id="31" fill="hold">
+                      <p:stCondLst>
+                        <p:cond delay="indefinite"/>
+                      </p:stCondLst>
+                      <p:childTnLst>
+                        <p:par>
+                          <p:cTn id="32" fill="hold">
+                            <p:stCondLst>
+                              <p:cond delay="0"/>
+                            </p:stCondLst>
+                            <p:childTnLst>
+                              <p:par>
+                                <p:cTn id="33" presetID="1" presetClass="entr" presetSubtype="0" fill="hold" nodeType="clickEffect">
+                                  <p:stCondLst>
+                                    <p:cond delay="0"/>
+                                  </p:stCondLst>
+                                  <p:childTnLst>
+                                    <p:set>
+                                      <p:cBhvr>
+                                        <p:cTn id="34" dur="1" fill="hold">
+                                          <p:stCondLst>
+                                            <p:cond delay="0"/>
+                                          </p:stCondLst>
+                                        </p:cTn>
+                                        <p:tgtEl>
+                                          <p:spTgt spid="4">
+                                            <p:txEl>
+                                              <p:pRg st="9" end="9"/>
                                             </p:txEl>
                                           </p:spTgt>
                                         </p:tgtEl>
@@ -6691,7 +7027,7 @@
         </p:nvSpPr>
         <p:spPr>
           <a:xfrm>
-            <a:off x="624264" y="426416"/>
+            <a:off x="444137" y="176349"/>
             <a:ext cx="7922594" cy="669139"/>
           </a:xfrm>
         </p:spPr>
@@ -6701,12 +7037,1357 @@
           <a:p>
             <a:pPr algn="l"/>
             <a:r>
-              <a:rPr lang="en-US" cap="none" dirty="0"/>
-              <a:t>The curriculum</a:t>
-            </a:r>
+              <a:rPr lang="en-US" dirty="0"/>
+              <a:t>APCSP PRINCIPLES</a:t>
+            </a:r>
+            <a:endParaRPr lang="en-US" cap="none" dirty="0"/>
           </a:p>
         </p:txBody>
       </p:sp>
+      <p:sp>
+        <p:nvSpPr>
+          <p:cNvPr id="4" name="Content Placeholder 3">
+            <a:extLst>
+              <a:ext uri="{FF2B5EF4-FFF2-40B4-BE49-F238E27FC236}">
+                <a16:creationId xmlns:a16="http://schemas.microsoft.com/office/drawing/2014/main" id="{864D3036-8B0F-5C44-90AB-7558ABA4CDEC}"/>
+              </a:ext>
+            </a:extLst>
+          </p:cNvPr>
+          <p:cNvSpPr>
+            <a:spLocks noGrp="1"/>
+          </p:cNvSpPr>
+          <p:nvPr>
+            <p:ph sz="quarter" idx="13"/>
+          </p:nvPr>
+        </p:nvSpPr>
+        <p:spPr>
+          <a:xfrm>
+            <a:off x="257976" y="725684"/>
+            <a:ext cx="8886023" cy="4989315"/>
+          </a:xfrm>
+        </p:spPr>
+        <p:txBody>
+          <a:bodyPr>
+            <a:noAutofit/>
+          </a:bodyPr>
+          <a:lstStyle/>
+          <a:p>
+            <a:pPr marL="0" indent="0">
+              <a:buNone/>
+            </a:pPr>
+            <a:r>
+              <a:rPr lang="en-US" sz="2000" dirty="0"/>
+              <a:t>Some interesting Python topics/projects from APCSP:</a:t>
+            </a:r>
+            <a:endParaRPr lang="en-US" sz="1700" dirty="0"/>
+          </a:p>
+          <a:p>
+            <a:pPr lvl="1"/>
+            <a:r>
+              <a:rPr lang="en-US" sz="2000" dirty="0"/>
+              <a:t>Basic animation and writing basic games</a:t>
+            </a:r>
+          </a:p>
+          <a:p>
+            <a:pPr lvl="1"/>
+            <a:r>
+              <a:rPr lang="en-US" sz="2000" dirty="0"/>
+              <a:t>Text processing: Word count analysis of the Entire works of Shakespeare. </a:t>
+            </a:r>
+          </a:p>
+          <a:p>
+            <a:pPr lvl="1"/>
+            <a:r>
+              <a:rPr lang="en-US" sz="2000" dirty="0"/>
+              <a:t>Image Processing: </a:t>
+            </a:r>
+          </a:p>
+          <a:p>
+            <a:pPr lvl="2"/>
+            <a:r>
+              <a:rPr lang="en-US" sz="1800" dirty="0"/>
+              <a:t>generate own images from scratch using 3D matrices</a:t>
+            </a:r>
+          </a:p>
+          <a:p>
+            <a:pPr lvl="2"/>
+            <a:r>
+              <a:rPr lang="en-US" sz="1800" dirty="0"/>
+              <a:t>programmatically extract red, green components out of JPEG and PNG images</a:t>
+            </a:r>
+          </a:p>
+          <a:p>
+            <a:pPr lvl="2"/>
+            <a:r>
+              <a:rPr lang="en-US" sz="1800" dirty="0"/>
+              <a:t>apply basic filters: tint, shade and RGB to black/white.</a:t>
+            </a:r>
+          </a:p>
+          <a:p>
+            <a:pPr lvl="1"/>
+            <a:r>
+              <a:rPr lang="en-US" sz="2000" dirty="0"/>
+              <a:t>Digital Audio Processing:</a:t>
+            </a:r>
+          </a:p>
+          <a:p>
+            <a:pPr lvl="2"/>
+            <a:r>
+              <a:rPr lang="en-US" sz="1800" dirty="0"/>
+              <a:t> Analyze frequency content of audio, e.g., given a piano audio file, programmatically and mathematically determine the chord. </a:t>
+            </a:r>
+          </a:p>
+          <a:p>
+            <a:pPr lvl="2"/>
+            <a:r>
+              <a:rPr lang="en-US" sz="1800" dirty="0"/>
+              <a:t>Filter out background noise from an audio.</a:t>
+            </a:r>
+          </a:p>
+          <a:p>
+            <a:pPr lvl="1"/>
+            <a:r>
+              <a:rPr lang="en-US" sz="2000" dirty="0"/>
+              <a:t>Advanced Image Processing: Use Singular Value Decomposition to compress images. </a:t>
+            </a:r>
+          </a:p>
+          <a:p>
+            <a:pPr lvl="1"/>
+            <a:r>
+              <a:rPr lang="en-US" sz="2000" dirty="0"/>
+              <a:t>Image Recognition: Image recognition has revolutionized the field of artificial intelligence and machine learning.</a:t>
+            </a:r>
+          </a:p>
+          <a:p>
+            <a:pPr lvl="2"/>
+            <a:r>
+              <a:rPr lang="en-US" sz="1700" dirty="0"/>
+              <a:t>We will write a program from scratch(not using any libraries) that can recognize images!</a:t>
+            </a:r>
+          </a:p>
+          <a:p>
+            <a:pPr lvl="1"/>
+            <a:endParaRPr lang="en-US" sz="2000" dirty="0"/>
+          </a:p>
+          <a:p>
+            <a:pPr marL="800100" lvl="1" indent="-457200">
+              <a:buAutoNum type="arabicParenR"/>
+            </a:pPr>
+            <a:endParaRPr lang="en-US" sz="2000" dirty="0"/>
+          </a:p>
+          <a:p>
+            <a:pPr marL="0" indent="0">
+              <a:buNone/>
+            </a:pPr>
+            <a:r>
+              <a:rPr lang="en-US" sz="2000" dirty="0"/>
+              <a:t>  </a:t>
+            </a:r>
+          </a:p>
+          <a:p>
+            <a:pPr marL="457200" indent="-457200">
+              <a:buAutoNum type="arabicParenR"/>
+            </a:pPr>
+            <a:endParaRPr lang="en-US" sz="2000" dirty="0"/>
+          </a:p>
+          <a:p>
+            <a:pPr marL="457200" indent="-457200">
+              <a:buFont typeface="Arial" panose="020B0604020202020204" pitchFamily="34" charset="0"/>
+              <a:buAutoNum type="arabicParenR"/>
+            </a:pPr>
+            <a:endParaRPr lang="en-US" sz="2000" dirty="0"/>
+          </a:p>
+          <a:p>
+            <a:pPr marL="457200" indent="-457200">
+              <a:buAutoNum type="arabicParenR"/>
+            </a:pPr>
+            <a:endParaRPr lang="en-US" sz="2000" dirty="0"/>
+          </a:p>
+          <a:p>
+            <a:pPr marL="457200" indent="-457200">
+              <a:buAutoNum type="arabicParenR"/>
+            </a:pPr>
+            <a:endParaRPr lang="en-US" sz="2000" dirty="0"/>
+          </a:p>
+        </p:txBody>
+      </p:sp>
+    </p:spTree>
+    <p:extLst>
+      <p:ext uri="{BB962C8B-B14F-4D97-AF65-F5344CB8AC3E}">
+        <p14:creationId xmlns:p14="http://schemas.microsoft.com/office/powerpoint/2010/main" val="1801278222"/>
+      </p:ext>
+    </p:extLst>
+  </p:cSld>
+  <p:clrMapOvr>
+    <a:masterClrMapping/>
+  </p:clrMapOvr>
+  <p:timing>
+    <p:tnLst>
+      <p:par>
+        <p:cTn id="1" dur="indefinite" restart="never" nodeType="tmRoot">
+          <p:childTnLst>
+            <p:seq concurrent="1" nextAc="seek">
+              <p:cTn id="2" dur="indefinite" nodeType="mainSeq">
+                <p:childTnLst>
+                  <p:par>
+                    <p:cTn id="3" fill="hold">
+                      <p:stCondLst>
+                        <p:cond delay="indefinite"/>
+                      </p:stCondLst>
+                      <p:childTnLst>
+                        <p:par>
+                          <p:cTn id="4" fill="hold">
+                            <p:stCondLst>
+                              <p:cond delay="0"/>
+                            </p:stCondLst>
+                            <p:childTnLst>
+                              <p:par>
+                                <p:cTn id="5" presetID="1" presetClass="entr" presetSubtype="0" fill="hold" nodeType="clickEffect">
+                                  <p:stCondLst>
+                                    <p:cond delay="0"/>
+                                  </p:stCondLst>
+                                  <p:childTnLst>
+                                    <p:set>
+                                      <p:cBhvr>
+                                        <p:cTn id="6" dur="1" fill="hold">
+                                          <p:stCondLst>
+                                            <p:cond delay="0"/>
+                                          </p:stCondLst>
+                                        </p:cTn>
+                                        <p:tgtEl>
+                                          <p:spTgt spid="4">
+                                            <p:txEl>
+                                              <p:pRg st="0" end="0"/>
+                                            </p:txEl>
+                                          </p:spTgt>
+                                        </p:tgtEl>
+                                        <p:attrNameLst>
+                                          <p:attrName>style.visibility</p:attrName>
+                                        </p:attrNameLst>
+                                      </p:cBhvr>
+                                      <p:to>
+                                        <p:strVal val="visible"/>
+                                      </p:to>
+                                    </p:set>
+                                  </p:childTnLst>
+                                </p:cTn>
+                              </p:par>
+                            </p:childTnLst>
+                          </p:cTn>
+                        </p:par>
+                      </p:childTnLst>
+                    </p:cTn>
+                  </p:par>
+                  <p:par>
+                    <p:cTn id="7" fill="hold">
+                      <p:stCondLst>
+                        <p:cond delay="indefinite"/>
+                      </p:stCondLst>
+                      <p:childTnLst>
+                        <p:par>
+                          <p:cTn id="8" fill="hold">
+                            <p:stCondLst>
+                              <p:cond delay="0"/>
+                            </p:stCondLst>
+                            <p:childTnLst>
+                              <p:par>
+                                <p:cTn id="9" presetID="1" presetClass="entr" presetSubtype="0" fill="hold" nodeType="clickEffect">
+                                  <p:stCondLst>
+                                    <p:cond delay="0"/>
+                                  </p:stCondLst>
+                                  <p:childTnLst>
+                                    <p:set>
+                                      <p:cBhvr>
+                                        <p:cTn id="10" dur="1" fill="hold">
+                                          <p:stCondLst>
+                                            <p:cond delay="0"/>
+                                          </p:stCondLst>
+                                        </p:cTn>
+                                        <p:tgtEl>
+                                          <p:spTgt spid="4">
+                                            <p:txEl>
+                                              <p:pRg st="1" end="1"/>
+                                            </p:txEl>
+                                          </p:spTgt>
+                                        </p:tgtEl>
+                                        <p:attrNameLst>
+                                          <p:attrName>style.visibility</p:attrName>
+                                        </p:attrNameLst>
+                                      </p:cBhvr>
+                                      <p:to>
+                                        <p:strVal val="visible"/>
+                                      </p:to>
+                                    </p:set>
+                                  </p:childTnLst>
+                                </p:cTn>
+                              </p:par>
+                            </p:childTnLst>
+                          </p:cTn>
+                        </p:par>
+                      </p:childTnLst>
+                    </p:cTn>
+                  </p:par>
+                  <p:par>
+                    <p:cTn id="11" fill="hold">
+                      <p:stCondLst>
+                        <p:cond delay="indefinite"/>
+                      </p:stCondLst>
+                      <p:childTnLst>
+                        <p:par>
+                          <p:cTn id="12" fill="hold">
+                            <p:stCondLst>
+                              <p:cond delay="0"/>
+                            </p:stCondLst>
+                            <p:childTnLst>
+                              <p:par>
+                                <p:cTn id="13" presetID="1" presetClass="entr" presetSubtype="0" fill="hold" nodeType="clickEffect">
+                                  <p:stCondLst>
+                                    <p:cond delay="0"/>
+                                  </p:stCondLst>
+                                  <p:childTnLst>
+                                    <p:set>
+                                      <p:cBhvr>
+                                        <p:cTn id="14" dur="1" fill="hold">
+                                          <p:stCondLst>
+                                            <p:cond delay="0"/>
+                                          </p:stCondLst>
+                                        </p:cTn>
+                                        <p:tgtEl>
+                                          <p:spTgt spid="4">
+                                            <p:txEl>
+                                              <p:pRg st="2" end="2"/>
+                                            </p:txEl>
+                                          </p:spTgt>
+                                        </p:tgtEl>
+                                        <p:attrNameLst>
+                                          <p:attrName>style.visibility</p:attrName>
+                                        </p:attrNameLst>
+                                      </p:cBhvr>
+                                      <p:to>
+                                        <p:strVal val="visible"/>
+                                      </p:to>
+                                    </p:set>
+                                  </p:childTnLst>
+                                </p:cTn>
+                              </p:par>
+                            </p:childTnLst>
+                          </p:cTn>
+                        </p:par>
+                      </p:childTnLst>
+                    </p:cTn>
+                  </p:par>
+                  <p:par>
+                    <p:cTn id="15" fill="hold">
+                      <p:stCondLst>
+                        <p:cond delay="indefinite"/>
+                      </p:stCondLst>
+                      <p:childTnLst>
+                        <p:par>
+                          <p:cTn id="16" fill="hold">
+                            <p:stCondLst>
+                              <p:cond delay="0"/>
+                            </p:stCondLst>
+                            <p:childTnLst>
+                              <p:par>
+                                <p:cTn id="17" presetID="1" presetClass="entr" presetSubtype="0" fill="hold" nodeType="clickEffect">
+                                  <p:stCondLst>
+                                    <p:cond delay="0"/>
+                                  </p:stCondLst>
+                                  <p:childTnLst>
+                                    <p:set>
+                                      <p:cBhvr>
+                                        <p:cTn id="18" dur="1" fill="hold">
+                                          <p:stCondLst>
+                                            <p:cond delay="0"/>
+                                          </p:stCondLst>
+                                        </p:cTn>
+                                        <p:tgtEl>
+                                          <p:spTgt spid="4">
+                                            <p:txEl>
+                                              <p:pRg st="3" end="3"/>
+                                            </p:txEl>
+                                          </p:spTgt>
+                                        </p:tgtEl>
+                                        <p:attrNameLst>
+                                          <p:attrName>style.visibility</p:attrName>
+                                        </p:attrNameLst>
+                                      </p:cBhvr>
+                                      <p:to>
+                                        <p:strVal val="visible"/>
+                                      </p:to>
+                                    </p:set>
+                                  </p:childTnLst>
+                                </p:cTn>
+                              </p:par>
+                            </p:childTnLst>
+                          </p:cTn>
+                        </p:par>
+                      </p:childTnLst>
+                    </p:cTn>
+                  </p:par>
+                  <p:par>
+                    <p:cTn id="19" fill="hold">
+                      <p:stCondLst>
+                        <p:cond delay="indefinite"/>
+                      </p:stCondLst>
+                      <p:childTnLst>
+                        <p:par>
+                          <p:cTn id="20" fill="hold">
+                            <p:stCondLst>
+                              <p:cond delay="0"/>
+                            </p:stCondLst>
+                            <p:childTnLst>
+                              <p:par>
+                                <p:cTn id="21" presetID="1" presetClass="entr" presetSubtype="0" fill="hold" nodeType="clickEffect">
+                                  <p:stCondLst>
+                                    <p:cond delay="0"/>
+                                  </p:stCondLst>
+                                  <p:childTnLst>
+                                    <p:set>
+                                      <p:cBhvr>
+                                        <p:cTn id="22" dur="1" fill="hold">
+                                          <p:stCondLst>
+                                            <p:cond delay="0"/>
+                                          </p:stCondLst>
+                                        </p:cTn>
+                                        <p:tgtEl>
+                                          <p:spTgt spid="4">
+                                            <p:txEl>
+                                              <p:pRg st="4" end="4"/>
+                                            </p:txEl>
+                                          </p:spTgt>
+                                        </p:tgtEl>
+                                        <p:attrNameLst>
+                                          <p:attrName>style.visibility</p:attrName>
+                                        </p:attrNameLst>
+                                      </p:cBhvr>
+                                      <p:to>
+                                        <p:strVal val="visible"/>
+                                      </p:to>
+                                    </p:set>
+                                  </p:childTnLst>
+                                </p:cTn>
+                              </p:par>
+                            </p:childTnLst>
+                          </p:cTn>
+                        </p:par>
+                      </p:childTnLst>
+                    </p:cTn>
+                  </p:par>
+                  <p:par>
+                    <p:cTn id="23" fill="hold">
+                      <p:stCondLst>
+                        <p:cond delay="indefinite"/>
+                      </p:stCondLst>
+                      <p:childTnLst>
+                        <p:par>
+                          <p:cTn id="24" fill="hold">
+                            <p:stCondLst>
+                              <p:cond delay="0"/>
+                            </p:stCondLst>
+                            <p:childTnLst>
+                              <p:par>
+                                <p:cTn id="25" presetID="1" presetClass="entr" presetSubtype="0" fill="hold" nodeType="clickEffect">
+                                  <p:stCondLst>
+                                    <p:cond delay="0"/>
+                                  </p:stCondLst>
+                                  <p:childTnLst>
+                                    <p:set>
+                                      <p:cBhvr>
+                                        <p:cTn id="26" dur="1" fill="hold">
+                                          <p:stCondLst>
+                                            <p:cond delay="0"/>
+                                          </p:stCondLst>
+                                        </p:cTn>
+                                        <p:tgtEl>
+                                          <p:spTgt spid="4">
+                                            <p:txEl>
+                                              <p:pRg st="5" end="5"/>
+                                            </p:txEl>
+                                          </p:spTgt>
+                                        </p:tgtEl>
+                                        <p:attrNameLst>
+                                          <p:attrName>style.visibility</p:attrName>
+                                        </p:attrNameLst>
+                                      </p:cBhvr>
+                                      <p:to>
+                                        <p:strVal val="visible"/>
+                                      </p:to>
+                                    </p:set>
+                                  </p:childTnLst>
+                                </p:cTn>
+                              </p:par>
+                            </p:childTnLst>
+                          </p:cTn>
+                        </p:par>
+                      </p:childTnLst>
+                    </p:cTn>
+                  </p:par>
+                  <p:par>
+                    <p:cTn id="27" fill="hold">
+                      <p:stCondLst>
+                        <p:cond delay="indefinite"/>
+                      </p:stCondLst>
+                      <p:childTnLst>
+                        <p:par>
+                          <p:cTn id="28" fill="hold">
+                            <p:stCondLst>
+                              <p:cond delay="0"/>
+                            </p:stCondLst>
+                            <p:childTnLst>
+                              <p:par>
+                                <p:cTn id="29" presetID="1" presetClass="entr" presetSubtype="0" fill="hold" nodeType="clickEffect">
+                                  <p:stCondLst>
+                                    <p:cond delay="0"/>
+                                  </p:stCondLst>
+                                  <p:childTnLst>
+                                    <p:set>
+                                      <p:cBhvr>
+                                        <p:cTn id="30" dur="1" fill="hold">
+                                          <p:stCondLst>
+                                            <p:cond delay="0"/>
+                                          </p:stCondLst>
+                                        </p:cTn>
+                                        <p:tgtEl>
+                                          <p:spTgt spid="4">
+                                            <p:txEl>
+                                              <p:pRg st="6" end="6"/>
+                                            </p:txEl>
+                                          </p:spTgt>
+                                        </p:tgtEl>
+                                        <p:attrNameLst>
+                                          <p:attrName>style.visibility</p:attrName>
+                                        </p:attrNameLst>
+                                      </p:cBhvr>
+                                      <p:to>
+                                        <p:strVal val="visible"/>
+                                      </p:to>
+                                    </p:set>
+                                  </p:childTnLst>
+                                </p:cTn>
+                              </p:par>
+                            </p:childTnLst>
+                          </p:cTn>
+                        </p:par>
+                      </p:childTnLst>
+                    </p:cTn>
+                  </p:par>
+                  <p:par>
+                    <p:cTn id="31" fill="hold">
+                      <p:stCondLst>
+                        <p:cond delay="indefinite"/>
+                      </p:stCondLst>
+                      <p:childTnLst>
+                        <p:par>
+                          <p:cTn id="32" fill="hold">
+                            <p:stCondLst>
+                              <p:cond delay="0"/>
+                            </p:stCondLst>
+                            <p:childTnLst>
+                              <p:par>
+                                <p:cTn id="33" presetID="1" presetClass="entr" presetSubtype="0" fill="hold" nodeType="clickEffect">
+                                  <p:stCondLst>
+                                    <p:cond delay="0"/>
+                                  </p:stCondLst>
+                                  <p:childTnLst>
+                                    <p:set>
+                                      <p:cBhvr>
+                                        <p:cTn id="34" dur="1" fill="hold">
+                                          <p:stCondLst>
+                                            <p:cond delay="0"/>
+                                          </p:stCondLst>
+                                        </p:cTn>
+                                        <p:tgtEl>
+                                          <p:spTgt spid="4">
+                                            <p:txEl>
+                                              <p:pRg st="7" end="7"/>
+                                            </p:txEl>
+                                          </p:spTgt>
+                                        </p:tgtEl>
+                                        <p:attrNameLst>
+                                          <p:attrName>style.visibility</p:attrName>
+                                        </p:attrNameLst>
+                                      </p:cBhvr>
+                                      <p:to>
+                                        <p:strVal val="visible"/>
+                                      </p:to>
+                                    </p:set>
+                                  </p:childTnLst>
+                                </p:cTn>
+                              </p:par>
+                            </p:childTnLst>
+                          </p:cTn>
+                        </p:par>
+                      </p:childTnLst>
+                    </p:cTn>
+                  </p:par>
+                  <p:par>
+                    <p:cTn id="35" fill="hold">
+                      <p:stCondLst>
+                        <p:cond delay="indefinite"/>
+                      </p:stCondLst>
+                      <p:childTnLst>
+                        <p:par>
+                          <p:cTn id="36" fill="hold">
+                            <p:stCondLst>
+                              <p:cond delay="0"/>
+                            </p:stCondLst>
+                            <p:childTnLst>
+                              <p:par>
+                                <p:cTn id="37" presetID="1" presetClass="entr" presetSubtype="0" fill="hold" nodeType="clickEffect">
+                                  <p:stCondLst>
+                                    <p:cond delay="0"/>
+                                  </p:stCondLst>
+                                  <p:childTnLst>
+                                    <p:set>
+                                      <p:cBhvr>
+                                        <p:cTn id="38" dur="1" fill="hold">
+                                          <p:stCondLst>
+                                            <p:cond delay="0"/>
+                                          </p:stCondLst>
+                                        </p:cTn>
+                                        <p:tgtEl>
+                                          <p:spTgt spid="4">
+                                            <p:txEl>
+                                              <p:pRg st="8" end="8"/>
+                                            </p:txEl>
+                                          </p:spTgt>
+                                        </p:tgtEl>
+                                        <p:attrNameLst>
+                                          <p:attrName>style.visibility</p:attrName>
+                                        </p:attrNameLst>
+                                      </p:cBhvr>
+                                      <p:to>
+                                        <p:strVal val="visible"/>
+                                      </p:to>
+                                    </p:set>
+                                  </p:childTnLst>
+                                </p:cTn>
+                              </p:par>
+                            </p:childTnLst>
+                          </p:cTn>
+                        </p:par>
+                      </p:childTnLst>
+                    </p:cTn>
+                  </p:par>
+                  <p:par>
+                    <p:cTn id="39" fill="hold">
+                      <p:stCondLst>
+                        <p:cond delay="indefinite"/>
+                      </p:stCondLst>
+                      <p:childTnLst>
+                        <p:par>
+                          <p:cTn id="40" fill="hold">
+                            <p:stCondLst>
+                              <p:cond delay="0"/>
+                            </p:stCondLst>
+                            <p:childTnLst>
+                              <p:par>
+                                <p:cTn id="41" presetID="1" presetClass="entr" presetSubtype="0" fill="hold" nodeType="clickEffect">
+                                  <p:stCondLst>
+                                    <p:cond delay="0"/>
+                                  </p:stCondLst>
+                                  <p:childTnLst>
+                                    <p:set>
+                                      <p:cBhvr>
+                                        <p:cTn id="42" dur="1" fill="hold">
+                                          <p:stCondLst>
+                                            <p:cond delay="0"/>
+                                          </p:stCondLst>
+                                        </p:cTn>
+                                        <p:tgtEl>
+                                          <p:spTgt spid="4">
+                                            <p:txEl>
+                                              <p:pRg st="9" end="9"/>
+                                            </p:txEl>
+                                          </p:spTgt>
+                                        </p:tgtEl>
+                                        <p:attrNameLst>
+                                          <p:attrName>style.visibility</p:attrName>
+                                        </p:attrNameLst>
+                                      </p:cBhvr>
+                                      <p:to>
+                                        <p:strVal val="visible"/>
+                                      </p:to>
+                                    </p:set>
+                                  </p:childTnLst>
+                                </p:cTn>
+                              </p:par>
+                            </p:childTnLst>
+                          </p:cTn>
+                        </p:par>
+                      </p:childTnLst>
+                    </p:cTn>
+                  </p:par>
+                  <p:par>
+                    <p:cTn id="43" fill="hold">
+                      <p:stCondLst>
+                        <p:cond delay="indefinite"/>
+                      </p:stCondLst>
+                      <p:childTnLst>
+                        <p:par>
+                          <p:cTn id="44" fill="hold">
+                            <p:stCondLst>
+                              <p:cond delay="0"/>
+                            </p:stCondLst>
+                            <p:childTnLst>
+                              <p:par>
+                                <p:cTn id="45" presetID="1" presetClass="entr" presetSubtype="0" fill="hold" nodeType="clickEffect">
+                                  <p:stCondLst>
+                                    <p:cond delay="0"/>
+                                  </p:stCondLst>
+                                  <p:childTnLst>
+                                    <p:set>
+                                      <p:cBhvr>
+                                        <p:cTn id="46" dur="1" fill="hold">
+                                          <p:stCondLst>
+                                            <p:cond delay="0"/>
+                                          </p:stCondLst>
+                                        </p:cTn>
+                                        <p:tgtEl>
+                                          <p:spTgt spid="4">
+                                            <p:txEl>
+                                              <p:pRg st="10" end="10"/>
+                                            </p:txEl>
+                                          </p:spTgt>
+                                        </p:tgtEl>
+                                        <p:attrNameLst>
+                                          <p:attrName>style.visibility</p:attrName>
+                                        </p:attrNameLst>
+                                      </p:cBhvr>
+                                      <p:to>
+                                        <p:strVal val="visible"/>
+                                      </p:to>
+                                    </p:set>
+                                  </p:childTnLst>
+                                </p:cTn>
+                              </p:par>
+                            </p:childTnLst>
+                          </p:cTn>
+                        </p:par>
+                      </p:childTnLst>
+                    </p:cTn>
+                  </p:par>
+                  <p:par>
+                    <p:cTn id="47" fill="hold">
+                      <p:stCondLst>
+                        <p:cond delay="indefinite"/>
+                      </p:stCondLst>
+                      <p:childTnLst>
+                        <p:par>
+                          <p:cTn id="48" fill="hold">
+                            <p:stCondLst>
+                              <p:cond delay="0"/>
+                            </p:stCondLst>
+                            <p:childTnLst>
+                              <p:par>
+                                <p:cTn id="49" presetID="1" presetClass="entr" presetSubtype="0" fill="hold" nodeType="clickEffect">
+                                  <p:stCondLst>
+                                    <p:cond delay="0"/>
+                                  </p:stCondLst>
+                                  <p:childTnLst>
+                                    <p:set>
+                                      <p:cBhvr>
+                                        <p:cTn id="50" dur="1" fill="hold">
+                                          <p:stCondLst>
+                                            <p:cond delay="0"/>
+                                          </p:stCondLst>
+                                        </p:cTn>
+                                        <p:tgtEl>
+                                          <p:spTgt spid="4">
+                                            <p:txEl>
+                                              <p:pRg st="11" end="11"/>
+                                            </p:txEl>
+                                          </p:spTgt>
+                                        </p:tgtEl>
+                                        <p:attrNameLst>
+                                          <p:attrName>style.visibility</p:attrName>
+                                        </p:attrNameLst>
+                                      </p:cBhvr>
+                                      <p:to>
+                                        <p:strVal val="visible"/>
+                                      </p:to>
+                                    </p:set>
+                                  </p:childTnLst>
+                                </p:cTn>
+                              </p:par>
+                            </p:childTnLst>
+                          </p:cTn>
+                        </p:par>
+                      </p:childTnLst>
+                    </p:cTn>
+                  </p:par>
+                  <p:par>
+                    <p:cTn id="51" fill="hold">
+                      <p:stCondLst>
+                        <p:cond delay="indefinite"/>
+                      </p:stCondLst>
+                      <p:childTnLst>
+                        <p:par>
+                          <p:cTn id="52" fill="hold">
+                            <p:stCondLst>
+                              <p:cond delay="0"/>
+                            </p:stCondLst>
+                            <p:childTnLst>
+                              <p:par>
+                                <p:cTn id="53" presetID="1" presetClass="entr" presetSubtype="0" fill="hold" nodeType="clickEffect">
+                                  <p:stCondLst>
+                                    <p:cond delay="0"/>
+                                  </p:stCondLst>
+                                  <p:childTnLst>
+                                    <p:set>
+                                      <p:cBhvr>
+                                        <p:cTn id="54" dur="1" fill="hold">
+                                          <p:stCondLst>
+                                            <p:cond delay="0"/>
+                                          </p:stCondLst>
+                                        </p:cTn>
+                                        <p:tgtEl>
+                                          <p:spTgt spid="4">
+                                            <p:txEl>
+                                              <p:pRg st="12" end="12"/>
+                                            </p:txEl>
+                                          </p:spTgt>
+                                        </p:tgtEl>
+                                        <p:attrNameLst>
+                                          <p:attrName>style.visibility</p:attrName>
+                                        </p:attrNameLst>
+                                      </p:cBhvr>
+                                      <p:to>
+                                        <p:strVal val="visible"/>
+                                      </p:to>
+                                    </p:set>
+                                  </p:childTnLst>
+                                </p:cTn>
+                              </p:par>
+                            </p:childTnLst>
+                          </p:cTn>
+                        </p:par>
+                      </p:childTnLst>
+                    </p:cTn>
+                  </p:par>
+                  <p:par>
+                    <p:cTn id="55" fill="hold">
+                      <p:stCondLst>
+                        <p:cond delay="indefinite"/>
+                      </p:stCondLst>
+                      <p:childTnLst>
+                        <p:par>
+                          <p:cTn id="56" fill="hold">
+                            <p:stCondLst>
+                              <p:cond delay="0"/>
+                            </p:stCondLst>
+                            <p:childTnLst>
+                              <p:par>
+                                <p:cTn id="57" presetID="1" presetClass="entr" presetSubtype="0" fill="hold" nodeType="clickEffect">
+                                  <p:stCondLst>
+                                    <p:cond delay="0"/>
+                                  </p:stCondLst>
+                                  <p:childTnLst>
+                                    <p:set>
+                                      <p:cBhvr>
+                                        <p:cTn id="58" dur="1" fill="hold">
+                                          <p:stCondLst>
+                                            <p:cond delay="0"/>
+                                          </p:stCondLst>
+                                        </p:cTn>
+                                        <p:tgtEl>
+                                          <p:spTgt spid="4">
+                                            <p:txEl>
+                                              <p:pRg st="1" end="1"/>
+                                            </p:txEl>
+                                          </p:spTgt>
+                                        </p:tgtEl>
+                                        <p:attrNameLst>
+                                          <p:attrName>style.visibility</p:attrName>
+                                        </p:attrNameLst>
+                                      </p:cBhvr>
+                                      <p:to>
+                                        <p:strVal val="visible"/>
+                                      </p:to>
+                                    </p:set>
+                                  </p:childTnLst>
+                                </p:cTn>
+                              </p:par>
+                            </p:childTnLst>
+                          </p:cTn>
+                        </p:par>
+                      </p:childTnLst>
+                    </p:cTn>
+                  </p:par>
+                  <p:par>
+                    <p:cTn id="59" fill="hold">
+                      <p:stCondLst>
+                        <p:cond delay="indefinite"/>
+                      </p:stCondLst>
+                      <p:childTnLst>
+                        <p:par>
+                          <p:cTn id="60" fill="hold">
+                            <p:stCondLst>
+                              <p:cond delay="0"/>
+                            </p:stCondLst>
+                            <p:childTnLst>
+                              <p:par>
+                                <p:cTn id="61" presetID="1" presetClass="entr" presetSubtype="0" fill="hold" nodeType="clickEffect">
+                                  <p:stCondLst>
+                                    <p:cond delay="0"/>
+                                  </p:stCondLst>
+                                  <p:childTnLst>
+                                    <p:set>
+                                      <p:cBhvr>
+                                        <p:cTn id="62" dur="1" fill="hold">
+                                          <p:stCondLst>
+                                            <p:cond delay="0"/>
+                                          </p:stCondLst>
+                                        </p:cTn>
+                                        <p:tgtEl>
+                                          <p:spTgt spid="4">
+                                            <p:txEl>
+                                              <p:pRg st="2" end="2"/>
+                                            </p:txEl>
+                                          </p:spTgt>
+                                        </p:tgtEl>
+                                        <p:attrNameLst>
+                                          <p:attrName>style.visibility</p:attrName>
+                                        </p:attrNameLst>
+                                      </p:cBhvr>
+                                      <p:to>
+                                        <p:strVal val="visible"/>
+                                      </p:to>
+                                    </p:set>
+                                  </p:childTnLst>
+                                </p:cTn>
+                              </p:par>
+                            </p:childTnLst>
+                          </p:cTn>
+                        </p:par>
+                      </p:childTnLst>
+                    </p:cTn>
+                  </p:par>
+                  <p:par>
+                    <p:cTn id="63" fill="hold">
+                      <p:stCondLst>
+                        <p:cond delay="indefinite"/>
+                      </p:stCondLst>
+                      <p:childTnLst>
+                        <p:par>
+                          <p:cTn id="64" fill="hold">
+                            <p:stCondLst>
+                              <p:cond delay="0"/>
+                            </p:stCondLst>
+                            <p:childTnLst>
+                              <p:par>
+                                <p:cTn id="65" presetID="1" presetClass="entr" presetSubtype="0" fill="hold" nodeType="clickEffect">
+                                  <p:stCondLst>
+                                    <p:cond delay="0"/>
+                                  </p:stCondLst>
+                                  <p:childTnLst>
+                                    <p:set>
+                                      <p:cBhvr>
+                                        <p:cTn id="66" dur="1" fill="hold">
+                                          <p:stCondLst>
+                                            <p:cond delay="0"/>
+                                          </p:stCondLst>
+                                        </p:cTn>
+                                        <p:tgtEl>
+                                          <p:spTgt spid="4">
+                                            <p:txEl>
+                                              <p:pRg st="3" end="3"/>
+                                            </p:txEl>
+                                          </p:spTgt>
+                                        </p:tgtEl>
+                                        <p:attrNameLst>
+                                          <p:attrName>style.visibility</p:attrName>
+                                        </p:attrNameLst>
+                                      </p:cBhvr>
+                                      <p:to>
+                                        <p:strVal val="visible"/>
+                                      </p:to>
+                                    </p:set>
+                                  </p:childTnLst>
+                                </p:cTn>
+                              </p:par>
+                              <p:par>
+                                <p:cTn id="67" presetID="1" presetClass="entr" presetSubtype="0" fill="hold" nodeType="withEffect">
+                                  <p:stCondLst>
+                                    <p:cond delay="0"/>
+                                  </p:stCondLst>
+                                  <p:childTnLst>
+                                    <p:set>
+                                      <p:cBhvr>
+                                        <p:cTn id="68" dur="1" fill="hold">
+                                          <p:stCondLst>
+                                            <p:cond delay="0"/>
+                                          </p:stCondLst>
+                                        </p:cTn>
+                                        <p:tgtEl>
+                                          <p:spTgt spid="4">
+                                            <p:txEl>
+                                              <p:pRg st="4" end="4"/>
+                                            </p:txEl>
+                                          </p:spTgt>
+                                        </p:tgtEl>
+                                        <p:attrNameLst>
+                                          <p:attrName>style.visibility</p:attrName>
+                                        </p:attrNameLst>
+                                      </p:cBhvr>
+                                      <p:to>
+                                        <p:strVal val="visible"/>
+                                      </p:to>
+                                    </p:set>
+                                  </p:childTnLst>
+                                </p:cTn>
+                              </p:par>
+                              <p:par>
+                                <p:cTn id="69" presetID="1" presetClass="entr" presetSubtype="0" fill="hold" nodeType="withEffect">
+                                  <p:stCondLst>
+                                    <p:cond delay="0"/>
+                                  </p:stCondLst>
+                                  <p:childTnLst>
+                                    <p:set>
+                                      <p:cBhvr>
+                                        <p:cTn id="70" dur="1" fill="hold">
+                                          <p:stCondLst>
+                                            <p:cond delay="0"/>
+                                          </p:stCondLst>
+                                        </p:cTn>
+                                        <p:tgtEl>
+                                          <p:spTgt spid="4">
+                                            <p:txEl>
+                                              <p:pRg st="5" end="5"/>
+                                            </p:txEl>
+                                          </p:spTgt>
+                                        </p:tgtEl>
+                                        <p:attrNameLst>
+                                          <p:attrName>style.visibility</p:attrName>
+                                        </p:attrNameLst>
+                                      </p:cBhvr>
+                                      <p:to>
+                                        <p:strVal val="visible"/>
+                                      </p:to>
+                                    </p:set>
+                                  </p:childTnLst>
+                                </p:cTn>
+                              </p:par>
+                              <p:par>
+                                <p:cTn id="71" presetID="1" presetClass="entr" presetSubtype="0" fill="hold" nodeType="withEffect">
+                                  <p:stCondLst>
+                                    <p:cond delay="0"/>
+                                  </p:stCondLst>
+                                  <p:childTnLst>
+                                    <p:set>
+                                      <p:cBhvr>
+                                        <p:cTn id="72" dur="1" fill="hold">
+                                          <p:stCondLst>
+                                            <p:cond delay="0"/>
+                                          </p:stCondLst>
+                                        </p:cTn>
+                                        <p:tgtEl>
+                                          <p:spTgt spid="4">
+                                            <p:txEl>
+                                              <p:pRg st="6" end="6"/>
+                                            </p:txEl>
+                                          </p:spTgt>
+                                        </p:tgtEl>
+                                        <p:attrNameLst>
+                                          <p:attrName>style.visibility</p:attrName>
+                                        </p:attrNameLst>
+                                      </p:cBhvr>
+                                      <p:to>
+                                        <p:strVal val="visible"/>
+                                      </p:to>
+                                    </p:set>
+                                  </p:childTnLst>
+                                </p:cTn>
+                              </p:par>
+                            </p:childTnLst>
+                          </p:cTn>
+                        </p:par>
+                      </p:childTnLst>
+                    </p:cTn>
+                  </p:par>
+                  <p:par>
+                    <p:cTn id="73" fill="hold">
+                      <p:stCondLst>
+                        <p:cond delay="indefinite"/>
+                      </p:stCondLst>
+                      <p:childTnLst>
+                        <p:par>
+                          <p:cTn id="74" fill="hold">
+                            <p:stCondLst>
+                              <p:cond delay="0"/>
+                            </p:stCondLst>
+                            <p:childTnLst>
+                              <p:par>
+                                <p:cTn id="75" presetID="1" presetClass="entr" presetSubtype="0" fill="hold" nodeType="clickEffect">
+                                  <p:stCondLst>
+                                    <p:cond delay="0"/>
+                                  </p:stCondLst>
+                                  <p:childTnLst>
+                                    <p:set>
+                                      <p:cBhvr>
+                                        <p:cTn id="76" dur="1" fill="hold">
+                                          <p:stCondLst>
+                                            <p:cond delay="0"/>
+                                          </p:stCondLst>
+                                        </p:cTn>
+                                        <p:tgtEl>
+                                          <p:spTgt spid="4">
+                                            <p:txEl>
+                                              <p:pRg st="7" end="7"/>
+                                            </p:txEl>
+                                          </p:spTgt>
+                                        </p:tgtEl>
+                                        <p:attrNameLst>
+                                          <p:attrName>style.visibility</p:attrName>
+                                        </p:attrNameLst>
+                                      </p:cBhvr>
+                                      <p:to>
+                                        <p:strVal val="visible"/>
+                                      </p:to>
+                                    </p:set>
+                                  </p:childTnLst>
+                                </p:cTn>
+                              </p:par>
+                              <p:par>
+                                <p:cTn id="77" presetID="1" presetClass="entr" presetSubtype="0" fill="hold" nodeType="withEffect">
+                                  <p:stCondLst>
+                                    <p:cond delay="0"/>
+                                  </p:stCondLst>
+                                  <p:childTnLst>
+                                    <p:set>
+                                      <p:cBhvr>
+                                        <p:cTn id="78" dur="1" fill="hold">
+                                          <p:stCondLst>
+                                            <p:cond delay="0"/>
+                                          </p:stCondLst>
+                                        </p:cTn>
+                                        <p:tgtEl>
+                                          <p:spTgt spid="4">
+                                            <p:txEl>
+                                              <p:pRg st="8" end="8"/>
+                                            </p:txEl>
+                                          </p:spTgt>
+                                        </p:tgtEl>
+                                        <p:attrNameLst>
+                                          <p:attrName>style.visibility</p:attrName>
+                                        </p:attrNameLst>
+                                      </p:cBhvr>
+                                      <p:to>
+                                        <p:strVal val="visible"/>
+                                      </p:to>
+                                    </p:set>
+                                  </p:childTnLst>
+                                </p:cTn>
+                              </p:par>
+                              <p:par>
+                                <p:cTn id="79" presetID="1" presetClass="entr" presetSubtype="0" fill="hold" nodeType="withEffect">
+                                  <p:stCondLst>
+                                    <p:cond delay="0"/>
+                                  </p:stCondLst>
+                                  <p:childTnLst>
+                                    <p:set>
+                                      <p:cBhvr>
+                                        <p:cTn id="80" dur="1" fill="hold">
+                                          <p:stCondLst>
+                                            <p:cond delay="0"/>
+                                          </p:stCondLst>
+                                        </p:cTn>
+                                        <p:tgtEl>
+                                          <p:spTgt spid="4">
+                                            <p:txEl>
+                                              <p:pRg st="9" end="9"/>
+                                            </p:txEl>
+                                          </p:spTgt>
+                                        </p:tgtEl>
+                                        <p:attrNameLst>
+                                          <p:attrName>style.visibility</p:attrName>
+                                        </p:attrNameLst>
+                                      </p:cBhvr>
+                                      <p:to>
+                                        <p:strVal val="visible"/>
+                                      </p:to>
+                                    </p:set>
+                                  </p:childTnLst>
+                                </p:cTn>
+                              </p:par>
+                            </p:childTnLst>
+                          </p:cTn>
+                        </p:par>
+                      </p:childTnLst>
+                    </p:cTn>
+                  </p:par>
+                  <p:par>
+                    <p:cTn id="81" fill="hold">
+                      <p:stCondLst>
+                        <p:cond delay="indefinite"/>
+                      </p:stCondLst>
+                      <p:childTnLst>
+                        <p:par>
+                          <p:cTn id="82" fill="hold">
+                            <p:stCondLst>
+                              <p:cond delay="0"/>
+                            </p:stCondLst>
+                            <p:childTnLst>
+                              <p:par>
+                                <p:cTn id="83" presetID="1" presetClass="entr" presetSubtype="0" fill="hold" nodeType="clickEffect">
+                                  <p:stCondLst>
+                                    <p:cond delay="0"/>
+                                  </p:stCondLst>
+                                  <p:childTnLst>
+                                    <p:set>
+                                      <p:cBhvr>
+                                        <p:cTn id="84" dur="1" fill="hold">
+                                          <p:stCondLst>
+                                            <p:cond delay="0"/>
+                                          </p:stCondLst>
+                                        </p:cTn>
+                                        <p:tgtEl>
+                                          <p:spTgt spid="4">
+                                            <p:txEl>
+                                              <p:pRg st="10" end="10"/>
+                                            </p:txEl>
+                                          </p:spTgt>
+                                        </p:tgtEl>
+                                        <p:attrNameLst>
+                                          <p:attrName>style.visibility</p:attrName>
+                                        </p:attrNameLst>
+                                      </p:cBhvr>
+                                      <p:to>
+                                        <p:strVal val="visible"/>
+                                      </p:to>
+                                    </p:set>
+                                  </p:childTnLst>
+                                </p:cTn>
+                              </p:par>
+                            </p:childTnLst>
+                          </p:cTn>
+                        </p:par>
+                      </p:childTnLst>
+                    </p:cTn>
+                  </p:par>
+                  <p:par>
+                    <p:cTn id="85" fill="hold">
+                      <p:stCondLst>
+                        <p:cond delay="indefinite"/>
+                      </p:stCondLst>
+                      <p:childTnLst>
+                        <p:par>
+                          <p:cTn id="86" fill="hold">
+                            <p:stCondLst>
+                              <p:cond delay="0"/>
+                            </p:stCondLst>
+                            <p:childTnLst>
+                              <p:par>
+                                <p:cTn id="87" presetID="1" presetClass="entr" presetSubtype="0" fill="hold" nodeType="clickEffect">
+                                  <p:stCondLst>
+                                    <p:cond delay="0"/>
+                                  </p:stCondLst>
+                                  <p:childTnLst>
+                                    <p:set>
+                                      <p:cBhvr>
+                                        <p:cTn id="88" dur="1" fill="hold">
+                                          <p:stCondLst>
+                                            <p:cond delay="0"/>
+                                          </p:stCondLst>
+                                        </p:cTn>
+                                        <p:tgtEl>
+                                          <p:spTgt spid="4">
+                                            <p:txEl>
+                                              <p:pRg st="11" end="11"/>
+                                            </p:txEl>
+                                          </p:spTgt>
+                                        </p:tgtEl>
+                                        <p:attrNameLst>
+                                          <p:attrName>style.visibility</p:attrName>
+                                        </p:attrNameLst>
+                                      </p:cBhvr>
+                                      <p:to>
+                                        <p:strVal val="visible"/>
+                                      </p:to>
+                                    </p:set>
+                                  </p:childTnLst>
+                                </p:cTn>
+                              </p:par>
+                              <p:par>
+                                <p:cTn id="89" presetID="1" presetClass="entr" presetSubtype="0" fill="hold" nodeType="withEffect">
+                                  <p:stCondLst>
+                                    <p:cond delay="0"/>
+                                  </p:stCondLst>
+                                  <p:childTnLst>
+                                    <p:set>
+                                      <p:cBhvr>
+                                        <p:cTn id="90" dur="1" fill="hold">
+                                          <p:stCondLst>
+                                            <p:cond delay="0"/>
+                                          </p:stCondLst>
+                                        </p:cTn>
+                                        <p:tgtEl>
+                                          <p:spTgt spid="4">
+                                            <p:txEl>
+                                              <p:pRg st="12" end="12"/>
+                                            </p:txEl>
+                                          </p:spTgt>
+                                        </p:tgtEl>
+                                        <p:attrNameLst>
+                                          <p:attrName>style.visibility</p:attrName>
+                                        </p:attrNameLst>
+                                      </p:cBhvr>
+                                      <p:to>
+                                        <p:strVal val="visible"/>
+                                      </p:to>
+                                    </p:set>
+                                  </p:childTnLst>
+                                </p:cTn>
+                              </p:par>
+                            </p:childTnLst>
+                          </p:cTn>
+                        </p:par>
+                      </p:childTnLst>
+                    </p:cTn>
+                  </p:par>
+                </p:childTnLst>
+              </p:cTn>
+              <p:prevCondLst>
+                <p:cond evt="onPrev" delay="0">
+                  <p:tgtEl>
+                    <p:sldTgt/>
+                  </p:tgtEl>
+                </p:cond>
+              </p:prevCondLst>
+              <p:nextCondLst>
+                <p:cond evt="onNext" delay="0">
+                  <p:tgtEl>
+                    <p:sldTgt/>
+                  </p:tgtEl>
+                </p:cond>
+              </p:nextCondLst>
+            </p:seq>
+          </p:childTnLst>
+        </p:cTn>
+      </p:par>
+    </p:tnLst>
+  </p:timing>
+</p:sld>
+</file>
+
+<file path=ppt/slides/slide4.xml><?xml version="1.0" encoding="utf-8"?>
+<p:sld xmlns:a="http://schemas.openxmlformats.org/drawingml/2006/main" xmlns:r="http://schemas.openxmlformats.org/officeDocument/2006/relationships" xmlns:p="http://schemas.openxmlformats.org/presentationml/2006/main">
+  <p:cSld>
+    <p:spTree>
+      <p:nvGrpSpPr>
+        <p:cNvPr id="1" name=""/>
+        <p:cNvGrpSpPr/>
+        <p:nvPr/>
+      </p:nvGrpSpPr>
+      <p:grpSpPr>
+        <a:xfrm>
+          <a:off x="0" y="0"/>
+          <a:ext cx="0" cy="0"/>
+          <a:chOff x="0" y="0"/>
+          <a:chExt cx="0" cy="0"/>
+        </a:xfrm>
+      </p:grpSpPr>
       <p:sp>
         <p:nvSpPr>
           <p:cNvPr id="4" name="Content Placeholder 3">
@@ -6731,6 +8412,368 @@
         </p:spPr>
         <p:txBody>
           <a:bodyPr>
+            <a:normAutofit/>
+          </a:bodyPr>
+          <a:lstStyle/>
+          <a:p>
+            <a:pPr marL="0" indent="0">
+              <a:buNone/>
+            </a:pPr>
+            <a:r>
+              <a:rPr lang="en-US" sz="2400" b="1" dirty="0"/>
+              <a:t>AP Computer Science A</a:t>
+            </a:r>
+          </a:p>
+          <a:p>
+            <a:r>
+              <a:rPr lang="en-US" dirty="0"/>
+              <a:t>This course has been around at BLS for at least 25 years.  </a:t>
+            </a:r>
+          </a:p>
+          <a:p>
+            <a:r>
+              <a:rPr lang="en-US" dirty="0"/>
+              <a:t>Uses a lower-level, static programming language Java</a:t>
+            </a:r>
+          </a:p>
+          <a:p>
+            <a:r>
+              <a:rPr lang="en-US" dirty="0"/>
+              <a:t>More rigorous programming topics and concepts</a:t>
+            </a:r>
+          </a:p>
+          <a:p>
+            <a:r>
+              <a:rPr lang="en-US" dirty="0"/>
+              <a:t>Only covers programming, data structures and algorithms</a:t>
+            </a:r>
+          </a:p>
+          <a:p>
+            <a:r>
+              <a:rPr lang="en-US" dirty="0"/>
+              <a:t>Is a good introductory course for students interested in majoring in Computer Science, Math</a:t>
+            </a:r>
+          </a:p>
+          <a:p>
+            <a:endParaRPr lang="en-US" dirty="0"/>
+          </a:p>
+        </p:txBody>
+      </p:sp>
+    </p:spTree>
+    <p:extLst>
+      <p:ext uri="{BB962C8B-B14F-4D97-AF65-F5344CB8AC3E}">
+        <p14:creationId xmlns:p14="http://schemas.microsoft.com/office/powerpoint/2010/main" val="3199744833"/>
+      </p:ext>
+    </p:extLst>
+  </p:cSld>
+  <p:clrMapOvr>
+    <a:masterClrMapping/>
+  </p:clrMapOvr>
+  <p:timing>
+    <p:tnLst>
+      <p:par>
+        <p:cTn id="1" dur="indefinite" restart="never" nodeType="tmRoot">
+          <p:childTnLst>
+            <p:seq concurrent="1" nextAc="seek">
+              <p:cTn id="2" dur="indefinite" nodeType="mainSeq">
+                <p:childTnLst>
+                  <p:par>
+                    <p:cTn id="3" fill="hold">
+                      <p:stCondLst>
+                        <p:cond delay="indefinite"/>
+                      </p:stCondLst>
+                      <p:childTnLst>
+                        <p:par>
+                          <p:cTn id="4" fill="hold">
+                            <p:stCondLst>
+                              <p:cond delay="0"/>
+                            </p:stCondLst>
+                            <p:childTnLst>
+                              <p:par>
+                                <p:cTn id="5" presetID="1" presetClass="entr" presetSubtype="0" fill="hold" nodeType="clickEffect">
+                                  <p:stCondLst>
+                                    <p:cond delay="0"/>
+                                  </p:stCondLst>
+                                  <p:childTnLst>
+                                    <p:set>
+                                      <p:cBhvr>
+                                        <p:cTn id="6" dur="1" fill="hold">
+                                          <p:stCondLst>
+                                            <p:cond delay="0"/>
+                                          </p:stCondLst>
+                                        </p:cTn>
+                                        <p:tgtEl>
+                                          <p:spTgt spid="4">
+                                            <p:txEl>
+                                              <p:pRg st="2" end="2"/>
+                                            </p:txEl>
+                                          </p:spTgt>
+                                        </p:tgtEl>
+                                        <p:attrNameLst>
+                                          <p:attrName>style.visibility</p:attrName>
+                                        </p:attrNameLst>
+                                      </p:cBhvr>
+                                      <p:to>
+                                        <p:strVal val="visible"/>
+                                      </p:to>
+                                    </p:set>
+                                  </p:childTnLst>
+                                </p:cTn>
+                              </p:par>
+                            </p:childTnLst>
+                          </p:cTn>
+                        </p:par>
+                      </p:childTnLst>
+                    </p:cTn>
+                  </p:par>
+                  <p:par>
+                    <p:cTn id="7" fill="hold">
+                      <p:stCondLst>
+                        <p:cond delay="indefinite"/>
+                      </p:stCondLst>
+                      <p:childTnLst>
+                        <p:par>
+                          <p:cTn id="8" fill="hold">
+                            <p:stCondLst>
+                              <p:cond delay="0"/>
+                            </p:stCondLst>
+                            <p:childTnLst>
+                              <p:par>
+                                <p:cTn id="9" presetID="1" presetClass="entr" presetSubtype="0" fill="hold" nodeType="clickEffect">
+                                  <p:stCondLst>
+                                    <p:cond delay="0"/>
+                                  </p:stCondLst>
+                                  <p:childTnLst>
+                                    <p:set>
+                                      <p:cBhvr>
+                                        <p:cTn id="10" dur="1" fill="hold">
+                                          <p:stCondLst>
+                                            <p:cond delay="0"/>
+                                          </p:stCondLst>
+                                        </p:cTn>
+                                        <p:tgtEl>
+                                          <p:spTgt spid="4">
+                                            <p:txEl>
+                                              <p:pRg st="3" end="3"/>
+                                            </p:txEl>
+                                          </p:spTgt>
+                                        </p:tgtEl>
+                                        <p:attrNameLst>
+                                          <p:attrName>style.visibility</p:attrName>
+                                        </p:attrNameLst>
+                                      </p:cBhvr>
+                                      <p:to>
+                                        <p:strVal val="visible"/>
+                                      </p:to>
+                                    </p:set>
+                                  </p:childTnLst>
+                                </p:cTn>
+                              </p:par>
+                            </p:childTnLst>
+                          </p:cTn>
+                        </p:par>
+                      </p:childTnLst>
+                    </p:cTn>
+                  </p:par>
+                  <p:par>
+                    <p:cTn id="11" fill="hold">
+                      <p:stCondLst>
+                        <p:cond delay="indefinite"/>
+                      </p:stCondLst>
+                      <p:childTnLst>
+                        <p:par>
+                          <p:cTn id="12" fill="hold">
+                            <p:stCondLst>
+                              <p:cond delay="0"/>
+                            </p:stCondLst>
+                            <p:childTnLst>
+                              <p:par>
+                                <p:cTn id="13" presetID="1" presetClass="entr" presetSubtype="0" fill="hold" nodeType="clickEffect">
+                                  <p:stCondLst>
+                                    <p:cond delay="0"/>
+                                  </p:stCondLst>
+                                  <p:childTnLst>
+                                    <p:set>
+                                      <p:cBhvr>
+                                        <p:cTn id="14" dur="1" fill="hold">
+                                          <p:stCondLst>
+                                            <p:cond delay="0"/>
+                                          </p:stCondLst>
+                                        </p:cTn>
+                                        <p:tgtEl>
+                                          <p:spTgt spid="4">
+                                            <p:txEl>
+                                              <p:pRg st="4" end="4"/>
+                                            </p:txEl>
+                                          </p:spTgt>
+                                        </p:tgtEl>
+                                        <p:attrNameLst>
+                                          <p:attrName>style.visibility</p:attrName>
+                                        </p:attrNameLst>
+                                      </p:cBhvr>
+                                      <p:to>
+                                        <p:strVal val="visible"/>
+                                      </p:to>
+                                    </p:set>
+                                  </p:childTnLst>
+                                </p:cTn>
+                              </p:par>
+                            </p:childTnLst>
+                          </p:cTn>
+                        </p:par>
+                      </p:childTnLst>
+                    </p:cTn>
+                  </p:par>
+                  <p:par>
+                    <p:cTn id="15" fill="hold">
+                      <p:stCondLst>
+                        <p:cond delay="indefinite"/>
+                      </p:stCondLst>
+                      <p:childTnLst>
+                        <p:par>
+                          <p:cTn id="16" fill="hold">
+                            <p:stCondLst>
+                              <p:cond delay="0"/>
+                            </p:stCondLst>
+                            <p:childTnLst>
+                              <p:par>
+                                <p:cTn id="17" presetID="1" presetClass="entr" presetSubtype="0" fill="hold" nodeType="clickEffect">
+                                  <p:stCondLst>
+                                    <p:cond delay="0"/>
+                                  </p:stCondLst>
+                                  <p:childTnLst>
+                                    <p:set>
+                                      <p:cBhvr>
+                                        <p:cTn id="18" dur="1" fill="hold">
+                                          <p:stCondLst>
+                                            <p:cond delay="0"/>
+                                          </p:stCondLst>
+                                        </p:cTn>
+                                        <p:tgtEl>
+                                          <p:spTgt spid="4">
+                                            <p:txEl>
+                                              <p:pRg st="5" end="5"/>
+                                            </p:txEl>
+                                          </p:spTgt>
+                                        </p:tgtEl>
+                                        <p:attrNameLst>
+                                          <p:attrName>style.visibility</p:attrName>
+                                        </p:attrNameLst>
+                                      </p:cBhvr>
+                                      <p:to>
+                                        <p:strVal val="visible"/>
+                                      </p:to>
+                                    </p:set>
+                                  </p:childTnLst>
+                                </p:cTn>
+                              </p:par>
+                            </p:childTnLst>
+                          </p:cTn>
+                        </p:par>
+                      </p:childTnLst>
+                    </p:cTn>
+                  </p:par>
+                </p:childTnLst>
+              </p:cTn>
+              <p:prevCondLst>
+                <p:cond evt="onPrev" delay="0">
+                  <p:tgtEl>
+                    <p:sldTgt/>
+                  </p:tgtEl>
+                </p:cond>
+              </p:prevCondLst>
+              <p:nextCondLst>
+                <p:cond evt="onNext" delay="0">
+                  <p:tgtEl>
+                    <p:sldTgt/>
+                  </p:tgtEl>
+                </p:cond>
+              </p:nextCondLst>
+            </p:seq>
+          </p:childTnLst>
+        </p:cTn>
+      </p:par>
+    </p:tnLst>
+  </p:timing>
+</p:sld>
+</file>
+
+<file path=ppt/slides/slide5.xml><?xml version="1.0" encoding="utf-8"?>
+<p:sld xmlns:a="http://schemas.openxmlformats.org/drawingml/2006/main" xmlns:r="http://schemas.openxmlformats.org/officeDocument/2006/relationships" xmlns:p="http://schemas.openxmlformats.org/presentationml/2006/main">
+  <p:cSld>
+    <p:spTree>
+      <p:nvGrpSpPr>
+        <p:cNvPr id="1" name=""/>
+        <p:cNvGrpSpPr/>
+        <p:nvPr/>
+      </p:nvGrpSpPr>
+      <p:grpSpPr>
+        <a:xfrm>
+          <a:off x="0" y="0"/>
+          <a:ext cx="0" cy="0"/>
+          <a:chOff x="0" y="0"/>
+          <a:chExt cx="0" cy="0"/>
+        </a:xfrm>
+      </p:grpSpPr>
+      <p:sp>
+        <p:nvSpPr>
+          <p:cNvPr id="2" name="Title 1">
+            <a:extLst>
+              <a:ext uri="{FF2B5EF4-FFF2-40B4-BE49-F238E27FC236}">
+                <a16:creationId xmlns:a16="http://schemas.microsoft.com/office/drawing/2014/main" id="{EDE419EF-0E46-9E4D-8C75-4293CAE61F27}"/>
+              </a:ext>
+            </a:extLst>
+          </p:cNvPr>
+          <p:cNvSpPr>
+            <a:spLocks noGrp="1"/>
+          </p:cNvSpPr>
+          <p:nvPr>
+            <p:ph type="title"/>
+          </p:nvPr>
+        </p:nvSpPr>
+        <p:spPr>
+          <a:xfrm>
+            <a:off x="444137" y="176349"/>
+            <a:ext cx="7922594" cy="669139"/>
+          </a:xfrm>
+        </p:spPr>
+        <p:txBody>
+          <a:bodyPr/>
+          <a:lstStyle/>
+          <a:p>
+            <a:pPr algn="l"/>
+            <a:r>
+              <a:rPr lang="en-US" dirty="0"/>
+              <a:t>APCSP A</a:t>
+            </a:r>
+            <a:endParaRPr lang="en-US" cap="none" dirty="0"/>
+          </a:p>
+        </p:txBody>
+      </p:sp>
+      <p:sp>
+        <p:nvSpPr>
+          <p:cNvPr id="4" name="Content Placeholder 3">
+            <a:extLst>
+              <a:ext uri="{FF2B5EF4-FFF2-40B4-BE49-F238E27FC236}">
+                <a16:creationId xmlns:a16="http://schemas.microsoft.com/office/drawing/2014/main" id="{864D3036-8B0F-5C44-90AB-7558ABA4CDEC}"/>
+              </a:ext>
+            </a:extLst>
+          </p:cNvPr>
+          <p:cNvSpPr>
+            <a:spLocks noGrp="1"/>
+          </p:cNvSpPr>
+          <p:nvPr>
+            <p:ph sz="quarter" idx="13"/>
+          </p:nvPr>
+        </p:nvSpPr>
+        <p:spPr>
+          <a:xfrm>
+            <a:off x="257976" y="725684"/>
+            <a:ext cx="8886023" cy="4989315"/>
+          </a:xfrm>
+        </p:spPr>
+        <p:txBody>
+          <a:bodyPr>
             <a:noAutofit/>
           </a:bodyPr>
           <a:lstStyle/>
@@ -6741,82 +8784,104 @@
             <a:endParaRPr lang="en-US" sz="2000" dirty="0"/>
           </a:p>
           <a:p>
-            <a:pPr marL="457200" indent="-457200">
-              <a:buAutoNum type="arabicParenR"/>
+            <a:pPr marL="0" indent="0">
+              <a:buNone/>
             </a:pPr>
+            <a:endParaRPr lang="en-US" sz="2000" dirty="0"/>
+          </a:p>
+          <a:p>
+            <a:pPr marL="0" indent="0">
+              <a:buNone/>
+            </a:pPr>
             <a:r>
               <a:rPr lang="en-US" sz="2000" dirty="0"/>
-              <a:t>Since using Python for the first time this year,  APCSA and APCSP have very little overlap.</a:t>
-            </a:r>
-          </a:p>
-          <a:p>
-            <a:pPr marL="457200" indent="-457200">
-              <a:buAutoNum type="arabicParenR"/>
+              <a:t>Some interesting Python topics/projects from APCSA:</a:t>
+            </a:r>
+            <a:endParaRPr lang="en-US" sz="1700" dirty="0"/>
+          </a:p>
+          <a:p>
+            <a:pPr lvl="1"/>
+            <a:r>
+              <a:rPr lang="en-US" sz="2000" dirty="0"/>
+              <a:t>Advanced game design including:</a:t>
+            </a:r>
+          </a:p>
+          <a:p>
+            <a:pPr lvl="2"/>
+            <a:r>
+              <a:rPr lang="en-US" sz="1700" dirty="0"/>
+              <a:t>Side-scrolling or platformer games(e.g. Super Mario)</a:t>
+            </a:r>
+          </a:p>
+          <a:p>
+            <a:pPr lvl="2"/>
+            <a:r>
+              <a:rPr lang="en-US" sz="1700" dirty="0"/>
+              <a:t>Top-down game(Zelda)</a:t>
+            </a:r>
+          </a:p>
+          <a:p>
+            <a:pPr lvl="1"/>
+            <a:r>
+              <a:rPr lang="en-US" sz="2000" dirty="0"/>
+              <a:t>Artificial Intelligence algorithms</a:t>
+            </a:r>
+          </a:p>
+          <a:p>
+            <a:pPr lvl="2"/>
+            <a:r>
+              <a:rPr lang="en-US" sz="1700" dirty="0"/>
+              <a:t>Connect 4 with AI</a:t>
+            </a:r>
+          </a:p>
+          <a:p>
+            <a:pPr lvl="2"/>
+            <a:r>
+              <a:rPr lang="en-US" sz="1700" dirty="0"/>
+              <a:t>Path finding AI agents</a:t>
+            </a:r>
+          </a:p>
+          <a:p>
+            <a:pPr lvl="2"/>
+            <a:r>
+              <a:rPr lang="en-US" sz="1700" dirty="0"/>
+              <a:t>Slide puzzle AI</a:t>
+            </a:r>
+          </a:p>
+          <a:p>
+            <a:pPr lvl="1"/>
+            <a:r>
+              <a:rPr lang="en-US" sz="2000" dirty="0"/>
+              <a:t>Recursive algorithms</a:t>
+            </a:r>
+          </a:p>
+          <a:p>
+            <a:pPr lvl="2"/>
+            <a:r>
+              <a:rPr lang="en-US" sz="1700" dirty="0"/>
+              <a:t>draw beautiful fractals</a:t>
+            </a:r>
+          </a:p>
+          <a:p>
+            <a:pPr lvl="2"/>
+            <a:r>
+              <a:rPr lang="en-US" sz="1700" dirty="0"/>
+              <a:t>Mandelbrot set</a:t>
+            </a:r>
+          </a:p>
+          <a:p>
+            <a:pPr marL="685800" lvl="2" indent="0">
+              <a:buNone/>
             </a:pPr>
-            <a:r>
-              <a:rPr lang="en-US" sz="2000" dirty="0"/>
-              <a:t>Some Python topics/projects from APCSP:</a:t>
-            </a:r>
-          </a:p>
-          <a:p>
-            <a:pPr lvl="1"/>
-            <a:r>
-              <a:rPr lang="en-US" sz="2000" dirty="0"/>
-              <a:t>Text processing: Word count analysis of the Entire works of Shakespeare. </a:t>
-            </a:r>
-          </a:p>
-          <a:p>
-            <a:pPr lvl="1"/>
-            <a:r>
-              <a:rPr lang="en-US" sz="2000" dirty="0"/>
-              <a:t>Image Processing: </a:t>
-            </a:r>
+            <a:endParaRPr lang="en-US" sz="1700" dirty="0"/>
           </a:p>
           <a:p>
             <a:pPr lvl="2"/>
-            <a:r>
-              <a:rPr lang="en-US" sz="1800" dirty="0"/>
-              <a:t>programmatically extract red, green components out of JPEG and PNG images</a:t>
-            </a:r>
-          </a:p>
-          <a:p>
-            <a:pPr lvl="2"/>
-            <a:r>
-              <a:rPr lang="en-US" sz="1800" dirty="0"/>
-              <a:t>apply basic filters: tint, shade and RGB to black/white.</a:t>
-            </a:r>
-          </a:p>
-          <a:p>
-            <a:pPr lvl="1"/>
-            <a:r>
-              <a:rPr lang="en-US" sz="2000" dirty="0"/>
-              <a:t>Digital Audio Processing:</a:t>
-            </a:r>
-          </a:p>
-          <a:p>
-            <a:pPr lvl="2"/>
-            <a:r>
-              <a:rPr lang="en-US" sz="1800" dirty="0"/>
-              <a:t> Analyze frequency content of audio, e.g., given a piano audio file, programmatically and mathematically determine the chord. </a:t>
-            </a:r>
-          </a:p>
-          <a:p>
-            <a:pPr lvl="2"/>
-            <a:r>
-              <a:rPr lang="en-US" sz="1800" dirty="0"/>
-              <a:t>Filter out background noise from an audio.</a:t>
-            </a:r>
-          </a:p>
-          <a:p>
-            <a:pPr lvl="1"/>
-            <a:r>
-              <a:rPr lang="en-US" sz="2000" dirty="0"/>
-              <a:t>Advanced Image Processing: Use Singular Value Decomposition to compress images. </a:t>
-            </a:r>
-          </a:p>
-          <a:p>
-            <a:pPr marL="800100" lvl="1" indent="-457200">
-              <a:buAutoNum type="arabicParenR"/>
+            <a:endParaRPr lang="en-US" sz="1700" dirty="0"/>
+          </a:p>
+          <a:p>
+            <a:pPr marL="342900" lvl="1" indent="0">
+              <a:buNone/>
             </a:pPr>
             <a:endParaRPr lang="en-US" sz="2000" dirty="0"/>
           </a:p>
@@ -6859,7 +8924,7 @@
     </p:spTree>
     <p:extLst>
       <p:ext uri="{BB962C8B-B14F-4D97-AF65-F5344CB8AC3E}">
-        <p14:creationId xmlns:p14="http://schemas.microsoft.com/office/powerpoint/2010/main" val="239638542"/>
+        <p14:creationId xmlns:p14="http://schemas.microsoft.com/office/powerpoint/2010/main" val="927596680"/>
       </p:ext>
     </p:extLst>
   </p:cSld>
@@ -7315,233 +9380,27 @@
                       </p:childTnLst>
                     </p:cTn>
                   </p:par>
-                </p:childTnLst>
-              </p:cTn>
-              <p:prevCondLst>
-                <p:cond evt="onPrev" delay="0">
-                  <p:tgtEl>
-                    <p:sldTgt/>
-                  </p:tgtEl>
-                </p:cond>
-              </p:prevCondLst>
-              <p:nextCondLst>
-                <p:cond evt="onNext" delay="0">
-                  <p:tgtEl>
-                    <p:sldTgt/>
-                  </p:tgtEl>
-                </p:cond>
-              </p:nextCondLst>
-            </p:seq>
-          </p:childTnLst>
-        </p:cTn>
-      </p:par>
-    </p:tnLst>
-  </p:timing>
-</p:sld>
-</file>
-
-<file path=ppt/slides/slide4.xml><?xml version="1.0" encoding="utf-8"?>
-<p:sld xmlns:a="http://schemas.openxmlformats.org/drawingml/2006/main" xmlns:r="http://schemas.openxmlformats.org/officeDocument/2006/relationships" xmlns:p="http://schemas.openxmlformats.org/presentationml/2006/main">
-  <p:cSld>
-    <p:spTree>
-      <p:nvGrpSpPr>
-        <p:cNvPr id="1" name=""/>
-        <p:cNvGrpSpPr/>
-        <p:nvPr/>
-      </p:nvGrpSpPr>
-      <p:grpSpPr>
-        <a:xfrm>
-          <a:off x="0" y="0"/>
-          <a:ext cx="0" cy="0"/>
-          <a:chOff x="0" y="0"/>
-          <a:chExt cx="0" cy="0"/>
-        </a:xfrm>
-      </p:grpSpPr>
-      <p:sp>
-        <p:nvSpPr>
-          <p:cNvPr id="2" name="Title 1">
-            <a:extLst>
-              <a:ext uri="{FF2B5EF4-FFF2-40B4-BE49-F238E27FC236}">
-                <a16:creationId xmlns:a16="http://schemas.microsoft.com/office/drawing/2014/main" id="{EDE419EF-0E46-9E4D-8C75-4293CAE61F27}"/>
-              </a:ext>
-            </a:extLst>
-          </p:cNvPr>
-          <p:cNvSpPr>
-            <a:spLocks noGrp="1"/>
-          </p:cNvSpPr>
-          <p:nvPr>
-            <p:ph type="title"/>
-          </p:nvPr>
-        </p:nvSpPr>
-        <p:spPr>
-          <a:xfrm>
-            <a:off x="624264" y="426416"/>
-            <a:ext cx="7922594" cy="669139"/>
-          </a:xfrm>
-        </p:spPr>
-        <p:txBody>
-          <a:bodyPr/>
-          <a:lstStyle/>
-          <a:p>
-            <a:pPr algn="l"/>
-            <a:r>
-              <a:rPr lang="en-US" cap="none" dirty="0"/>
-              <a:t>The curriculum</a:t>
-            </a:r>
-          </a:p>
-        </p:txBody>
-      </p:sp>
-      <p:sp>
-        <p:nvSpPr>
-          <p:cNvPr id="4" name="Content Placeholder 3">
-            <a:extLst>
-              <a:ext uri="{FF2B5EF4-FFF2-40B4-BE49-F238E27FC236}">
-                <a16:creationId xmlns:a16="http://schemas.microsoft.com/office/drawing/2014/main" id="{864D3036-8B0F-5C44-90AB-7558ABA4CDEC}"/>
-              </a:ext>
-            </a:extLst>
-          </p:cNvPr>
-          <p:cNvSpPr>
-            <a:spLocks noGrp="1"/>
-          </p:cNvSpPr>
-          <p:nvPr>
-            <p:ph sz="quarter" idx="13"/>
-          </p:nvPr>
-        </p:nvSpPr>
-        <p:spPr>
-          <a:xfrm>
-            <a:off x="444137" y="1095555"/>
-            <a:ext cx="8294914" cy="4443096"/>
-          </a:xfrm>
-        </p:spPr>
-        <p:txBody>
-          <a:bodyPr>
-            <a:normAutofit/>
-          </a:bodyPr>
-          <a:lstStyle/>
-          <a:p>
-            <a:pPr marL="0" indent="0">
-              <a:buNone/>
-            </a:pPr>
-            <a:endParaRPr lang="en-US" sz="2200" dirty="0"/>
-          </a:p>
-          <a:p>
-            <a:pPr marL="0" indent="0">
-              <a:buNone/>
-            </a:pPr>
-            <a:r>
-              <a:rPr lang="en-US" sz="2200" dirty="0"/>
-              <a:t>3) Image Recognition: Image recognition has revolutionized the field of artificial intelligence and machine learning.</a:t>
-            </a:r>
-          </a:p>
-          <a:p>
-            <a:pPr lvl="1"/>
-            <a:r>
-              <a:rPr lang="en-US" sz="2000" dirty="0"/>
-              <a:t>We will write a program from scratch(not using any libraries) that can recognize images!</a:t>
-            </a:r>
-          </a:p>
-          <a:p>
-            <a:pPr marL="0" indent="0">
-              <a:buNone/>
-            </a:pPr>
-            <a:r>
-              <a:rPr lang="en-US" sz="2200" dirty="0"/>
-              <a:t>4) Cybersecurity</a:t>
-            </a:r>
-          </a:p>
-          <a:p>
-            <a:pPr marL="0" indent="0">
-              <a:buNone/>
-            </a:pPr>
-            <a:r>
-              <a:rPr lang="en-US" sz="2200" dirty="0"/>
-              <a:t>5) Cryptography</a:t>
-            </a:r>
-          </a:p>
-          <a:p>
-            <a:pPr marL="0" indent="0">
-              <a:buNone/>
-            </a:pPr>
-            <a:r>
-              <a:rPr lang="en-US" sz="2200" dirty="0"/>
-              <a:t>6) Networking and its devices/protocols(routers, switches, TCP/IP, HTTP)</a:t>
-            </a:r>
-          </a:p>
-          <a:p>
-            <a:pPr marL="0" indent="0">
-              <a:buNone/>
-            </a:pPr>
-            <a:r>
-              <a:rPr lang="en-US" sz="2200" dirty="0"/>
-              <a:t>  </a:t>
-            </a:r>
-          </a:p>
-          <a:p>
-            <a:pPr marL="457200" indent="-457200">
-              <a:buAutoNum type="arabicParenR"/>
-            </a:pPr>
-            <a:endParaRPr lang="en-US" sz="2200" dirty="0"/>
-          </a:p>
-          <a:p>
-            <a:pPr marL="457200" indent="-457200">
-              <a:buFont typeface="Arial" panose="020B0604020202020204" pitchFamily="34" charset="0"/>
-              <a:buAutoNum type="arabicParenR"/>
-            </a:pPr>
-            <a:endParaRPr lang="en-US" dirty="0"/>
-          </a:p>
-          <a:p>
-            <a:pPr marL="457200" indent="-457200">
-              <a:buAutoNum type="arabicParenR"/>
-            </a:pPr>
-            <a:endParaRPr lang="en-US" sz="2200" dirty="0"/>
-          </a:p>
-          <a:p>
-            <a:pPr marL="457200" indent="-457200">
-              <a:buAutoNum type="arabicParenR"/>
-            </a:pPr>
-            <a:endParaRPr lang="en-US" sz="2200" dirty="0"/>
-          </a:p>
-        </p:txBody>
-      </p:sp>
-    </p:spTree>
-    <p:extLst>
-      <p:ext uri="{BB962C8B-B14F-4D97-AF65-F5344CB8AC3E}">
-        <p14:creationId xmlns:p14="http://schemas.microsoft.com/office/powerpoint/2010/main" val="959476455"/>
-      </p:ext>
-    </p:extLst>
-  </p:cSld>
-  <p:clrMapOvr>
-    <a:masterClrMapping/>
-  </p:clrMapOvr>
-  <p:timing>
-    <p:tnLst>
-      <p:par>
-        <p:cTn id="1" dur="indefinite" restart="never" nodeType="tmRoot">
-          <p:childTnLst>
-            <p:seq concurrent="1" nextAc="seek">
-              <p:cTn id="2" dur="indefinite" nodeType="mainSeq">
-                <p:childTnLst>
                   <p:par>
-                    <p:cTn id="3" fill="hold">
+                    <p:cTn id="39" fill="hold">
                       <p:stCondLst>
                         <p:cond delay="indefinite"/>
                       </p:stCondLst>
                       <p:childTnLst>
                         <p:par>
-                          <p:cTn id="4" fill="hold">
+                          <p:cTn id="40" fill="hold">
                             <p:stCondLst>
                               <p:cond delay="0"/>
                             </p:stCondLst>
                             <p:childTnLst>
                               <p:par>
-                                <p:cTn id="5" presetID="1" presetClass="entr" presetSubtype="0" fill="hold" nodeType="clickEffect">
+                                <p:cTn id="41" presetID="1" presetClass="entr" presetSubtype="0" fill="hold" nodeType="clickEffect">
                                   <p:stCondLst>
                                     <p:cond delay="0"/>
                                   </p:stCondLst>
                                   <p:childTnLst>
                                     <p:set>
                                       <p:cBhvr>
-                                        <p:cTn id="6" dur="1" fill="hold">
+                                        <p:cTn id="42" dur="1" fill="hold">
                                           <p:stCondLst>
                                             <p:cond delay="0"/>
                                           </p:stCondLst>
@@ -7549,7 +9408,7 @@
                                         <p:tgtEl>
                                           <p:spTgt spid="4">
                                             <p:txEl>
-                                              <p:pRg st="1" end="1"/>
+                                              <p:pRg st="11" end="11"/>
                                             </p:txEl>
                                           </p:spTgt>
                                         </p:tgtEl>
@@ -7571,26 +9430,26 @@
                     </p:cTn>
                   </p:par>
                   <p:par>
-                    <p:cTn id="7" fill="hold">
+                    <p:cTn id="43" fill="hold">
                       <p:stCondLst>
                         <p:cond delay="indefinite"/>
                       </p:stCondLst>
                       <p:childTnLst>
                         <p:par>
-                          <p:cTn id="8" fill="hold">
+                          <p:cTn id="44" fill="hold">
                             <p:stCondLst>
                               <p:cond delay="0"/>
                             </p:stCondLst>
                             <p:childTnLst>
                               <p:par>
-                                <p:cTn id="9" presetID="1" presetClass="entr" presetSubtype="0" fill="hold" nodeType="clickEffect">
+                                <p:cTn id="45" presetID="1" presetClass="entr" presetSubtype="0" fill="hold" nodeType="clickEffect">
                                   <p:stCondLst>
                                     <p:cond delay="0"/>
                                   </p:stCondLst>
                                   <p:childTnLst>
                                     <p:set>
                                       <p:cBhvr>
-                                        <p:cTn id="10" dur="1" fill="hold">
+                                        <p:cTn id="46" dur="1" fill="hold">
                                           <p:stCondLst>
                                             <p:cond delay="0"/>
                                           </p:stCondLst>
@@ -7598,704 +9457,7 @@
                                         <p:tgtEl>
                                           <p:spTgt spid="4">
                                             <p:txEl>
-                                              <p:pRg st="2" end="2"/>
-                                            </p:txEl>
-                                          </p:spTgt>
-                                        </p:tgtEl>
-                                        <p:attrNameLst>
-                                          <p:attrName>style.visibility</p:attrName>
-                                        </p:attrNameLst>
-                                      </p:cBhvr>
-                                      <p:to>
-                                        <p:strVal val="visible"/>
-                                      </p:to>
-                                    </p:set>
-                                  </p:childTnLst>
-                                </p:cTn>
-                              </p:par>
-                            </p:childTnLst>
-                          </p:cTn>
-                        </p:par>
-                      </p:childTnLst>
-                    </p:cTn>
-                  </p:par>
-                  <p:par>
-                    <p:cTn id="11" fill="hold">
-                      <p:stCondLst>
-                        <p:cond delay="indefinite"/>
-                      </p:stCondLst>
-                      <p:childTnLst>
-                        <p:par>
-                          <p:cTn id="12" fill="hold">
-                            <p:stCondLst>
-                              <p:cond delay="0"/>
-                            </p:stCondLst>
-                            <p:childTnLst>
-                              <p:par>
-                                <p:cTn id="13" presetID="1" presetClass="entr" presetSubtype="0" fill="hold" nodeType="clickEffect">
-                                  <p:stCondLst>
-                                    <p:cond delay="0"/>
-                                  </p:stCondLst>
-                                  <p:childTnLst>
-                                    <p:set>
-                                      <p:cBhvr>
-                                        <p:cTn id="14" dur="1" fill="hold">
-                                          <p:stCondLst>
-                                            <p:cond delay="0"/>
-                                          </p:stCondLst>
-                                        </p:cTn>
-                                        <p:tgtEl>
-                                          <p:spTgt spid="4">
-                                            <p:txEl>
-                                              <p:pRg st="3" end="3"/>
-                                            </p:txEl>
-                                          </p:spTgt>
-                                        </p:tgtEl>
-                                        <p:attrNameLst>
-                                          <p:attrName>style.visibility</p:attrName>
-                                        </p:attrNameLst>
-                                      </p:cBhvr>
-                                      <p:to>
-                                        <p:strVal val="visible"/>
-                                      </p:to>
-                                    </p:set>
-                                  </p:childTnLst>
-                                </p:cTn>
-                              </p:par>
-                            </p:childTnLst>
-                          </p:cTn>
-                        </p:par>
-                      </p:childTnLst>
-                    </p:cTn>
-                  </p:par>
-                  <p:par>
-                    <p:cTn id="15" fill="hold">
-                      <p:stCondLst>
-                        <p:cond delay="indefinite"/>
-                      </p:stCondLst>
-                      <p:childTnLst>
-                        <p:par>
-                          <p:cTn id="16" fill="hold">
-                            <p:stCondLst>
-                              <p:cond delay="0"/>
-                            </p:stCondLst>
-                            <p:childTnLst>
-                              <p:par>
-                                <p:cTn id="17" presetID="1" presetClass="entr" presetSubtype="0" fill="hold" nodeType="clickEffect">
-                                  <p:stCondLst>
-                                    <p:cond delay="0"/>
-                                  </p:stCondLst>
-                                  <p:childTnLst>
-                                    <p:set>
-                                      <p:cBhvr>
-                                        <p:cTn id="18" dur="1" fill="hold">
-                                          <p:stCondLst>
-                                            <p:cond delay="0"/>
-                                          </p:stCondLst>
-                                        </p:cTn>
-                                        <p:tgtEl>
-                                          <p:spTgt spid="4">
-                                            <p:txEl>
-                                              <p:pRg st="4" end="4"/>
-                                            </p:txEl>
-                                          </p:spTgt>
-                                        </p:tgtEl>
-                                        <p:attrNameLst>
-                                          <p:attrName>style.visibility</p:attrName>
-                                        </p:attrNameLst>
-                                      </p:cBhvr>
-                                      <p:to>
-                                        <p:strVal val="visible"/>
-                                      </p:to>
-                                    </p:set>
-                                  </p:childTnLst>
-                                </p:cTn>
-                              </p:par>
-                            </p:childTnLst>
-                          </p:cTn>
-                        </p:par>
-                      </p:childTnLst>
-                    </p:cTn>
-                  </p:par>
-                  <p:par>
-                    <p:cTn id="19" fill="hold">
-                      <p:stCondLst>
-                        <p:cond delay="indefinite"/>
-                      </p:stCondLst>
-                      <p:childTnLst>
-                        <p:par>
-                          <p:cTn id="20" fill="hold">
-                            <p:stCondLst>
-                              <p:cond delay="0"/>
-                            </p:stCondLst>
-                            <p:childTnLst>
-                              <p:par>
-                                <p:cTn id="21" presetID="1" presetClass="entr" presetSubtype="0" fill="hold" nodeType="clickEffect">
-                                  <p:stCondLst>
-                                    <p:cond delay="0"/>
-                                  </p:stCondLst>
-                                  <p:childTnLst>
-                                    <p:set>
-                                      <p:cBhvr>
-                                        <p:cTn id="22" dur="1" fill="hold">
-                                          <p:stCondLst>
-                                            <p:cond delay="0"/>
-                                          </p:stCondLst>
-                                        </p:cTn>
-                                        <p:tgtEl>
-                                          <p:spTgt spid="4">
-                                            <p:txEl>
-                                              <p:pRg st="5" end="5"/>
-                                            </p:txEl>
-                                          </p:spTgt>
-                                        </p:tgtEl>
-                                        <p:attrNameLst>
-                                          <p:attrName>style.visibility</p:attrName>
-                                        </p:attrNameLst>
-                                      </p:cBhvr>
-                                      <p:to>
-                                        <p:strVal val="visible"/>
-                                      </p:to>
-                                    </p:set>
-                                  </p:childTnLst>
-                                </p:cTn>
-                              </p:par>
-                            </p:childTnLst>
-                          </p:cTn>
-                        </p:par>
-                      </p:childTnLst>
-                    </p:cTn>
-                  </p:par>
-                </p:childTnLst>
-              </p:cTn>
-              <p:prevCondLst>
-                <p:cond evt="onPrev" delay="0">
-                  <p:tgtEl>
-                    <p:sldTgt/>
-                  </p:tgtEl>
-                </p:cond>
-              </p:prevCondLst>
-              <p:nextCondLst>
-                <p:cond evt="onNext" delay="0">
-                  <p:tgtEl>
-                    <p:sldTgt/>
-                  </p:tgtEl>
-                </p:cond>
-              </p:nextCondLst>
-            </p:seq>
-          </p:childTnLst>
-        </p:cTn>
-      </p:par>
-    </p:tnLst>
-  </p:timing>
-</p:sld>
-</file>
-
-<file path=ppt/slides/slide5.xml><?xml version="1.0" encoding="utf-8"?>
-<p:sld xmlns:a="http://schemas.openxmlformats.org/drawingml/2006/main" xmlns:r="http://schemas.openxmlformats.org/officeDocument/2006/relationships" xmlns:p="http://schemas.openxmlformats.org/presentationml/2006/main">
-  <p:cSld>
-    <p:spTree>
-      <p:nvGrpSpPr>
-        <p:cNvPr id="1" name=""/>
-        <p:cNvGrpSpPr/>
-        <p:nvPr/>
-      </p:nvGrpSpPr>
-      <p:grpSpPr>
-        <a:xfrm>
-          <a:off x="0" y="0"/>
-          <a:ext cx="0" cy="0"/>
-          <a:chOff x="0" y="0"/>
-          <a:chExt cx="0" cy="0"/>
-        </a:xfrm>
-      </p:grpSpPr>
-      <p:sp>
-        <p:nvSpPr>
-          <p:cNvPr id="2" name="Title 1">
-            <a:extLst>
-              <a:ext uri="{FF2B5EF4-FFF2-40B4-BE49-F238E27FC236}">
-                <a16:creationId xmlns:a16="http://schemas.microsoft.com/office/drawing/2014/main" id="{EDE419EF-0E46-9E4D-8C75-4293CAE61F27}"/>
-              </a:ext>
-            </a:extLst>
-          </p:cNvPr>
-          <p:cNvSpPr>
-            <a:spLocks noGrp="1"/>
-          </p:cNvSpPr>
-          <p:nvPr>
-            <p:ph type="title"/>
-          </p:nvPr>
-        </p:nvSpPr>
-        <p:spPr>
-          <a:xfrm>
-            <a:off x="624264" y="426416"/>
-            <a:ext cx="7922594" cy="669139"/>
-          </a:xfrm>
-        </p:spPr>
-        <p:txBody>
-          <a:bodyPr/>
-          <a:lstStyle/>
-          <a:p>
-            <a:pPr algn="l"/>
-            <a:r>
-              <a:rPr lang="en-US" cap="none" dirty="0"/>
-              <a:t>The curriculum</a:t>
-            </a:r>
-          </a:p>
-        </p:txBody>
-      </p:sp>
-      <p:sp>
-        <p:nvSpPr>
-          <p:cNvPr id="4" name="Content Placeholder 3">
-            <a:extLst>
-              <a:ext uri="{FF2B5EF4-FFF2-40B4-BE49-F238E27FC236}">
-                <a16:creationId xmlns:a16="http://schemas.microsoft.com/office/drawing/2014/main" id="{864D3036-8B0F-5C44-90AB-7558ABA4CDEC}"/>
-              </a:ext>
-            </a:extLst>
-          </p:cNvPr>
-          <p:cNvSpPr>
-            <a:spLocks noGrp="1"/>
-          </p:cNvSpPr>
-          <p:nvPr>
-            <p:ph sz="quarter" idx="13"/>
-          </p:nvPr>
-        </p:nvSpPr>
-        <p:spPr>
-          <a:xfrm>
-            <a:off x="444137" y="1095555"/>
-            <a:ext cx="8294914" cy="4443096"/>
-          </a:xfrm>
-        </p:spPr>
-        <p:txBody>
-          <a:bodyPr>
-            <a:normAutofit/>
-          </a:bodyPr>
-          <a:lstStyle/>
-          <a:p>
-            <a:pPr marL="0" indent="0">
-              <a:buNone/>
-            </a:pPr>
-            <a:r>
-              <a:rPr lang="en-US" sz="2200" dirty="0"/>
-              <a:t>7) Multimedia</a:t>
-            </a:r>
-          </a:p>
-          <a:p>
-            <a:pPr marL="0" indent="0">
-              <a:buNone/>
-            </a:pPr>
-            <a:r>
-              <a:rPr lang="en-US" sz="2200" dirty="0"/>
-              <a:t>8) Computer Hardware</a:t>
-            </a:r>
-          </a:p>
-          <a:p>
-            <a:pPr marL="0" indent="0">
-              <a:buNone/>
-            </a:pPr>
-            <a:r>
-              <a:rPr lang="en-US" sz="2200" dirty="0"/>
-              <a:t>9) Write Python games with the Arcade Library. We will write Tetris from scratch in groups of two.</a:t>
-            </a:r>
-          </a:p>
-          <a:p>
-            <a:pPr marL="0" indent="0">
-              <a:buNone/>
-            </a:pPr>
-            <a:r>
-              <a:rPr lang="en-US" sz="2200" dirty="0"/>
-              <a:t>10) We live in a world of big data: Internet of Things, data streams  businesses, RFID tags, sensor enabled equipment, video cameras, twitter data feeds, health records, housing data, customer feedback/reviews, data from scientific research/observations, etc... </a:t>
-            </a:r>
-          </a:p>
-          <a:p>
-            <a:pPr lvl="1"/>
-            <a:r>
-              <a:rPr lang="en-US" sz="1900" dirty="0"/>
-              <a:t>careers such as doctors, nurses, economists, STEM researchers, financial/business analytics will require skills in processing and analyzing large amount of data </a:t>
-            </a:r>
-          </a:p>
-          <a:p>
-            <a:pPr lvl="1"/>
-            <a:r>
-              <a:rPr lang="en-US" sz="1900" dirty="0"/>
-              <a:t>Python is by the far the most popular language in data processing and analysis</a:t>
-            </a:r>
-          </a:p>
-          <a:p>
-            <a:pPr marL="0" indent="0">
-              <a:buNone/>
-            </a:pPr>
-            <a:r>
-              <a:rPr lang="en-US" sz="2200" dirty="0"/>
-              <a:t>  </a:t>
-            </a:r>
-          </a:p>
-          <a:p>
-            <a:pPr marL="0" indent="0">
-              <a:buNone/>
-            </a:pPr>
-            <a:endParaRPr lang="en-US" sz="2200" dirty="0"/>
-          </a:p>
-          <a:p>
-            <a:pPr marL="457200" indent="-457200">
-              <a:buFont typeface="Arial" panose="020B0604020202020204" pitchFamily="34" charset="0"/>
-              <a:buAutoNum type="arabicParenR"/>
-            </a:pPr>
-            <a:endParaRPr lang="en-US" dirty="0"/>
-          </a:p>
-          <a:p>
-            <a:pPr marL="457200" indent="-457200">
-              <a:buAutoNum type="arabicParenR"/>
-            </a:pPr>
-            <a:endParaRPr lang="en-US" sz="2200" dirty="0"/>
-          </a:p>
-          <a:p>
-            <a:pPr marL="457200" indent="-457200">
-              <a:buAutoNum type="arabicParenR"/>
-            </a:pPr>
-            <a:endParaRPr lang="en-US" sz="2200" dirty="0"/>
-          </a:p>
-        </p:txBody>
-      </p:sp>
-    </p:spTree>
-    <p:extLst>
-      <p:ext uri="{BB962C8B-B14F-4D97-AF65-F5344CB8AC3E}">
-        <p14:creationId xmlns:p14="http://schemas.microsoft.com/office/powerpoint/2010/main" val="2235787597"/>
-      </p:ext>
-    </p:extLst>
-  </p:cSld>
-  <p:clrMapOvr>
-    <a:masterClrMapping/>
-  </p:clrMapOvr>
-  <p:timing>
-    <p:tnLst>
-      <p:par>
-        <p:cTn id="1" dur="indefinite" restart="never" nodeType="tmRoot">
-          <p:childTnLst>
-            <p:seq concurrent="1" nextAc="seek">
-              <p:cTn id="2" dur="indefinite" nodeType="mainSeq">
-                <p:childTnLst>
-                  <p:par>
-                    <p:cTn id="3" fill="hold">
-                      <p:stCondLst>
-                        <p:cond delay="indefinite"/>
-                      </p:stCondLst>
-                      <p:childTnLst>
-                        <p:par>
-                          <p:cTn id="4" fill="hold">
-                            <p:stCondLst>
-                              <p:cond delay="0"/>
-                            </p:stCondLst>
-                            <p:childTnLst>
-                              <p:par>
-                                <p:cTn id="5" presetID="1" presetClass="entr" presetSubtype="0" fill="hold" nodeType="clickEffect">
-                                  <p:stCondLst>
-                                    <p:cond delay="0"/>
-                                  </p:stCondLst>
-                                  <p:childTnLst>
-                                    <p:set>
-                                      <p:cBhvr>
-                                        <p:cTn id="6" dur="1" fill="hold">
-                                          <p:stCondLst>
-                                            <p:cond delay="0"/>
-                                          </p:stCondLst>
-                                        </p:cTn>
-                                        <p:tgtEl>
-                                          <p:spTgt spid="4">
-                                            <p:txEl>
-                                              <p:pRg st="0" end="0"/>
-                                            </p:txEl>
-                                          </p:spTgt>
-                                        </p:tgtEl>
-                                        <p:attrNameLst>
-                                          <p:attrName>style.visibility</p:attrName>
-                                        </p:attrNameLst>
-                                      </p:cBhvr>
-                                      <p:to>
-                                        <p:strVal val="visible"/>
-                                      </p:to>
-                                    </p:set>
-                                  </p:childTnLst>
-                                </p:cTn>
-                              </p:par>
-                            </p:childTnLst>
-                          </p:cTn>
-                        </p:par>
-                      </p:childTnLst>
-                    </p:cTn>
-                  </p:par>
-                  <p:par>
-                    <p:cTn id="7" fill="hold">
-                      <p:stCondLst>
-                        <p:cond delay="indefinite"/>
-                      </p:stCondLst>
-                      <p:childTnLst>
-                        <p:par>
-                          <p:cTn id="8" fill="hold">
-                            <p:stCondLst>
-                              <p:cond delay="0"/>
-                            </p:stCondLst>
-                            <p:childTnLst>
-                              <p:par>
-                                <p:cTn id="9" presetID="1" presetClass="entr" presetSubtype="0" fill="hold" nodeType="clickEffect">
-                                  <p:stCondLst>
-                                    <p:cond delay="0"/>
-                                  </p:stCondLst>
-                                  <p:childTnLst>
-                                    <p:set>
-                                      <p:cBhvr>
-                                        <p:cTn id="10" dur="1" fill="hold">
-                                          <p:stCondLst>
-                                            <p:cond delay="0"/>
-                                          </p:stCondLst>
-                                        </p:cTn>
-                                        <p:tgtEl>
-                                          <p:spTgt spid="4">
-                                            <p:txEl>
-                                              <p:pRg st="1" end="1"/>
-                                            </p:txEl>
-                                          </p:spTgt>
-                                        </p:tgtEl>
-                                        <p:attrNameLst>
-                                          <p:attrName>style.visibility</p:attrName>
-                                        </p:attrNameLst>
-                                      </p:cBhvr>
-                                      <p:to>
-                                        <p:strVal val="visible"/>
-                                      </p:to>
-                                    </p:set>
-                                  </p:childTnLst>
-                                </p:cTn>
-                              </p:par>
-                            </p:childTnLst>
-                          </p:cTn>
-                        </p:par>
-                      </p:childTnLst>
-                    </p:cTn>
-                  </p:par>
-                  <p:par>
-                    <p:cTn id="11" fill="hold">
-                      <p:stCondLst>
-                        <p:cond delay="indefinite"/>
-                      </p:stCondLst>
-                      <p:childTnLst>
-                        <p:par>
-                          <p:cTn id="12" fill="hold">
-                            <p:stCondLst>
-                              <p:cond delay="0"/>
-                            </p:stCondLst>
-                            <p:childTnLst>
-                              <p:par>
-                                <p:cTn id="13" presetID="1" presetClass="entr" presetSubtype="0" fill="hold" nodeType="clickEffect">
-                                  <p:stCondLst>
-                                    <p:cond delay="0"/>
-                                  </p:stCondLst>
-                                  <p:childTnLst>
-                                    <p:set>
-                                      <p:cBhvr>
-                                        <p:cTn id="14" dur="1" fill="hold">
-                                          <p:stCondLst>
-                                            <p:cond delay="0"/>
-                                          </p:stCondLst>
-                                        </p:cTn>
-                                        <p:tgtEl>
-                                          <p:spTgt spid="4">
-                                            <p:txEl>
-                                              <p:pRg st="2" end="2"/>
-                                            </p:txEl>
-                                          </p:spTgt>
-                                        </p:tgtEl>
-                                        <p:attrNameLst>
-                                          <p:attrName>style.visibility</p:attrName>
-                                        </p:attrNameLst>
-                                      </p:cBhvr>
-                                      <p:to>
-                                        <p:strVal val="visible"/>
-                                      </p:to>
-                                    </p:set>
-                                  </p:childTnLst>
-                                </p:cTn>
-                              </p:par>
-                            </p:childTnLst>
-                          </p:cTn>
-                        </p:par>
-                      </p:childTnLst>
-                    </p:cTn>
-                  </p:par>
-                  <p:par>
-                    <p:cTn id="15" fill="hold">
-                      <p:stCondLst>
-                        <p:cond delay="indefinite"/>
-                      </p:stCondLst>
-                      <p:childTnLst>
-                        <p:par>
-                          <p:cTn id="16" fill="hold">
-                            <p:stCondLst>
-                              <p:cond delay="0"/>
-                            </p:stCondLst>
-                            <p:childTnLst>
-                              <p:par>
-                                <p:cTn id="17" presetID="1" presetClass="entr" presetSubtype="0" fill="hold" nodeType="clickEffect">
-                                  <p:stCondLst>
-                                    <p:cond delay="0"/>
-                                  </p:stCondLst>
-                                  <p:childTnLst>
-                                    <p:set>
-                                      <p:cBhvr>
-                                        <p:cTn id="18" dur="1" fill="hold">
-                                          <p:stCondLst>
-                                            <p:cond delay="0"/>
-                                          </p:stCondLst>
-                                        </p:cTn>
-                                        <p:tgtEl>
-                                          <p:spTgt spid="4">
-                                            <p:txEl>
-                                              <p:pRg st="3" end="3"/>
-                                            </p:txEl>
-                                          </p:spTgt>
-                                        </p:tgtEl>
-                                        <p:attrNameLst>
-                                          <p:attrName>style.visibility</p:attrName>
-                                        </p:attrNameLst>
-                                      </p:cBhvr>
-                                      <p:to>
-                                        <p:strVal val="visible"/>
-                                      </p:to>
-                                    </p:set>
-                                  </p:childTnLst>
-                                </p:cTn>
-                              </p:par>
-                            </p:childTnLst>
-                          </p:cTn>
-                        </p:par>
-                      </p:childTnLst>
-                    </p:cTn>
-                  </p:par>
-                  <p:par>
-                    <p:cTn id="19" fill="hold">
-                      <p:stCondLst>
-                        <p:cond delay="indefinite"/>
-                      </p:stCondLst>
-                      <p:childTnLst>
-                        <p:par>
-                          <p:cTn id="20" fill="hold">
-                            <p:stCondLst>
-                              <p:cond delay="0"/>
-                            </p:stCondLst>
-                            <p:childTnLst>
-                              <p:par>
-                                <p:cTn id="21" presetID="1" presetClass="entr" presetSubtype="0" fill="hold" nodeType="clickEffect">
-                                  <p:stCondLst>
-                                    <p:cond delay="0"/>
-                                  </p:stCondLst>
-                                  <p:childTnLst>
-                                    <p:set>
-                                      <p:cBhvr>
-                                        <p:cTn id="22" dur="1" fill="hold">
-                                          <p:stCondLst>
-                                            <p:cond delay="0"/>
-                                          </p:stCondLst>
-                                        </p:cTn>
-                                        <p:tgtEl>
-                                          <p:spTgt spid="4">
-                                            <p:txEl>
-                                              <p:pRg st="4" end="4"/>
-                                            </p:txEl>
-                                          </p:spTgt>
-                                        </p:tgtEl>
-                                        <p:attrNameLst>
-                                          <p:attrName>style.visibility</p:attrName>
-                                        </p:attrNameLst>
-                                      </p:cBhvr>
-                                      <p:to>
-                                        <p:strVal val="visible"/>
-                                      </p:to>
-                                    </p:set>
-                                  </p:childTnLst>
-                                </p:cTn>
-                              </p:par>
-                            </p:childTnLst>
-                          </p:cTn>
-                        </p:par>
-                      </p:childTnLst>
-                    </p:cTn>
-                  </p:par>
-                  <p:par>
-                    <p:cTn id="23" fill="hold">
-                      <p:stCondLst>
-                        <p:cond delay="indefinite"/>
-                      </p:stCondLst>
-                      <p:childTnLst>
-                        <p:par>
-                          <p:cTn id="24" fill="hold">
-                            <p:stCondLst>
-                              <p:cond delay="0"/>
-                            </p:stCondLst>
-                            <p:childTnLst>
-                              <p:par>
-                                <p:cTn id="25" presetID="1" presetClass="entr" presetSubtype="0" fill="hold" nodeType="clickEffect">
-                                  <p:stCondLst>
-                                    <p:cond delay="0"/>
-                                  </p:stCondLst>
-                                  <p:childTnLst>
-                                    <p:set>
-                                      <p:cBhvr>
-                                        <p:cTn id="26" dur="1" fill="hold">
-                                          <p:stCondLst>
-                                            <p:cond delay="0"/>
-                                          </p:stCondLst>
-                                        </p:cTn>
-                                        <p:tgtEl>
-                                          <p:spTgt spid="4">
-                                            <p:txEl>
-                                              <p:pRg st="5" end="5"/>
-                                            </p:txEl>
-                                          </p:spTgt>
-                                        </p:tgtEl>
-                                        <p:attrNameLst>
-                                          <p:attrName>style.visibility</p:attrName>
-                                        </p:attrNameLst>
-                                      </p:cBhvr>
-                                      <p:to>
-                                        <p:strVal val="visible"/>
-                                      </p:to>
-                                    </p:set>
-                                  </p:childTnLst>
-                                </p:cTn>
-                              </p:par>
-                            </p:childTnLst>
-                          </p:cTn>
-                        </p:par>
-                      </p:childTnLst>
-                    </p:cTn>
-                  </p:par>
-                  <p:par>
-                    <p:cTn id="27" fill="hold">
-                      <p:stCondLst>
-                        <p:cond delay="indefinite"/>
-                      </p:stCondLst>
-                      <p:childTnLst>
-                        <p:par>
-                          <p:cTn id="28" fill="hold">
-                            <p:stCondLst>
-                              <p:cond delay="0"/>
-                            </p:stCondLst>
-                            <p:childTnLst>
-                              <p:par>
-                                <p:cTn id="29" presetID="1" presetClass="entr" presetSubtype="0" fill="hold" nodeType="clickEffect">
-                                  <p:stCondLst>
-                                    <p:cond delay="0"/>
-                                  </p:stCondLst>
-                                  <p:childTnLst>
-                                    <p:set>
-                                      <p:cBhvr>
-                                        <p:cTn id="30" dur="1" fill="hold">
-                                          <p:stCondLst>
-                                            <p:cond delay="0"/>
-                                          </p:stCondLst>
-                                        </p:cTn>
-                                        <p:tgtEl>
-                                          <p:spTgt spid="4">
-                                            <p:txEl>
-                                              <p:pRg st="6" end="6"/>
+                                              <p:pRg st="12" end="12"/>
                                             </p:txEl>
                                           </p:spTgt>
                                         </p:tgtEl>
